--- a/report/Term_Project_XTRG_Presentation.pptx
+++ b/report/Term_Project_XTRG_Presentation.pptx
@@ -5,11 +5,15 @@
     <p:sldMasterId id="2147483648" r:id="rId1"/>
   </p:sldMasterIdLst>
   <p:notesMasterIdLst>
-    <p:notesMasterId r:id="rId4"/>
+    <p:notesMasterId r:id="rId8"/>
   </p:notesMasterIdLst>
   <p:sldIdLst>
     <p:sldId id="257" r:id="rId2"/>
     <p:sldId id="258" r:id="rId3"/>
+    <p:sldId id="259" r:id="rId4"/>
+    <p:sldId id="260" r:id="rId5"/>
+    <p:sldId id="261" r:id="rId6"/>
+    <p:sldId id="262" r:id="rId7"/>
   </p:sldIdLst>
   <p:sldSz cx="12192000" cy="6858000"/>
   <p:notesSz cx="6858000" cy="9144000"/>
@@ -199,7 +203,7 @@
             <a:fld id="{0C1F448F-86F9-4731-A83D-96FCA7389CBB}" type="datetimeFigureOut">
               <a:rPr lang="en-US" smtClean="0"/>
               <a:pPr/>
-              <a:t>6/21/2025</a:t>
+              <a:t>7/3/2025</a:t>
             </a:fld>
             <a:endParaRPr lang="en-US" dirty="0"/>
           </a:p>
@@ -637,6 +641,442 @@
 </p:notes>
 </file>
 
+<file path=ppt/notesSlides/notesSlide3.xml><?xml version="1.0" encoding="utf-8"?>
+<p:notes xmlns:a="http://schemas.openxmlformats.org/drawingml/2006/main" xmlns:r="http://schemas.openxmlformats.org/officeDocument/2006/relationships" xmlns:p="http://schemas.openxmlformats.org/presentationml/2006/main">
+  <p:cSld>
+    <p:spTree>
+      <p:nvGrpSpPr>
+        <p:cNvPr id="1" name="">
+          <a:extLst>
+            <a:ext uri="{FF2B5EF4-FFF2-40B4-BE49-F238E27FC236}">
+              <a16:creationId xmlns:a16="http://schemas.microsoft.com/office/drawing/2014/main" id="{3F4DBBBE-A30C-0B25-B3B6-ACA83437C2A1}"/>
+            </a:ext>
+          </a:extLst>
+        </p:cNvPr>
+        <p:cNvGrpSpPr/>
+        <p:nvPr/>
+      </p:nvGrpSpPr>
+      <p:grpSpPr>
+        <a:xfrm>
+          <a:off x="0" y="0"/>
+          <a:ext cx="0" cy="0"/>
+          <a:chOff x="0" y="0"/>
+          <a:chExt cx="0" cy="0"/>
+        </a:xfrm>
+      </p:grpSpPr>
+      <p:sp>
+        <p:nvSpPr>
+          <p:cNvPr id="2" name="Slide Image Placeholder 1">
+            <a:extLst>
+              <a:ext uri="{FF2B5EF4-FFF2-40B4-BE49-F238E27FC236}">
+                <a16:creationId xmlns:a16="http://schemas.microsoft.com/office/drawing/2014/main" id="{D125A4D5-F6B7-3F56-F851-5911F6CE1FBF}"/>
+              </a:ext>
+            </a:extLst>
+          </p:cNvPr>
+          <p:cNvSpPr>
+            <a:spLocks noGrp="1" noRot="1" noChangeAspect="1"/>
+          </p:cNvSpPr>
+          <p:nvPr>
+            <p:ph type="sldImg"/>
+          </p:nvPr>
+        </p:nvSpPr>
+        <p:spPr/>
+      </p:sp>
+      <p:sp>
+        <p:nvSpPr>
+          <p:cNvPr id="3" name="Notes Placeholder 2">
+            <a:extLst>
+              <a:ext uri="{FF2B5EF4-FFF2-40B4-BE49-F238E27FC236}">
+                <a16:creationId xmlns:a16="http://schemas.microsoft.com/office/drawing/2014/main" id="{3D7BA349-1AA4-61A9-095D-D58A52E9D4CD}"/>
+              </a:ext>
+            </a:extLst>
+          </p:cNvPr>
+          <p:cNvSpPr>
+            <a:spLocks noGrp="1"/>
+          </p:cNvSpPr>
+          <p:nvPr>
+            <p:ph type="body" idx="1"/>
+          </p:nvPr>
+        </p:nvSpPr>
+        <p:spPr/>
+        <p:txBody>
+          <a:bodyPr/>
+          <a:lstStyle/>
+          <a:p>
+            <a:endParaRPr lang="en-US" dirty="0"/>
+          </a:p>
+        </p:txBody>
+      </p:sp>
+      <p:sp>
+        <p:nvSpPr>
+          <p:cNvPr id="4" name="Slide Number Placeholder 3">
+            <a:extLst>
+              <a:ext uri="{FF2B5EF4-FFF2-40B4-BE49-F238E27FC236}">
+                <a16:creationId xmlns:a16="http://schemas.microsoft.com/office/drawing/2014/main" id="{DC4D4D1A-D12D-908C-8058-3B1BA7B1718A}"/>
+              </a:ext>
+            </a:extLst>
+          </p:cNvPr>
+          <p:cNvSpPr>
+            <a:spLocks noGrp="1"/>
+          </p:cNvSpPr>
+          <p:nvPr>
+            <p:ph type="sldNum" sz="quarter" idx="5"/>
+          </p:nvPr>
+        </p:nvSpPr>
+        <p:spPr/>
+        <p:txBody>
+          <a:bodyPr/>
+          <a:lstStyle/>
+          <a:p>
+            <a:fld id="{B12B4F69-D1A4-4078-9861-7D666137929B}" type="slidenum">
+              <a:rPr lang="en-US" smtClean="0"/>
+              <a:pPr/>
+              <a:t>3</a:t>
+            </a:fld>
+            <a:endParaRPr lang="en-US" dirty="0"/>
+          </a:p>
+        </p:txBody>
+      </p:sp>
+    </p:spTree>
+    <p:extLst>
+      <p:ext uri="{BB962C8B-B14F-4D97-AF65-F5344CB8AC3E}">
+        <p14:creationId xmlns:p14="http://schemas.microsoft.com/office/powerpoint/2010/main" val="1642558300"/>
+      </p:ext>
+    </p:extLst>
+  </p:cSld>
+  <p:clrMapOvr>
+    <a:masterClrMapping/>
+  </p:clrMapOvr>
+</p:notes>
+</file>
+
+<file path=ppt/notesSlides/notesSlide4.xml><?xml version="1.0" encoding="utf-8"?>
+<p:notes xmlns:a="http://schemas.openxmlformats.org/drawingml/2006/main" xmlns:r="http://schemas.openxmlformats.org/officeDocument/2006/relationships" xmlns:p="http://schemas.openxmlformats.org/presentationml/2006/main">
+  <p:cSld>
+    <p:spTree>
+      <p:nvGrpSpPr>
+        <p:cNvPr id="1" name="">
+          <a:extLst>
+            <a:ext uri="{FF2B5EF4-FFF2-40B4-BE49-F238E27FC236}">
+              <a16:creationId xmlns:a16="http://schemas.microsoft.com/office/drawing/2014/main" id="{17B254E9-4931-0A43-7F4A-B503F41BBD61}"/>
+            </a:ext>
+          </a:extLst>
+        </p:cNvPr>
+        <p:cNvGrpSpPr/>
+        <p:nvPr/>
+      </p:nvGrpSpPr>
+      <p:grpSpPr>
+        <a:xfrm>
+          <a:off x="0" y="0"/>
+          <a:ext cx="0" cy="0"/>
+          <a:chOff x="0" y="0"/>
+          <a:chExt cx="0" cy="0"/>
+        </a:xfrm>
+      </p:grpSpPr>
+      <p:sp>
+        <p:nvSpPr>
+          <p:cNvPr id="2" name="Slide Image Placeholder 1">
+            <a:extLst>
+              <a:ext uri="{FF2B5EF4-FFF2-40B4-BE49-F238E27FC236}">
+                <a16:creationId xmlns:a16="http://schemas.microsoft.com/office/drawing/2014/main" id="{1D15BA15-0793-128D-FD51-4EA32E32A054}"/>
+              </a:ext>
+            </a:extLst>
+          </p:cNvPr>
+          <p:cNvSpPr>
+            <a:spLocks noGrp="1" noRot="1" noChangeAspect="1"/>
+          </p:cNvSpPr>
+          <p:nvPr>
+            <p:ph type="sldImg"/>
+          </p:nvPr>
+        </p:nvSpPr>
+        <p:spPr/>
+      </p:sp>
+      <p:sp>
+        <p:nvSpPr>
+          <p:cNvPr id="3" name="Notes Placeholder 2">
+            <a:extLst>
+              <a:ext uri="{FF2B5EF4-FFF2-40B4-BE49-F238E27FC236}">
+                <a16:creationId xmlns:a16="http://schemas.microsoft.com/office/drawing/2014/main" id="{8F20F8D9-5E0E-7414-B91C-AA2D7F64F4CA}"/>
+              </a:ext>
+            </a:extLst>
+          </p:cNvPr>
+          <p:cNvSpPr>
+            <a:spLocks noGrp="1"/>
+          </p:cNvSpPr>
+          <p:nvPr>
+            <p:ph type="body" idx="1"/>
+          </p:nvPr>
+        </p:nvSpPr>
+        <p:spPr/>
+        <p:txBody>
+          <a:bodyPr/>
+          <a:lstStyle/>
+          <a:p>
+            <a:endParaRPr lang="en-US" dirty="0"/>
+          </a:p>
+        </p:txBody>
+      </p:sp>
+      <p:sp>
+        <p:nvSpPr>
+          <p:cNvPr id="4" name="Slide Number Placeholder 3">
+            <a:extLst>
+              <a:ext uri="{FF2B5EF4-FFF2-40B4-BE49-F238E27FC236}">
+                <a16:creationId xmlns:a16="http://schemas.microsoft.com/office/drawing/2014/main" id="{481F889A-FE69-5E44-A6AE-C35038E8B44A}"/>
+              </a:ext>
+            </a:extLst>
+          </p:cNvPr>
+          <p:cNvSpPr>
+            <a:spLocks noGrp="1"/>
+          </p:cNvSpPr>
+          <p:nvPr>
+            <p:ph type="sldNum" sz="quarter" idx="5"/>
+          </p:nvPr>
+        </p:nvSpPr>
+        <p:spPr/>
+        <p:txBody>
+          <a:bodyPr/>
+          <a:lstStyle/>
+          <a:p>
+            <a:fld id="{B12B4F69-D1A4-4078-9861-7D666137929B}" type="slidenum">
+              <a:rPr lang="en-US" smtClean="0"/>
+              <a:pPr/>
+              <a:t>4</a:t>
+            </a:fld>
+            <a:endParaRPr lang="en-US" dirty="0"/>
+          </a:p>
+        </p:txBody>
+      </p:sp>
+    </p:spTree>
+    <p:extLst>
+      <p:ext uri="{BB962C8B-B14F-4D97-AF65-F5344CB8AC3E}">
+        <p14:creationId xmlns:p14="http://schemas.microsoft.com/office/powerpoint/2010/main" val="4288529768"/>
+      </p:ext>
+    </p:extLst>
+  </p:cSld>
+  <p:clrMapOvr>
+    <a:masterClrMapping/>
+  </p:clrMapOvr>
+</p:notes>
+</file>
+
+<file path=ppt/notesSlides/notesSlide5.xml><?xml version="1.0" encoding="utf-8"?>
+<p:notes xmlns:a="http://schemas.openxmlformats.org/drawingml/2006/main" xmlns:r="http://schemas.openxmlformats.org/officeDocument/2006/relationships" xmlns:p="http://schemas.openxmlformats.org/presentationml/2006/main">
+  <p:cSld>
+    <p:spTree>
+      <p:nvGrpSpPr>
+        <p:cNvPr id="1" name="">
+          <a:extLst>
+            <a:ext uri="{FF2B5EF4-FFF2-40B4-BE49-F238E27FC236}">
+              <a16:creationId xmlns:a16="http://schemas.microsoft.com/office/drawing/2014/main" id="{ADA3D402-4A86-D535-1AB1-D779BAD60220}"/>
+            </a:ext>
+          </a:extLst>
+        </p:cNvPr>
+        <p:cNvGrpSpPr/>
+        <p:nvPr/>
+      </p:nvGrpSpPr>
+      <p:grpSpPr>
+        <a:xfrm>
+          <a:off x="0" y="0"/>
+          <a:ext cx="0" cy="0"/>
+          <a:chOff x="0" y="0"/>
+          <a:chExt cx="0" cy="0"/>
+        </a:xfrm>
+      </p:grpSpPr>
+      <p:sp>
+        <p:nvSpPr>
+          <p:cNvPr id="2" name="Slide Image Placeholder 1">
+            <a:extLst>
+              <a:ext uri="{FF2B5EF4-FFF2-40B4-BE49-F238E27FC236}">
+                <a16:creationId xmlns:a16="http://schemas.microsoft.com/office/drawing/2014/main" id="{4F47D5F3-ECDF-F187-247C-E9E413B61A6F}"/>
+              </a:ext>
+            </a:extLst>
+          </p:cNvPr>
+          <p:cNvSpPr>
+            <a:spLocks noGrp="1" noRot="1" noChangeAspect="1"/>
+          </p:cNvSpPr>
+          <p:nvPr>
+            <p:ph type="sldImg"/>
+          </p:nvPr>
+        </p:nvSpPr>
+        <p:spPr/>
+      </p:sp>
+      <p:sp>
+        <p:nvSpPr>
+          <p:cNvPr id="3" name="Notes Placeholder 2">
+            <a:extLst>
+              <a:ext uri="{FF2B5EF4-FFF2-40B4-BE49-F238E27FC236}">
+                <a16:creationId xmlns:a16="http://schemas.microsoft.com/office/drawing/2014/main" id="{0BC7AAEA-94FF-C247-D6AB-1218B62D1FAD}"/>
+              </a:ext>
+            </a:extLst>
+          </p:cNvPr>
+          <p:cNvSpPr>
+            <a:spLocks noGrp="1"/>
+          </p:cNvSpPr>
+          <p:nvPr>
+            <p:ph type="body" idx="1"/>
+          </p:nvPr>
+        </p:nvSpPr>
+        <p:spPr/>
+        <p:txBody>
+          <a:bodyPr/>
+          <a:lstStyle/>
+          <a:p>
+            <a:endParaRPr lang="en-US" dirty="0"/>
+          </a:p>
+        </p:txBody>
+      </p:sp>
+      <p:sp>
+        <p:nvSpPr>
+          <p:cNvPr id="4" name="Slide Number Placeholder 3">
+            <a:extLst>
+              <a:ext uri="{FF2B5EF4-FFF2-40B4-BE49-F238E27FC236}">
+                <a16:creationId xmlns:a16="http://schemas.microsoft.com/office/drawing/2014/main" id="{E4F0DE72-5CBF-C73C-CAA5-58F9AEF9D5E4}"/>
+              </a:ext>
+            </a:extLst>
+          </p:cNvPr>
+          <p:cNvSpPr>
+            <a:spLocks noGrp="1"/>
+          </p:cNvSpPr>
+          <p:nvPr>
+            <p:ph type="sldNum" sz="quarter" idx="5"/>
+          </p:nvPr>
+        </p:nvSpPr>
+        <p:spPr/>
+        <p:txBody>
+          <a:bodyPr/>
+          <a:lstStyle/>
+          <a:p>
+            <a:fld id="{B12B4F69-D1A4-4078-9861-7D666137929B}" type="slidenum">
+              <a:rPr lang="en-US" smtClean="0"/>
+              <a:pPr/>
+              <a:t>5</a:t>
+            </a:fld>
+            <a:endParaRPr lang="en-US" dirty="0"/>
+          </a:p>
+        </p:txBody>
+      </p:sp>
+    </p:spTree>
+    <p:extLst>
+      <p:ext uri="{BB962C8B-B14F-4D97-AF65-F5344CB8AC3E}">
+        <p14:creationId xmlns:p14="http://schemas.microsoft.com/office/powerpoint/2010/main" val="1500854488"/>
+      </p:ext>
+    </p:extLst>
+  </p:cSld>
+  <p:clrMapOvr>
+    <a:masterClrMapping/>
+  </p:clrMapOvr>
+</p:notes>
+</file>
+
+<file path=ppt/notesSlides/notesSlide6.xml><?xml version="1.0" encoding="utf-8"?>
+<p:notes xmlns:a="http://schemas.openxmlformats.org/drawingml/2006/main" xmlns:r="http://schemas.openxmlformats.org/officeDocument/2006/relationships" xmlns:p="http://schemas.openxmlformats.org/presentationml/2006/main">
+  <p:cSld>
+    <p:spTree>
+      <p:nvGrpSpPr>
+        <p:cNvPr id="1" name="">
+          <a:extLst>
+            <a:ext uri="{FF2B5EF4-FFF2-40B4-BE49-F238E27FC236}">
+              <a16:creationId xmlns:a16="http://schemas.microsoft.com/office/drawing/2014/main" id="{1528F83B-AA8C-CAEA-1E82-376DCCC327EC}"/>
+            </a:ext>
+          </a:extLst>
+        </p:cNvPr>
+        <p:cNvGrpSpPr/>
+        <p:nvPr/>
+      </p:nvGrpSpPr>
+      <p:grpSpPr>
+        <a:xfrm>
+          <a:off x="0" y="0"/>
+          <a:ext cx="0" cy="0"/>
+          <a:chOff x="0" y="0"/>
+          <a:chExt cx="0" cy="0"/>
+        </a:xfrm>
+      </p:grpSpPr>
+      <p:sp>
+        <p:nvSpPr>
+          <p:cNvPr id="2" name="Slide Image Placeholder 1">
+            <a:extLst>
+              <a:ext uri="{FF2B5EF4-FFF2-40B4-BE49-F238E27FC236}">
+                <a16:creationId xmlns:a16="http://schemas.microsoft.com/office/drawing/2014/main" id="{F5276194-9DAD-6638-25C6-24570F1937F5}"/>
+              </a:ext>
+            </a:extLst>
+          </p:cNvPr>
+          <p:cNvSpPr>
+            <a:spLocks noGrp="1" noRot="1" noChangeAspect="1"/>
+          </p:cNvSpPr>
+          <p:nvPr>
+            <p:ph type="sldImg"/>
+          </p:nvPr>
+        </p:nvSpPr>
+        <p:spPr/>
+      </p:sp>
+      <p:sp>
+        <p:nvSpPr>
+          <p:cNvPr id="3" name="Notes Placeholder 2">
+            <a:extLst>
+              <a:ext uri="{FF2B5EF4-FFF2-40B4-BE49-F238E27FC236}">
+                <a16:creationId xmlns:a16="http://schemas.microsoft.com/office/drawing/2014/main" id="{A7F375F5-11EA-BD98-B766-57686E115EBA}"/>
+              </a:ext>
+            </a:extLst>
+          </p:cNvPr>
+          <p:cNvSpPr>
+            <a:spLocks noGrp="1"/>
+          </p:cNvSpPr>
+          <p:nvPr>
+            <p:ph type="body" idx="1"/>
+          </p:nvPr>
+        </p:nvSpPr>
+        <p:spPr/>
+        <p:txBody>
+          <a:bodyPr/>
+          <a:lstStyle/>
+          <a:p>
+            <a:endParaRPr lang="en-US" dirty="0"/>
+          </a:p>
+        </p:txBody>
+      </p:sp>
+      <p:sp>
+        <p:nvSpPr>
+          <p:cNvPr id="4" name="Slide Number Placeholder 3">
+            <a:extLst>
+              <a:ext uri="{FF2B5EF4-FFF2-40B4-BE49-F238E27FC236}">
+                <a16:creationId xmlns:a16="http://schemas.microsoft.com/office/drawing/2014/main" id="{59EDED87-53B0-1FFF-0D38-B3D53B37749D}"/>
+              </a:ext>
+            </a:extLst>
+          </p:cNvPr>
+          <p:cNvSpPr>
+            <a:spLocks noGrp="1"/>
+          </p:cNvSpPr>
+          <p:nvPr>
+            <p:ph type="sldNum" sz="quarter" idx="5"/>
+          </p:nvPr>
+        </p:nvSpPr>
+        <p:spPr/>
+        <p:txBody>
+          <a:bodyPr/>
+          <a:lstStyle/>
+          <a:p>
+            <a:fld id="{B12B4F69-D1A4-4078-9861-7D666137929B}" type="slidenum">
+              <a:rPr lang="en-US" smtClean="0"/>
+              <a:pPr/>
+              <a:t>6</a:t>
+            </a:fld>
+            <a:endParaRPr lang="en-US" dirty="0"/>
+          </a:p>
+        </p:txBody>
+      </p:sp>
+    </p:spTree>
+    <p:extLst>
+      <p:ext uri="{BB962C8B-B14F-4D97-AF65-F5344CB8AC3E}">
+        <p14:creationId xmlns:p14="http://schemas.microsoft.com/office/powerpoint/2010/main" val="688119063"/>
+      </p:ext>
+    </p:extLst>
+  </p:cSld>
+  <p:clrMapOvr>
+    <a:masterClrMapping/>
+  </p:clrMapOvr>
+</p:notes>
+</file>
+
 <file path=ppt/slideLayouts/slideLayout1.xml><?xml version="1.0" encoding="utf-8"?>
 <p:sldLayout xmlns:a="http://schemas.openxmlformats.org/drawingml/2006/main" xmlns:r="http://schemas.openxmlformats.org/officeDocument/2006/relationships" xmlns:p="http://schemas.openxmlformats.org/presentationml/2006/main" type="title" preserve="1">
   <p:cSld name="Title Slide">
@@ -855,7 +1295,7 @@
             <a:fld id="{5E4FD71B-E960-4BE4-B463-A12BB7700A42}" type="datetimeFigureOut">
               <a:rPr lang="en-US" smtClean="0"/>
               <a:pPr/>
-              <a:t>6/21/2025</a:t>
+              <a:t>7/3/2025</a:t>
             </a:fld>
             <a:endParaRPr lang="en-US" dirty="0"/>
           </a:p>
@@ -1153,7 +1593,7 @@
             <a:fld id="{5E4FD71B-E960-4BE4-B463-A12BB7700A42}" type="datetimeFigureOut">
               <a:rPr lang="en-US" smtClean="0"/>
               <a:pPr/>
-              <a:t>6/21/2025</a:t>
+              <a:t>7/3/2025</a:t>
             </a:fld>
             <a:endParaRPr lang="en-US" dirty="0"/>
           </a:p>
@@ -1461,7 +1901,7 @@
             <a:fld id="{5E4FD71B-E960-4BE4-B463-A12BB7700A42}" type="datetimeFigureOut">
               <a:rPr lang="en-US" smtClean="0"/>
               <a:pPr/>
-              <a:t>6/21/2025</a:t>
+              <a:t>7/3/2025</a:t>
             </a:fld>
             <a:endParaRPr lang="en-US" dirty="0"/>
           </a:p>
@@ -1759,7 +2199,7 @@
             <a:fld id="{5E4FD71B-E960-4BE4-B463-A12BB7700A42}" type="datetimeFigureOut">
               <a:rPr lang="en-US" smtClean="0"/>
               <a:pPr/>
-              <a:t>6/21/2025</a:t>
+              <a:t>7/3/2025</a:t>
             </a:fld>
             <a:endParaRPr lang="en-US" dirty="0"/>
           </a:p>
@@ -2114,7 +2554,7 @@
             <a:fld id="{5E4FD71B-E960-4BE4-B463-A12BB7700A42}" type="datetimeFigureOut">
               <a:rPr lang="en-US" smtClean="0"/>
               <a:pPr/>
-              <a:t>6/21/2025</a:t>
+              <a:t>7/3/2025</a:t>
             </a:fld>
             <a:endParaRPr lang="en-US" dirty="0"/>
           </a:p>
@@ -2495,7 +2935,7 @@
             <a:fld id="{5E4FD71B-E960-4BE4-B463-A12BB7700A42}" type="datetimeFigureOut">
               <a:rPr lang="en-US" smtClean="0"/>
               <a:pPr/>
-              <a:t>6/21/2025</a:t>
+              <a:t>7/3/2025</a:t>
             </a:fld>
             <a:endParaRPr lang="en-US" dirty="0"/>
           </a:p>
@@ -3023,7 +3463,7 @@
             <a:fld id="{5E4FD71B-E960-4BE4-B463-A12BB7700A42}" type="datetimeFigureOut">
               <a:rPr lang="en-US" smtClean="0"/>
               <a:pPr/>
-              <a:t>6/21/2025</a:t>
+              <a:t>7/3/2025</a:t>
             </a:fld>
             <a:endParaRPr lang="en-US" dirty="0"/>
           </a:p>
@@ -3248,7 +3688,7 @@
             <a:fld id="{5E4FD71B-E960-4BE4-B463-A12BB7700A42}" type="datetimeFigureOut">
               <a:rPr lang="en-US" smtClean="0"/>
               <a:pPr/>
-              <a:t>6/21/2025</a:t>
+              <a:t>7/3/2025</a:t>
             </a:fld>
             <a:endParaRPr lang="en-US" dirty="0"/>
           </a:p>
@@ -3441,7 +3881,7 @@
             <a:fld id="{5E4FD71B-E960-4BE4-B463-A12BB7700A42}" type="datetimeFigureOut">
               <a:rPr lang="en-US" smtClean="0"/>
               <a:pPr/>
-              <a:t>6/21/2025</a:t>
+              <a:t>7/3/2025</a:t>
             </a:fld>
             <a:endParaRPr lang="en-US" dirty="0"/>
           </a:p>
@@ -3832,7 +4272,7 @@
             <a:fld id="{5E4FD71B-E960-4BE4-B463-A12BB7700A42}" type="datetimeFigureOut">
               <a:rPr lang="en-US" smtClean="0"/>
               <a:pPr/>
-              <a:t>6/21/2025</a:t>
+              <a:t>7/3/2025</a:t>
             </a:fld>
             <a:endParaRPr lang="en-US" dirty="0"/>
           </a:p>
@@ -4200,7 +4640,7 @@
             <a:fld id="{5E4FD71B-E960-4BE4-B463-A12BB7700A42}" type="datetimeFigureOut">
               <a:rPr lang="en-US" smtClean="0"/>
               <a:pPr/>
-              <a:t>6/21/2025</a:t>
+              <a:t>7/3/2025</a:t>
             </a:fld>
             <a:endParaRPr lang="en-US" dirty="0"/>
           </a:p>
@@ -4517,7 +4957,7 @@
             <a:fld id="{5E4FD71B-E960-4BE4-B463-A12BB7700A42}" type="datetimeFigureOut">
               <a:rPr lang="en-US" smtClean="0"/>
               <a:pPr/>
-              <a:t>6/21/2025</a:t>
+              <a:t>7/3/2025</a:t>
             </a:fld>
             <a:endParaRPr lang="en-US" dirty="0"/>
           </a:p>
@@ -5524,12 +5964,12 @@
           <a:graphicData uri="http://schemas.openxmlformats.org/presentationml/2006/ole">
             <mc:AlternateContent xmlns:mc="http://schemas.openxmlformats.org/markup-compatibility/2006">
               <mc:Choice xmlns:v="urn:schemas-microsoft-com:vml" Requires="v">
-                <p:oleObj name="think-cell Slide" r:id="rId6" imgW="479" imgH="478" progId="TCLayout.ActiveDocument.1">
+                <p:oleObj name="think-cell Slide" r:id="rId11" imgW="479" imgH="478" progId="TCLayout.ActiveDocument.1">
                   <p:embed/>
                 </p:oleObj>
               </mc:Choice>
               <mc:Fallback>
-                <p:oleObj name="think-cell Slide" r:id="rId6" imgW="479" imgH="478" progId="TCLayout.ActiveDocument.1">
+                <p:oleObj name="think-cell Slide" r:id="rId11" imgW="479" imgH="478" progId="TCLayout.ActiveDocument.1">
                   <p:embed/>
                   <p:pic>
                     <p:nvPicPr>
@@ -5538,7 +5978,7 @@
                       <p:nvPr/>
                     </p:nvPicPr>
                     <p:blipFill>
-                      <a:blip r:embed="rId7"/>
+                      <a:blip r:embed="rId12"/>
                       <a:stretch>
                         <a:fillRect/>
                       </a:stretch>
@@ -5603,7 +6043,7 @@
       </p:sp>
       <p:sp>
         <p:nvSpPr>
-          <p:cNvPr id="2" name="Untertitel 2">
+          <p:cNvPr id="2" name="Untertitel 2 1">
             <a:extLst>
               <a:ext uri="{FF2B5EF4-FFF2-40B4-BE49-F238E27FC236}">
                 <a16:creationId xmlns:a16="http://schemas.microsoft.com/office/drawing/2014/main" id="{E9CF12DC-8C59-598E-C184-0E644936F8F3}"/>
@@ -5821,14 +6261,14 @@
           <p:nvPr/>
         </p:nvPicPr>
         <p:blipFill>
-          <a:blip r:embed="rId8"/>
+          <a:blip r:embed="rId13"/>
           <a:stretch>
             <a:fillRect/>
           </a:stretch>
         </p:blipFill>
         <p:spPr>
           <a:xfrm>
-            <a:off x="2606974" y="2893689"/>
+            <a:off x="2606974" y="2287539"/>
             <a:ext cx="5260118" cy="704566"/>
           </a:xfrm>
           <a:prstGeom prst="rect">
@@ -5838,10 +6278,3248 @@
       </p:pic>
       <p:sp>
         <p:nvSpPr>
+          <p:cNvPr id="23" name="Untertitel 2 2">
+            <a:extLst>
+              <a:ext uri="{FF2B5EF4-FFF2-40B4-BE49-F238E27FC236}">
+                <a16:creationId xmlns:a16="http://schemas.microsoft.com/office/drawing/2014/main" id="{521939AD-918B-CE47-B159-D0986ADCA8E6}"/>
+              </a:ext>
+            </a:extLst>
+          </p:cNvPr>
+          <p:cNvSpPr txBox="1">
+            <a:spLocks/>
+          </p:cNvSpPr>
+          <p:nvPr/>
+        </p:nvSpPr>
+        <p:spPr>
+          <a:xfrm>
+            <a:off x="1412051" y="1519886"/>
+            <a:ext cx="1398206" cy="487223"/>
+          </a:xfrm>
+          <a:prstGeom prst="rect">
+            <a:avLst/>
+          </a:prstGeom>
+        </p:spPr>
+        <p:txBody>
+          <a:bodyPr vert="horz" lIns="91440" tIns="45720" rIns="91440" bIns="45720" rtlCol="0">
+            <a:normAutofit/>
+          </a:bodyPr>
+          <a:lstStyle>
+            <a:lvl1pPr marL="228600" indent="-228600" algn="l" defTabSz="914400" rtl="0" eaLnBrk="1" latinLnBrk="0" hangingPunct="1">
+              <a:lnSpc>
+                <a:spcPct val="90000"/>
+              </a:lnSpc>
+              <a:spcBef>
+                <a:spcPts val="1000"/>
+              </a:spcBef>
+              <a:buFont typeface="Arial" panose="020B0604020202020204" pitchFamily="34" charset="0"/>
+              <a:buChar char="•"/>
+              <a:defRPr sz="2800" kern="1200">
+                <a:solidFill>
+                  <a:schemeClr val="tx1"/>
+                </a:solidFill>
+                <a:latin typeface="+mn-lt"/>
+                <a:ea typeface="+mn-ea"/>
+                <a:cs typeface="+mn-cs"/>
+              </a:defRPr>
+            </a:lvl1pPr>
+            <a:lvl2pPr marL="685800" indent="-228600" algn="l" defTabSz="914400" rtl="0" eaLnBrk="1" latinLnBrk="0" hangingPunct="1">
+              <a:lnSpc>
+                <a:spcPct val="90000"/>
+              </a:lnSpc>
+              <a:spcBef>
+                <a:spcPts val="500"/>
+              </a:spcBef>
+              <a:buFont typeface="Arial" panose="020B0604020202020204" pitchFamily="34" charset="0"/>
+              <a:buChar char="•"/>
+              <a:defRPr sz="2400" kern="1200">
+                <a:solidFill>
+                  <a:schemeClr val="tx1"/>
+                </a:solidFill>
+                <a:latin typeface="+mn-lt"/>
+                <a:ea typeface="+mn-ea"/>
+                <a:cs typeface="+mn-cs"/>
+              </a:defRPr>
+            </a:lvl2pPr>
+            <a:lvl3pPr marL="1143000" indent="-228600" algn="l" defTabSz="914400" rtl="0" eaLnBrk="1" latinLnBrk="0" hangingPunct="1">
+              <a:lnSpc>
+                <a:spcPct val="90000"/>
+              </a:lnSpc>
+              <a:spcBef>
+                <a:spcPts val="500"/>
+              </a:spcBef>
+              <a:buFont typeface="Arial" panose="020B0604020202020204" pitchFamily="34" charset="0"/>
+              <a:buChar char="•"/>
+              <a:defRPr sz="2000" kern="1200">
+                <a:solidFill>
+                  <a:schemeClr val="tx1"/>
+                </a:solidFill>
+                <a:latin typeface="+mn-lt"/>
+                <a:ea typeface="+mn-ea"/>
+                <a:cs typeface="+mn-cs"/>
+              </a:defRPr>
+            </a:lvl3pPr>
+            <a:lvl4pPr marL="1600200" indent="-228600" algn="l" defTabSz="914400" rtl="0" eaLnBrk="1" latinLnBrk="0" hangingPunct="1">
+              <a:lnSpc>
+                <a:spcPct val="90000"/>
+              </a:lnSpc>
+              <a:spcBef>
+                <a:spcPts val="500"/>
+              </a:spcBef>
+              <a:buFont typeface="Arial" panose="020B0604020202020204" pitchFamily="34" charset="0"/>
+              <a:buChar char="•"/>
+              <a:defRPr sz="1800" kern="1200">
+                <a:solidFill>
+                  <a:schemeClr val="tx1"/>
+                </a:solidFill>
+                <a:latin typeface="+mn-lt"/>
+                <a:ea typeface="+mn-ea"/>
+                <a:cs typeface="+mn-cs"/>
+              </a:defRPr>
+            </a:lvl4pPr>
+            <a:lvl5pPr marL="2057400" indent="-228600" algn="l" defTabSz="914400" rtl="0" eaLnBrk="1" latinLnBrk="0" hangingPunct="1">
+              <a:lnSpc>
+                <a:spcPct val="90000"/>
+              </a:lnSpc>
+              <a:spcBef>
+                <a:spcPts val="500"/>
+              </a:spcBef>
+              <a:buFont typeface="Arial" panose="020B0604020202020204" pitchFamily="34" charset="0"/>
+              <a:buChar char="•"/>
+              <a:defRPr sz="1800" kern="1200">
+                <a:solidFill>
+                  <a:schemeClr val="tx1"/>
+                </a:solidFill>
+                <a:latin typeface="+mn-lt"/>
+                <a:ea typeface="+mn-ea"/>
+                <a:cs typeface="+mn-cs"/>
+              </a:defRPr>
+            </a:lvl5pPr>
+            <a:lvl6pPr marL="2514600" indent="-228600" algn="l" defTabSz="914400" rtl="0" eaLnBrk="1" latinLnBrk="0" hangingPunct="1">
+              <a:lnSpc>
+                <a:spcPct val="90000"/>
+              </a:lnSpc>
+              <a:spcBef>
+                <a:spcPts val="500"/>
+              </a:spcBef>
+              <a:buFont typeface="Arial" panose="020B0604020202020204" pitchFamily="34" charset="0"/>
+              <a:buChar char="•"/>
+              <a:defRPr sz="1800" kern="1200">
+                <a:solidFill>
+                  <a:schemeClr val="tx1"/>
+                </a:solidFill>
+                <a:latin typeface="+mn-lt"/>
+                <a:ea typeface="+mn-ea"/>
+                <a:cs typeface="+mn-cs"/>
+              </a:defRPr>
+            </a:lvl6pPr>
+            <a:lvl7pPr marL="2971800" indent="-228600" algn="l" defTabSz="914400" rtl="0" eaLnBrk="1" latinLnBrk="0" hangingPunct="1">
+              <a:lnSpc>
+                <a:spcPct val="90000"/>
+              </a:lnSpc>
+              <a:spcBef>
+                <a:spcPts val="500"/>
+              </a:spcBef>
+              <a:buFont typeface="Arial" panose="020B0604020202020204" pitchFamily="34" charset="0"/>
+              <a:buChar char="•"/>
+              <a:defRPr sz="1800" kern="1200">
+                <a:solidFill>
+                  <a:schemeClr val="tx1"/>
+                </a:solidFill>
+                <a:latin typeface="+mn-lt"/>
+                <a:ea typeface="+mn-ea"/>
+                <a:cs typeface="+mn-cs"/>
+              </a:defRPr>
+            </a:lvl7pPr>
+            <a:lvl8pPr marL="3429000" indent="-228600" algn="l" defTabSz="914400" rtl="0" eaLnBrk="1" latinLnBrk="0" hangingPunct="1">
+              <a:lnSpc>
+                <a:spcPct val="90000"/>
+              </a:lnSpc>
+              <a:spcBef>
+                <a:spcPts val="500"/>
+              </a:spcBef>
+              <a:buFont typeface="Arial" panose="020B0604020202020204" pitchFamily="34" charset="0"/>
+              <a:buChar char="•"/>
+              <a:defRPr sz="1800" kern="1200">
+                <a:solidFill>
+                  <a:schemeClr val="tx1"/>
+                </a:solidFill>
+                <a:latin typeface="+mn-lt"/>
+                <a:ea typeface="+mn-ea"/>
+                <a:cs typeface="+mn-cs"/>
+              </a:defRPr>
+            </a:lvl8pPr>
+            <a:lvl9pPr marL="3886200" indent="-228600" algn="l" defTabSz="914400" rtl="0" eaLnBrk="1" latinLnBrk="0" hangingPunct="1">
+              <a:lnSpc>
+                <a:spcPct val="90000"/>
+              </a:lnSpc>
+              <a:spcBef>
+                <a:spcPts val="500"/>
+              </a:spcBef>
+              <a:buFont typeface="Arial" panose="020B0604020202020204" pitchFamily="34" charset="0"/>
+              <a:buChar char="•"/>
+              <a:defRPr sz="1800" kern="1200">
+                <a:solidFill>
+                  <a:schemeClr val="tx1"/>
+                </a:solidFill>
+                <a:latin typeface="+mn-lt"/>
+                <a:ea typeface="+mn-ea"/>
+                <a:cs typeface="+mn-cs"/>
+              </a:defRPr>
+            </a:lvl9pPr>
+          </a:lstStyle>
+          <a:p>
+            <a:pPr marL="0" indent="0">
+              <a:buNone/>
+            </a:pPr>
+            <a:r>
+              <a:rPr lang="en-US" sz="2400" noProof="0" dirty="0">
+                <a:solidFill>
+                  <a:schemeClr val="tx2">
+                    <a:lumMod val="75000"/>
+                    <a:lumOff val="25000"/>
+                  </a:schemeClr>
+                </a:solidFill>
+                <a:latin typeface="Bahnschrift SemiCondensed" panose="020B0502040204020203" pitchFamily="34" charset="0"/>
+              </a:rPr>
+              <a:t>XY-Model</a:t>
+            </a:r>
+            <a:endParaRPr lang="en-US" sz="2400" noProof="0" dirty="0">
+              <a:solidFill>
+                <a:schemeClr val="tx2">
+                  <a:lumMod val="75000"/>
+                  <a:lumOff val="25000"/>
+                </a:schemeClr>
+              </a:solidFill>
+            </a:endParaRPr>
+          </a:p>
+        </p:txBody>
+      </p:sp>
+      <p:sp>
+        <p:nvSpPr>
+          <p:cNvPr id="24" name="Untertitel 2 3 1">
+            <a:extLst>
+              <a:ext uri="{FF2B5EF4-FFF2-40B4-BE49-F238E27FC236}">
+                <a16:creationId xmlns:a16="http://schemas.microsoft.com/office/drawing/2014/main" id="{CE6A4575-3F63-0FBE-9123-E7147C01DFFA}"/>
+              </a:ext>
+            </a:extLst>
+          </p:cNvPr>
+          <p:cNvSpPr txBox="1">
+            <a:spLocks/>
+          </p:cNvSpPr>
+          <p:nvPr/>
+        </p:nvSpPr>
+        <p:spPr>
+          <a:xfrm>
+            <a:off x="8218392" y="2396209"/>
+            <a:ext cx="2687096" cy="487223"/>
+          </a:xfrm>
+          <a:prstGeom prst="rect">
+            <a:avLst/>
+          </a:prstGeom>
+        </p:spPr>
+        <p:txBody>
+          <a:bodyPr vert="horz" lIns="91440" tIns="45720" rIns="91440" bIns="45720" rtlCol="0">
+            <a:normAutofit/>
+          </a:bodyPr>
+          <a:lstStyle>
+            <a:lvl1pPr marL="228600" indent="-228600" algn="l" defTabSz="914400" rtl="0" eaLnBrk="1" latinLnBrk="0" hangingPunct="1">
+              <a:lnSpc>
+                <a:spcPct val="90000"/>
+              </a:lnSpc>
+              <a:spcBef>
+                <a:spcPts val="1000"/>
+              </a:spcBef>
+              <a:buFont typeface="Arial" panose="020B0604020202020204" pitchFamily="34" charset="0"/>
+              <a:buChar char="•"/>
+              <a:defRPr sz="2800" kern="1200">
+                <a:solidFill>
+                  <a:schemeClr val="tx1"/>
+                </a:solidFill>
+                <a:latin typeface="+mn-lt"/>
+                <a:ea typeface="+mn-ea"/>
+                <a:cs typeface="+mn-cs"/>
+              </a:defRPr>
+            </a:lvl1pPr>
+            <a:lvl2pPr marL="685800" indent="-228600" algn="l" defTabSz="914400" rtl="0" eaLnBrk="1" latinLnBrk="0" hangingPunct="1">
+              <a:lnSpc>
+                <a:spcPct val="90000"/>
+              </a:lnSpc>
+              <a:spcBef>
+                <a:spcPts val="500"/>
+              </a:spcBef>
+              <a:buFont typeface="Arial" panose="020B0604020202020204" pitchFamily="34" charset="0"/>
+              <a:buChar char="•"/>
+              <a:defRPr sz="2400" kern="1200">
+                <a:solidFill>
+                  <a:schemeClr val="tx1"/>
+                </a:solidFill>
+                <a:latin typeface="+mn-lt"/>
+                <a:ea typeface="+mn-ea"/>
+                <a:cs typeface="+mn-cs"/>
+              </a:defRPr>
+            </a:lvl2pPr>
+            <a:lvl3pPr marL="1143000" indent="-228600" algn="l" defTabSz="914400" rtl="0" eaLnBrk="1" latinLnBrk="0" hangingPunct="1">
+              <a:lnSpc>
+                <a:spcPct val="90000"/>
+              </a:lnSpc>
+              <a:spcBef>
+                <a:spcPts val="500"/>
+              </a:spcBef>
+              <a:buFont typeface="Arial" panose="020B0604020202020204" pitchFamily="34" charset="0"/>
+              <a:buChar char="•"/>
+              <a:defRPr sz="2000" kern="1200">
+                <a:solidFill>
+                  <a:schemeClr val="tx1"/>
+                </a:solidFill>
+                <a:latin typeface="+mn-lt"/>
+                <a:ea typeface="+mn-ea"/>
+                <a:cs typeface="+mn-cs"/>
+              </a:defRPr>
+            </a:lvl3pPr>
+            <a:lvl4pPr marL="1600200" indent="-228600" algn="l" defTabSz="914400" rtl="0" eaLnBrk="1" latinLnBrk="0" hangingPunct="1">
+              <a:lnSpc>
+                <a:spcPct val="90000"/>
+              </a:lnSpc>
+              <a:spcBef>
+                <a:spcPts val="500"/>
+              </a:spcBef>
+              <a:buFont typeface="Arial" panose="020B0604020202020204" pitchFamily="34" charset="0"/>
+              <a:buChar char="•"/>
+              <a:defRPr sz="1800" kern="1200">
+                <a:solidFill>
+                  <a:schemeClr val="tx1"/>
+                </a:solidFill>
+                <a:latin typeface="+mn-lt"/>
+                <a:ea typeface="+mn-ea"/>
+                <a:cs typeface="+mn-cs"/>
+              </a:defRPr>
+            </a:lvl4pPr>
+            <a:lvl5pPr marL="2057400" indent="-228600" algn="l" defTabSz="914400" rtl="0" eaLnBrk="1" latinLnBrk="0" hangingPunct="1">
+              <a:lnSpc>
+                <a:spcPct val="90000"/>
+              </a:lnSpc>
+              <a:spcBef>
+                <a:spcPts val="500"/>
+              </a:spcBef>
+              <a:buFont typeface="Arial" panose="020B0604020202020204" pitchFamily="34" charset="0"/>
+              <a:buChar char="•"/>
+              <a:defRPr sz="1800" kern="1200">
+                <a:solidFill>
+                  <a:schemeClr val="tx1"/>
+                </a:solidFill>
+                <a:latin typeface="+mn-lt"/>
+                <a:ea typeface="+mn-ea"/>
+                <a:cs typeface="+mn-cs"/>
+              </a:defRPr>
+            </a:lvl5pPr>
+            <a:lvl6pPr marL="2514600" indent="-228600" algn="l" defTabSz="914400" rtl="0" eaLnBrk="1" latinLnBrk="0" hangingPunct="1">
+              <a:lnSpc>
+                <a:spcPct val="90000"/>
+              </a:lnSpc>
+              <a:spcBef>
+                <a:spcPts val="500"/>
+              </a:spcBef>
+              <a:buFont typeface="Arial" panose="020B0604020202020204" pitchFamily="34" charset="0"/>
+              <a:buChar char="•"/>
+              <a:defRPr sz="1800" kern="1200">
+                <a:solidFill>
+                  <a:schemeClr val="tx1"/>
+                </a:solidFill>
+                <a:latin typeface="+mn-lt"/>
+                <a:ea typeface="+mn-ea"/>
+                <a:cs typeface="+mn-cs"/>
+              </a:defRPr>
+            </a:lvl6pPr>
+            <a:lvl7pPr marL="2971800" indent="-228600" algn="l" defTabSz="914400" rtl="0" eaLnBrk="1" latinLnBrk="0" hangingPunct="1">
+              <a:lnSpc>
+                <a:spcPct val="90000"/>
+              </a:lnSpc>
+              <a:spcBef>
+                <a:spcPts val="500"/>
+              </a:spcBef>
+              <a:buFont typeface="Arial" panose="020B0604020202020204" pitchFamily="34" charset="0"/>
+              <a:buChar char="•"/>
+              <a:defRPr sz="1800" kern="1200">
+                <a:solidFill>
+                  <a:schemeClr val="tx1"/>
+                </a:solidFill>
+                <a:latin typeface="+mn-lt"/>
+                <a:ea typeface="+mn-ea"/>
+                <a:cs typeface="+mn-cs"/>
+              </a:defRPr>
+            </a:lvl7pPr>
+            <a:lvl8pPr marL="3429000" indent="-228600" algn="l" defTabSz="914400" rtl="0" eaLnBrk="1" latinLnBrk="0" hangingPunct="1">
+              <a:lnSpc>
+                <a:spcPct val="90000"/>
+              </a:lnSpc>
+              <a:spcBef>
+                <a:spcPts val="500"/>
+              </a:spcBef>
+              <a:buFont typeface="Arial" panose="020B0604020202020204" pitchFamily="34" charset="0"/>
+              <a:buChar char="•"/>
+              <a:defRPr sz="1800" kern="1200">
+                <a:solidFill>
+                  <a:schemeClr val="tx1"/>
+                </a:solidFill>
+                <a:latin typeface="+mn-lt"/>
+                <a:ea typeface="+mn-ea"/>
+                <a:cs typeface="+mn-cs"/>
+              </a:defRPr>
+            </a:lvl8pPr>
+            <a:lvl9pPr marL="3886200" indent="-228600" algn="l" defTabSz="914400" rtl="0" eaLnBrk="1" latinLnBrk="0" hangingPunct="1">
+              <a:lnSpc>
+                <a:spcPct val="90000"/>
+              </a:lnSpc>
+              <a:spcBef>
+                <a:spcPts val="500"/>
+              </a:spcBef>
+              <a:buFont typeface="Arial" panose="020B0604020202020204" pitchFamily="34" charset="0"/>
+              <a:buChar char="•"/>
+              <a:defRPr sz="1800" kern="1200">
+                <a:solidFill>
+                  <a:schemeClr val="tx1"/>
+                </a:solidFill>
+                <a:latin typeface="+mn-lt"/>
+                <a:ea typeface="+mn-ea"/>
+                <a:cs typeface="+mn-cs"/>
+              </a:defRPr>
+            </a:lvl9pPr>
+          </a:lstStyle>
+          <a:p>
+            <a:pPr marL="0" indent="0">
+              <a:buNone/>
+            </a:pPr>
+            <a:r>
+              <a:rPr lang="en-US" sz="2400" noProof="0" dirty="0">
+                <a:solidFill>
+                  <a:schemeClr val="tx2">
+                    <a:lumMod val="75000"/>
+                    <a:lumOff val="25000"/>
+                  </a:schemeClr>
+                </a:solidFill>
+                <a:latin typeface="Bahnschrift SemiCondensed" panose="020B0502040204020203" pitchFamily="34" charset="0"/>
+              </a:rPr>
+              <a:t>MPO Representation</a:t>
+            </a:r>
+            <a:endParaRPr lang="en-US" sz="2400" noProof="0" dirty="0">
+              <a:solidFill>
+                <a:schemeClr val="tx2">
+                  <a:lumMod val="75000"/>
+                  <a:lumOff val="25000"/>
+                </a:schemeClr>
+              </a:solidFill>
+            </a:endParaRPr>
+          </a:p>
+        </p:txBody>
+      </p:sp>
+      <p:sp>
+        <p:nvSpPr>
+          <p:cNvPr id="29" name="Untertitel 2 4">
+            <a:extLst>
+              <a:ext uri="{FF2B5EF4-FFF2-40B4-BE49-F238E27FC236}">
+                <a16:creationId xmlns:a16="http://schemas.microsoft.com/office/drawing/2014/main" id="{592614A4-B7E0-6D0E-8C1E-8F6E31686D1B}"/>
+              </a:ext>
+            </a:extLst>
+          </p:cNvPr>
+          <p:cNvSpPr txBox="1">
+            <a:spLocks/>
+          </p:cNvSpPr>
+          <p:nvPr/>
+        </p:nvSpPr>
+        <p:spPr>
+          <a:xfrm>
+            <a:off x="1412051" y="3750947"/>
+            <a:ext cx="906543" cy="487223"/>
+          </a:xfrm>
+          <a:prstGeom prst="rect">
+            <a:avLst/>
+          </a:prstGeom>
+        </p:spPr>
+        <p:txBody>
+          <a:bodyPr vert="horz" lIns="91440" tIns="45720" rIns="91440" bIns="45720" rtlCol="0">
+            <a:normAutofit/>
+          </a:bodyPr>
+          <a:lstStyle>
+            <a:lvl1pPr marL="228600" indent="-228600" algn="l" defTabSz="914400" rtl="0" eaLnBrk="1" latinLnBrk="0" hangingPunct="1">
+              <a:lnSpc>
+                <a:spcPct val="90000"/>
+              </a:lnSpc>
+              <a:spcBef>
+                <a:spcPts val="1000"/>
+              </a:spcBef>
+              <a:buFont typeface="Arial" panose="020B0604020202020204" pitchFamily="34" charset="0"/>
+              <a:buChar char="•"/>
+              <a:defRPr sz="2800" kern="1200">
+                <a:solidFill>
+                  <a:schemeClr val="tx1"/>
+                </a:solidFill>
+                <a:latin typeface="+mn-lt"/>
+                <a:ea typeface="+mn-ea"/>
+                <a:cs typeface="+mn-cs"/>
+              </a:defRPr>
+            </a:lvl1pPr>
+            <a:lvl2pPr marL="685800" indent="-228600" algn="l" defTabSz="914400" rtl="0" eaLnBrk="1" latinLnBrk="0" hangingPunct="1">
+              <a:lnSpc>
+                <a:spcPct val="90000"/>
+              </a:lnSpc>
+              <a:spcBef>
+                <a:spcPts val="500"/>
+              </a:spcBef>
+              <a:buFont typeface="Arial" panose="020B0604020202020204" pitchFamily="34" charset="0"/>
+              <a:buChar char="•"/>
+              <a:defRPr sz="2400" kern="1200">
+                <a:solidFill>
+                  <a:schemeClr val="tx1"/>
+                </a:solidFill>
+                <a:latin typeface="+mn-lt"/>
+                <a:ea typeface="+mn-ea"/>
+                <a:cs typeface="+mn-cs"/>
+              </a:defRPr>
+            </a:lvl2pPr>
+            <a:lvl3pPr marL="1143000" indent="-228600" algn="l" defTabSz="914400" rtl="0" eaLnBrk="1" latinLnBrk="0" hangingPunct="1">
+              <a:lnSpc>
+                <a:spcPct val="90000"/>
+              </a:lnSpc>
+              <a:spcBef>
+                <a:spcPts val="500"/>
+              </a:spcBef>
+              <a:buFont typeface="Arial" panose="020B0604020202020204" pitchFamily="34" charset="0"/>
+              <a:buChar char="•"/>
+              <a:defRPr sz="2000" kern="1200">
+                <a:solidFill>
+                  <a:schemeClr val="tx1"/>
+                </a:solidFill>
+                <a:latin typeface="+mn-lt"/>
+                <a:ea typeface="+mn-ea"/>
+                <a:cs typeface="+mn-cs"/>
+              </a:defRPr>
+            </a:lvl3pPr>
+            <a:lvl4pPr marL="1600200" indent="-228600" algn="l" defTabSz="914400" rtl="0" eaLnBrk="1" latinLnBrk="0" hangingPunct="1">
+              <a:lnSpc>
+                <a:spcPct val="90000"/>
+              </a:lnSpc>
+              <a:spcBef>
+                <a:spcPts val="500"/>
+              </a:spcBef>
+              <a:buFont typeface="Arial" panose="020B0604020202020204" pitchFamily="34" charset="0"/>
+              <a:buChar char="•"/>
+              <a:defRPr sz="1800" kern="1200">
+                <a:solidFill>
+                  <a:schemeClr val="tx1"/>
+                </a:solidFill>
+                <a:latin typeface="+mn-lt"/>
+                <a:ea typeface="+mn-ea"/>
+                <a:cs typeface="+mn-cs"/>
+              </a:defRPr>
+            </a:lvl4pPr>
+            <a:lvl5pPr marL="2057400" indent="-228600" algn="l" defTabSz="914400" rtl="0" eaLnBrk="1" latinLnBrk="0" hangingPunct="1">
+              <a:lnSpc>
+                <a:spcPct val="90000"/>
+              </a:lnSpc>
+              <a:spcBef>
+                <a:spcPts val="500"/>
+              </a:spcBef>
+              <a:buFont typeface="Arial" panose="020B0604020202020204" pitchFamily="34" charset="0"/>
+              <a:buChar char="•"/>
+              <a:defRPr sz="1800" kern="1200">
+                <a:solidFill>
+                  <a:schemeClr val="tx1"/>
+                </a:solidFill>
+                <a:latin typeface="+mn-lt"/>
+                <a:ea typeface="+mn-ea"/>
+                <a:cs typeface="+mn-cs"/>
+              </a:defRPr>
+            </a:lvl5pPr>
+            <a:lvl6pPr marL="2514600" indent="-228600" algn="l" defTabSz="914400" rtl="0" eaLnBrk="1" latinLnBrk="0" hangingPunct="1">
+              <a:lnSpc>
+                <a:spcPct val="90000"/>
+              </a:lnSpc>
+              <a:spcBef>
+                <a:spcPts val="500"/>
+              </a:spcBef>
+              <a:buFont typeface="Arial" panose="020B0604020202020204" pitchFamily="34" charset="0"/>
+              <a:buChar char="•"/>
+              <a:defRPr sz="1800" kern="1200">
+                <a:solidFill>
+                  <a:schemeClr val="tx1"/>
+                </a:solidFill>
+                <a:latin typeface="+mn-lt"/>
+                <a:ea typeface="+mn-ea"/>
+                <a:cs typeface="+mn-cs"/>
+              </a:defRPr>
+            </a:lvl6pPr>
+            <a:lvl7pPr marL="2971800" indent="-228600" algn="l" defTabSz="914400" rtl="0" eaLnBrk="1" latinLnBrk="0" hangingPunct="1">
+              <a:lnSpc>
+                <a:spcPct val="90000"/>
+              </a:lnSpc>
+              <a:spcBef>
+                <a:spcPts val="500"/>
+              </a:spcBef>
+              <a:buFont typeface="Arial" panose="020B0604020202020204" pitchFamily="34" charset="0"/>
+              <a:buChar char="•"/>
+              <a:defRPr sz="1800" kern="1200">
+                <a:solidFill>
+                  <a:schemeClr val="tx1"/>
+                </a:solidFill>
+                <a:latin typeface="+mn-lt"/>
+                <a:ea typeface="+mn-ea"/>
+                <a:cs typeface="+mn-cs"/>
+              </a:defRPr>
+            </a:lvl7pPr>
+            <a:lvl8pPr marL="3429000" indent="-228600" algn="l" defTabSz="914400" rtl="0" eaLnBrk="1" latinLnBrk="0" hangingPunct="1">
+              <a:lnSpc>
+                <a:spcPct val="90000"/>
+              </a:lnSpc>
+              <a:spcBef>
+                <a:spcPts val="500"/>
+              </a:spcBef>
+              <a:buFont typeface="Arial" panose="020B0604020202020204" pitchFamily="34" charset="0"/>
+              <a:buChar char="•"/>
+              <a:defRPr sz="1800" kern="1200">
+                <a:solidFill>
+                  <a:schemeClr val="tx1"/>
+                </a:solidFill>
+                <a:latin typeface="+mn-lt"/>
+                <a:ea typeface="+mn-ea"/>
+                <a:cs typeface="+mn-cs"/>
+              </a:defRPr>
+            </a:lvl8pPr>
+            <a:lvl9pPr marL="3886200" indent="-228600" algn="l" defTabSz="914400" rtl="0" eaLnBrk="1" latinLnBrk="0" hangingPunct="1">
+              <a:lnSpc>
+                <a:spcPct val="90000"/>
+              </a:lnSpc>
+              <a:spcBef>
+                <a:spcPts val="500"/>
+              </a:spcBef>
+              <a:buFont typeface="Arial" panose="020B0604020202020204" pitchFamily="34" charset="0"/>
+              <a:buChar char="•"/>
+              <a:defRPr sz="1800" kern="1200">
+                <a:solidFill>
+                  <a:schemeClr val="tx1"/>
+                </a:solidFill>
+                <a:latin typeface="+mn-lt"/>
+                <a:ea typeface="+mn-ea"/>
+                <a:cs typeface="+mn-cs"/>
+              </a:defRPr>
+            </a:lvl9pPr>
+          </a:lstStyle>
+          <a:p>
+            <a:pPr marL="0" indent="0">
+              <a:buNone/>
+            </a:pPr>
+            <a:r>
+              <a:rPr lang="en-US" sz="2000" noProof="0" dirty="0">
+                <a:latin typeface="Bahnschrift SemiCondensed" panose="020B0502040204020203" pitchFamily="34" charset="0"/>
+              </a:rPr>
+              <a:t>with</a:t>
+            </a:r>
+            <a:endParaRPr lang="en-US" sz="2000" noProof="0" dirty="0"/>
+          </a:p>
+        </p:txBody>
+      </p:sp>
+      <p:sp>
+        <p:nvSpPr>
+          <p:cNvPr id="30" name="Untertitel 2 5">
+            <a:extLst>
+              <a:ext uri="{FF2B5EF4-FFF2-40B4-BE49-F238E27FC236}">
+                <a16:creationId xmlns:a16="http://schemas.microsoft.com/office/drawing/2014/main" id="{CEA65EAC-33C5-B05C-6B7E-CCB068BE7D2F}"/>
+              </a:ext>
+            </a:extLst>
+          </p:cNvPr>
+          <p:cNvSpPr txBox="1">
+            <a:spLocks/>
+          </p:cNvSpPr>
+          <p:nvPr/>
+        </p:nvSpPr>
+        <p:spPr>
+          <a:xfrm>
+            <a:off x="5397326" y="3750946"/>
+            <a:ext cx="1214446" cy="487223"/>
+          </a:xfrm>
+          <a:prstGeom prst="rect">
+            <a:avLst/>
+          </a:prstGeom>
+        </p:spPr>
+        <p:txBody>
+          <a:bodyPr vert="horz" lIns="91440" tIns="45720" rIns="91440" bIns="45720" rtlCol="0">
+            <a:normAutofit/>
+          </a:bodyPr>
+          <a:lstStyle>
+            <a:lvl1pPr marL="228600" indent="-228600" algn="l" defTabSz="914400" rtl="0" eaLnBrk="1" latinLnBrk="0" hangingPunct="1">
+              <a:lnSpc>
+                <a:spcPct val="90000"/>
+              </a:lnSpc>
+              <a:spcBef>
+                <a:spcPts val="1000"/>
+              </a:spcBef>
+              <a:buFont typeface="Arial" panose="020B0604020202020204" pitchFamily="34" charset="0"/>
+              <a:buChar char="•"/>
+              <a:defRPr sz="2800" kern="1200">
+                <a:solidFill>
+                  <a:schemeClr val="tx1"/>
+                </a:solidFill>
+                <a:latin typeface="+mn-lt"/>
+                <a:ea typeface="+mn-ea"/>
+                <a:cs typeface="+mn-cs"/>
+              </a:defRPr>
+            </a:lvl1pPr>
+            <a:lvl2pPr marL="685800" indent="-228600" algn="l" defTabSz="914400" rtl="0" eaLnBrk="1" latinLnBrk="0" hangingPunct="1">
+              <a:lnSpc>
+                <a:spcPct val="90000"/>
+              </a:lnSpc>
+              <a:spcBef>
+                <a:spcPts val="500"/>
+              </a:spcBef>
+              <a:buFont typeface="Arial" panose="020B0604020202020204" pitchFamily="34" charset="0"/>
+              <a:buChar char="•"/>
+              <a:defRPr sz="2400" kern="1200">
+                <a:solidFill>
+                  <a:schemeClr val="tx1"/>
+                </a:solidFill>
+                <a:latin typeface="+mn-lt"/>
+                <a:ea typeface="+mn-ea"/>
+                <a:cs typeface="+mn-cs"/>
+              </a:defRPr>
+            </a:lvl2pPr>
+            <a:lvl3pPr marL="1143000" indent="-228600" algn="l" defTabSz="914400" rtl="0" eaLnBrk="1" latinLnBrk="0" hangingPunct="1">
+              <a:lnSpc>
+                <a:spcPct val="90000"/>
+              </a:lnSpc>
+              <a:spcBef>
+                <a:spcPts val="500"/>
+              </a:spcBef>
+              <a:buFont typeface="Arial" panose="020B0604020202020204" pitchFamily="34" charset="0"/>
+              <a:buChar char="•"/>
+              <a:defRPr sz="2000" kern="1200">
+                <a:solidFill>
+                  <a:schemeClr val="tx1"/>
+                </a:solidFill>
+                <a:latin typeface="+mn-lt"/>
+                <a:ea typeface="+mn-ea"/>
+                <a:cs typeface="+mn-cs"/>
+              </a:defRPr>
+            </a:lvl3pPr>
+            <a:lvl4pPr marL="1600200" indent="-228600" algn="l" defTabSz="914400" rtl="0" eaLnBrk="1" latinLnBrk="0" hangingPunct="1">
+              <a:lnSpc>
+                <a:spcPct val="90000"/>
+              </a:lnSpc>
+              <a:spcBef>
+                <a:spcPts val="500"/>
+              </a:spcBef>
+              <a:buFont typeface="Arial" panose="020B0604020202020204" pitchFamily="34" charset="0"/>
+              <a:buChar char="•"/>
+              <a:defRPr sz="1800" kern="1200">
+                <a:solidFill>
+                  <a:schemeClr val="tx1"/>
+                </a:solidFill>
+                <a:latin typeface="+mn-lt"/>
+                <a:ea typeface="+mn-ea"/>
+                <a:cs typeface="+mn-cs"/>
+              </a:defRPr>
+            </a:lvl4pPr>
+            <a:lvl5pPr marL="2057400" indent="-228600" algn="l" defTabSz="914400" rtl="0" eaLnBrk="1" latinLnBrk="0" hangingPunct="1">
+              <a:lnSpc>
+                <a:spcPct val="90000"/>
+              </a:lnSpc>
+              <a:spcBef>
+                <a:spcPts val="500"/>
+              </a:spcBef>
+              <a:buFont typeface="Arial" panose="020B0604020202020204" pitchFamily="34" charset="0"/>
+              <a:buChar char="•"/>
+              <a:defRPr sz="1800" kern="1200">
+                <a:solidFill>
+                  <a:schemeClr val="tx1"/>
+                </a:solidFill>
+                <a:latin typeface="+mn-lt"/>
+                <a:ea typeface="+mn-ea"/>
+                <a:cs typeface="+mn-cs"/>
+              </a:defRPr>
+            </a:lvl5pPr>
+            <a:lvl6pPr marL="2514600" indent="-228600" algn="l" defTabSz="914400" rtl="0" eaLnBrk="1" latinLnBrk="0" hangingPunct="1">
+              <a:lnSpc>
+                <a:spcPct val="90000"/>
+              </a:lnSpc>
+              <a:spcBef>
+                <a:spcPts val="500"/>
+              </a:spcBef>
+              <a:buFont typeface="Arial" panose="020B0604020202020204" pitchFamily="34" charset="0"/>
+              <a:buChar char="•"/>
+              <a:defRPr sz="1800" kern="1200">
+                <a:solidFill>
+                  <a:schemeClr val="tx1"/>
+                </a:solidFill>
+                <a:latin typeface="+mn-lt"/>
+                <a:ea typeface="+mn-ea"/>
+                <a:cs typeface="+mn-cs"/>
+              </a:defRPr>
+            </a:lvl6pPr>
+            <a:lvl7pPr marL="2971800" indent="-228600" algn="l" defTabSz="914400" rtl="0" eaLnBrk="1" latinLnBrk="0" hangingPunct="1">
+              <a:lnSpc>
+                <a:spcPct val="90000"/>
+              </a:lnSpc>
+              <a:spcBef>
+                <a:spcPts val="500"/>
+              </a:spcBef>
+              <a:buFont typeface="Arial" panose="020B0604020202020204" pitchFamily="34" charset="0"/>
+              <a:buChar char="•"/>
+              <a:defRPr sz="1800" kern="1200">
+                <a:solidFill>
+                  <a:schemeClr val="tx1"/>
+                </a:solidFill>
+                <a:latin typeface="+mn-lt"/>
+                <a:ea typeface="+mn-ea"/>
+                <a:cs typeface="+mn-cs"/>
+              </a:defRPr>
+            </a:lvl7pPr>
+            <a:lvl8pPr marL="3429000" indent="-228600" algn="l" defTabSz="914400" rtl="0" eaLnBrk="1" latinLnBrk="0" hangingPunct="1">
+              <a:lnSpc>
+                <a:spcPct val="90000"/>
+              </a:lnSpc>
+              <a:spcBef>
+                <a:spcPts val="500"/>
+              </a:spcBef>
+              <a:buFont typeface="Arial" panose="020B0604020202020204" pitchFamily="34" charset="0"/>
+              <a:buChar char="•"/>
+              <a:defRPr sz="1800" kern="1200">
+                <a:solidFill>
+                  <a:schemeClr val="tx1"/>
+                </a:solidFill>
+                <a:latin typeface="+mn-lt"/>
+                <a:ea typeface="+mn-ea"/>
+                <a:cs typeface="+mn-cs"/>
+              </a:defRPr>
+            </a:lvl8pPr>
+            <a:lvl9pPr marL="3886200" indent="-228600" algn="l" defTabSz="914400" rtl="0" eaLnBrk="1" latinLnBrk="0" hangingPunct="1">
+              <a:lnSpc>
+                <a:spcPct val="90000"/>
+              </a:lnSpc>
+              <a:spcBef>
+                <a:spcPts val="500"/>
+              </a:spcBef>
+              <a:buFont typeface="Arial" panose="020B0604020202020204" pitchFamily="34" charset="0"/>
+              <a:buChar char="•"/>
+              <a:defRPr sz="1800" kern="1200">
+                <a:solidFill>
+                  <a:schemeClr val="tx1"/>
+                </a:solidFill>
+                <a:latin typeface="+mn-lt"/>
+                <a:ea typeface="+mn-ea"/>
+                <a:cs typeface="+mn-cs"/>
+              </a:defRPr>
+            </a:lvl9pPr>
+          </a:lstStyle>
+          <a:p>
+            <a:pPr marL="0" indent="0">
+              <a:buNone/>
+            </a:pPr>
+            <a:r>
+              <a:rPr lang="en-US" sz="2000" noProof="0" dirty="0">
+                <a:latin typeface="Bahnschrift SemiCondensed" panose="020B0502040204020203" pitchFamily="34" charset="0"/>
+              </a:rPr>
+              <a:t>such that</a:t>
+            </a:r>
+            <a:endParaRPr lang="en-US" sz="2000" noProof="0" dirty="0"/>
+          </a:p>
+        </p:txBody>
+      </p:sp>
+      <p:pic>
+        <p:nvPicPr>
+          <p:cNvPr id="40" name="Picture 39" descr="\documentclass{article}&#10;\usepackage{amsmath, amsfonts, amssymb, xcolor}&#10;\pagestyle{empty}&#10;\fontfamily{BahnschriftSemiCondensed}&#10;&#10;\begin{document}&#10;&#10;$&#10;\hat{H} = \begin{pmatrix} 0 \ 0 \ 0 \ 1 \end{pmatrix} \prod_{l = 1}^{\mathcal{L}} \hat{W}_l \begin{pmatrix} 1 \\ 0 \\ 0 \\ 0 \end{pmatrix}&#10;$&#10;&#10;\end{document}" title="IguanaTex Bitmap Display">
+            <a:extLst>
+              <a:ext uri="{FF2B5EF4-FFF2-40B4-BE49-F238E27FC236}">
+                <a16:creationId xmlns:a16="http://schemas.microsoft.com/office/drawing/2014/main" id="{875CF5BB-F01D-00B2-D9E8-9F82726335C2}"/>
+              </a:ext>
+            </a:extLst>
+          </p:cNvPr>
+          <p:cNvPicPr>
+            <a:picLocks noChangeAspect="1"/>
+          </p:cNvPicPr>
+          <p:nvPr>
+            <p:custDataLst>
+              <p:tags r:id="rId2"/>
+            </p:custDataLst>
+          </p:nvPr>
+        </p:nvPicPr>
+        <p:blipFill>
+          <a:blip r:embed="rId14">
+            <a:extLst>
+              <a:ext uri="{28A0092B-C50C-407E-A947-70E740481C1C}">
+                <a14:useLocalDpi xmlns:a14="http://schemas.microsoft.com/office/drawing/2010/main" val="0"/>
+              </a:ext>
+            </a:extLst>
+          </a:blip>
+          <a:stretch>
+            <a:fillRect/>
+          </a:stretch>
+        </p:blipFill>
+        <p:spPr>
+          <a:xfrm>
+            <a:off x="6672862" y="3320837"/>
+            <a:ext cx="3061333" cy="1214476"/>
+          </a:xfrm>
+          <a:prstGeom prst="rect">
+            <a:avLst/>
+          </a:prstGeom>
+        </p:spPr>
+      </p:pic>
+      <p:pic>
+        <p:nvPicPr>
+          <p:cNvPr id="62" name="Picture 61">
+            <a:extLst>
+              <a:ext uri="{FF2B5EF4-FFF2-40B4-BE49-F238E27FC236}">
+                <a16:creationId xmlns:a16="http://schemas.microsoft.com/office/drawing/2014/main" id="{66BA1203-2244-2D23-1F66-6294707061F4}"/>
+              </a:ext>
+            </a:extLst>
+          </p:cNvPr>
+          <p:cNvPicPr>
+            <a:picLocks noChangeAspect="1"/>
+          </p:cNvPicPr>
+          <p:nvPr/>
+        </p:nvPicPr>
+        <p:blipFill>
+          <a:blip r:embed="rId15"/>
+          <a:stretch>
+            <a:fillRect/>
+          </a:stretch>
+        </p:blipFill>
+        <p:spPr>
+          <a:xfrm>
+            <a:off x="2111154" y="3209588"/>
+            <a:ext cx="3061333" cy="1353527"/>
+          </a:xfrm>
+          <a:prstGeom prst="rect">
+            <a:avLst/>
+          </a:prstGeom>
+        </p:spPr>
+      </p:pic>
+      <p:pic>
+        <p:nvPicPr>
+          <p:cNvPr id="64" name="Picture 63" descr="\documentclass{article}&#10;\usepackage{amsmath, amsfonts, amssymb, xcolor}&#10;\pagestyle{empty}&#10;\fontfamily{BahnschriftSemiCondensed}&#10;&#10;\begin{document}&#10;&#10;$&#10;\hat{H} = J \sum_{l = 1}^{\mathcal{L}-1} (\hat{S}^x_l \hat{S}^x_{l+1} + \hat{S}^y_l \hat{S}^y_{l+1}) \equiv J \sum_{l = 1}^{\mathcal{L}-1} (\hat{S}^+_l \hat{S}^-_{l+1} + \hat{S}^-_l \hat{S}^+_{l+1})&#10;$&#10;&#10;\end{document}" title="IguanaTex Bitmap Display">
+            <a:extLst>
+              <a:ext uri="{FF2B5EF4-FFF2-40B4-BE49-F238E27FC236}">
+                <a16:creationId xmlns:a16="http://schemas.microsoft.com/office/drawing/2014/main" id="{F1C46376-942F-6829-7E7D-D34BF50194AA}"/>
+              </a:ext>
+            </a:extLst>
+          </p:cNvPr>
+          <p:cNvPicPr>
+            <a:picLocks noChangeAspect="1"/>
+          </p:cNvPicPr>
+          <p:nvPr>
+            <p:custDataLst>
+              <p:tags r:id="rId3"/>
+            </p:custDataLst>
+          </p:nvPr>
+        </p:nvPicPr>
+        <p:blipFill>
+          <a:blip r:embed="rId16">
+            <a:extLst>
+              <a:ext uri="{28A0092B-C50C-407E-A947-70E740481C1C}">
+                <a14:useLocalDpi xmlns:a14="http://schemas.microsoft.com/office/drawing/2010/main" val="0"/>
+              </a:ext>
+            </a:extLst>
+          </a:blip>
+          <a:stretch>
+            <a:fillRect/>
+          </a:stretch>
+        </p:blipFill>
+        <p:spPr>
+          <a:xfrm>
+            <a:off x="2936066" y="1543700"/>
+            <a:ext cx="6875428" cy="350476"/>
+          </a:xfrm>
+          <a:prstGeom prst="rect">
+            <a:avLst/>
+          </a:prstGeom>
+        </p:spPr>
+      </p:pic>
+      <p:sp>
+        <p:nvSpPr>
+          <p:cNvPr id="3" name="Untertitel 2 6">
+            <a:extLst>
+              <a:ext uri="{FF2B5EF4-FFF2-40B4-BE49-F238E27FC236}">
+                <a16:creationId xmlns:a16="http://schemas.microsoft.com/office/drawing/2014/main" id="{385898AF-B955-5739-FC5A-7DDDCDA57CCE}"/>
+              </a:ext>
+            </a:extLst>
+          </p:cNvPr>
+          <p:cNvSpPr txBox="1">
+            <a:spLocks/>
+          </p:cNvSpPr>
+          <p:nvPr/>
+        </p:nvSpPr>
+        <p:spPr>
+          <a:xfrm>
+            <a:off x="1412049" y="4710515"/>
+            <a:ext cx="9759159" cy="747704"/>
+          </a:xfrm>
+          <a:prstGeom prst="rect">
+            <a:avLst/>
+          </a:prstGeom>
+        </p:spPr>
+        <p:txBody>
+          <a:bodyPr vert="horz" lIns="91440" tIns="45720" rIns="91440" bIns="45720" rtlCol="0">
+            <a:normAutofit/>
+          </a:bodyPr>
+          <a:lstStyle>
+            <a:lvl1pPr marL="228600" indent="-228600" algn="l" defTabSz="914400" rtl="0" eaLnBrk="1" latinLnBrk="0" hangingPunct="1">
+              <a:lnSpc>
+                <a:spcPct val="90000"/>
+              </a:lnSpc>
+              <a:spcBef>
+                <a:spcPts val="1000"/>
+              </a:spcBef>
+              <a:buFont typeface="Arial" panose="020B0604020202020204" pitchFamily="34" charset="0"/>
+              <a:buChar char="•"/>
+              <a:defRPr sz="2800" kern="1200">
+                <a:solidFill>
+                  <a:schemeClr val="tx1"/>
+                </a:solidFill>
+                <a:latin typeface="+mn-lt"/>
+                <a:ea typeface="+mn-ea"/>
+                <a:cs typeface="+mn-cs"/>
+              </a:defRPr>
+            </a:lvl1pPr>
+            <a:lvl2pPr marL="685800" indent="-228600" algn="l" defTabSz="914400" rtl="0" eaLnBrk="1" latinLnBrk="0" hangingPunct="1">
+              <a:lnSpc>
+                <a:spcPct val="90000"/>
+              </a:lnSpc>
+              <a:spcBef>
+                <a:spcPts val="500"/>
+              </a:spcBef>
+              <a:buFont typeface="Arial" panose="020B0604020202020204" pitchFamily="34" charset="0"/>
+              <a:buChar char="•"/>
+              <a:defRPr sz="2400" kern="1200">
+                <a:solidFill>
+                  <a:schemeClr val="tx1"/>
+                </a:solidFill>
+                <a:latin typeface="+mn-lt"/>
+                <a:ea typeface="+mn-ea"/>
+                <a:cs typeface="+mn-cs"/>
+              </a:defRPr>
+            </a:lvl2pPr>
+            <a:lvl3pPr marL="1143000" indent="-228600" algn="l" defTabSz="914400" rtl="0" eaLnBrk="1" latinLnBrk="0" hangingPunct="1">
+              <a:lnSpc>
+                <a:spcPct val="90000"/>
+              </a:lnSpc>
+              <a:spcBef>
+                <a:spcPts val="500"/>
+              </a:spcBef>
+              <a:buFont typeface="Arial" panose="020B0604020202020204" pitchFamily="34" charset="0"/>
+              <a:buChar char="•"/>
+              <a:defRPr sz="2000" kern="1200">
+                <a:solidFill>
+                  <a:schemeClr val="tx1"/>
+                </a:solidFill>
+                <a:latin typeface="+mn-lt"/>
+                <a:ea typeface="+mn-ea"/>
+                <a:cs typeface="+mn-cs"/>
+              </a:defRPr>
+            </a:lvl3pPr>
+            <a:lvl4pPr marL="1600200" indent="-228600" algn="l" defTabSz="914400" rtl="0" eaLnBrk="1" latinLnBrk="0" hangingPunct="1">
+              <a:lnSpc>
+                <a:spcPct val="90000"/>
+              </a:lnSpc>
+              <a:spcBef>
+                <a:spcPts val="500"/>
+              </a:spcBef>
+              <a:buFont typeface="Arial" panose="020B0604020202020204" pitchFamily="34" charset="0"/>
+              <a:buChar char="•"/>
+              <a:defRPr sz="1800" kern="1200">
+                <a:solidFill>
+                  <a:schemeClr val="tx1"/>
+                </a:solidFill>
+                <a:latin typeface="+mn-lt"/>
+                <a:ea typeface="+mn-ea"/>
+                <a:cs typeface="+mn-cs"/>
+              </a:defRPr>
+            </a:lvl4pPr>
+            <a:lvl5pPr marL="2057400" indent="-228600" algn="l" defTabSz="914400" rtl="0" eaLnBrk="1" latinLnBrk="0" hangingPunct="1">
+              <a:lnSpc>
+                <a:spcPct val="90000"/>
+              </a:lnSpc>
+              <a:spcBef>
+                <a:spcPts val="500"/>
+              </a:spcBef>
+              <a:buFont typeface="Arial" panose="020B0604020202020204" pitchFamily="34" charset="0"/>
+              <a:buChar char="•"/>
+              <a:defRPr sz="1800" kern="1200">
+                <a:solidFill>
+                  <a:schemeClr val="tx1"/>
+                </a:solidFill>
+                <a:latin typeface="+mn-lt"/>
+                <a:ea typeface="+mn-ea"/>
+                <a:cs typeface="+mn-cs"/>
+              </a:defRPr>
+            </a:lvl5pPr>
+            <a:lvl6pPr marL="2514600" indent="-228600" algn="l" defTabSz="914400" rtl="0" eaLnBrk="1" latinLnBrk="0" hangingPunct="1">
+              <a:lnSpc>
+                <a:spcPct val="90000"/>
+              </a:lnSpc>
+              <a:spcBef>
+                <a:spcPts val="500"/>
+              </a:spcBef>
+              <a:buFont typeface="Arial" panose="020B0604020202020204" pitchFamily="34" charset="0"/>
+              <a:buChar char="•"/>
+              <a:defRPr sz="1800" kern="1200">
+                <a:solidFill>
+                  <a:schemeClr val="tx1"/>
+                </a:solidFill>
+                <a:latin typeface="+mn-lt"/>
+                <a:ea typeface="+mn-ea"/>
+                <a:cs typeface="+mn-cs"/>
+              </a:defRPr>
+            </a:lvl6pPr>
+            <a:lvl7pPr marL="2971800" indent="-228600" algn="l" defTabSz="914400" rtl="0" eaLnBrk="1" latinLnBrk="0" hangingPunct="1">
+              <a:lnSpc>
+                <a:spcPct val="90000"/>
+              </a:lnSpc>
+              <a:spcBef>
+                <a:spcPts val="500"/>
+              </a:spcBef>
+              <a:buFont typeface="Arial" panose="020B0604020202020204" pitchFamily="34" charset="0"/>
+              <a:buChar char="•"/>
+              <a:defRPr sz="1800" kern="1200">
+                <a:solidFill>
+                  <a:schemeClr val="tx1"/>
+                </a:solidFill>
+                <a:latin typeface="+mn-lt"/>
+                <a:ea typeface="+mn-ea"/>
+                <a:cs typeface="+mn-cs"/>
+              </a:defRPr>
+            </a:lvl7pPr>
+            <a:lvl8pPr marL="3429000" indent="-228600" algn="l" defTabSz="914400" rtl="0" eaLnBrk="1" latinLnBrk="0" hangingPunct="1">
+              <a:lnSpc>
+                <a:spcPct val="90000"/>
+              </a:lnSpc>
+              <a:spcBef>
+                <a:spcPts val="500"/>
+              </a:spcBef>
+              <a:buFont typeface="Arial" panose="020B0604020202020204" pitchFamily="34" charset="0"/>
+              <a:buChar char="•"/>
+              <a:defRPr sz="1800" kern="1200">
+                <a:solidFill>
+                  <a:schemeClr val="tx1"/>
+                </a:solidFill>
+                <a:latin typeface="+mn-lt"/>
+                <a:ea typeface="+mn-ea"/>
+                <a:cs typeface="+mn-cs"/>
+              </a:defRPr>
+            </a:lvl8pPr>
+            <a:lvl9pPr marL="3886200" indent="-228600" algn="l" defTabSz="914400" rtl="0" eaLnBrk="1" latinLnBrk="0" hangingPunct="1">
+              <a:lnSpc>
+                <a:spcPct val="90000"/>
+              </a:lnSpc>
+              <a:spcBef>
+                <a:spcPts val="500"/>
+              </a:spcBef>
+              <a:buFont typeface="Arial" panose="020B0604020202020204" pitchFamily="34" charset="0"/>
+              <a:buChar char="•"/>
+              <a:defRPr sz="1800" kern="1200">
+                <a:solidFill>
+                  <a:schemeClr val="tx1"/>
+                </a:solidFill>
+                <a:latin typeface="+mn-lt"/>
+                <a:ea typeface="+mn-ea"/>
+                <a:cs typeface="+mn-cs"/>
+              </a:defRPr>
+            </a:lvl9pPr>
+          </a:lstStyle>
+          <a:p>
+            <a:pPr marL="0" indent="0">
+              <a:buNone/>
+            </a:pPr>
+            <a:r>
+              <a:rPr lang="en-US" sz="2000" noProof="0" dirty="0">
+                <a:latin typeface="Bahnschrift SemiCondensed" panose="020B0502040204020203" pitchFamily="34" charset="0"/>
+              </a:rPr>
+              <a:t>We linearly approximate the (unnormalized) thermal state at high temperature,                   ,  as</a:t>
+            </a:r>
+            <a:endParaRPr lang="en-US" sz="2000" noProof="0" dirty="0"/>
+          </a:p>
+        </p:txBody>
+      </p:sp>
+      <p:pic>
+        <p:nvPicPr>
+          <p:cNvPr id="11" name="Picture 10" descr="\documentclass{article}&#10;\usepackage{amsmath}&#10;\usepackage{bbold}&#10;\pagestyle{empty}&#10;\begin{document}&#10;&#10;$\rho(\beta_0) = \text{e}^{- \beta_0 \hat{H}}\approx \hat{\mathbb{1}} - \beta_0 \hat{H}$&#10;&#10;&#10;\end{document}" title="IguanaTex Picture Display">
+            <a:extLst>
+              <a:ext uri="{FF2B5EF4-FFF2-40B4-BE49-F238E27FC236}">
+                <a16:creationId xmlns:a16="http://schemas.microsoft.com/office/drawing/2014/main" id="{F28F0B9A-D84B-0C4B-C4B5-8E87C411C538}"/>
+              </a:ext>
+            </a:extLst>
+          </p:cNvPr>
+          <p:cNvPicPr>
+            <a:picLocks noChangeAspect="1"/>
+          </p:cNvPicPr>
+          <p:nvPr>
+            <p:custDataLst>
+              <p:tags r:id="rId4"/>
+            </p:custDataLst>
+          </p:nvPr>
+        </p:nvPicPr>
+        <p:blipFill>
+          <a:blip r:embed="rId17">
+            <a:extLst>
+              <a:ext uri="{28A0092B-C50C-407E-A947-70E740481C1C}">
+                <a14:useLocalDpi xmlns:a14="http://schemas.microsoft.com/office/drawing/2010/main" val="0"/>
+              </a:ext>
+            </a:extLst>
+          </a:blip>
+          <a:stretch>
+            <a:fillRect/>
+          </a:stretch>
+        </p:blipFill>
+        <p:spPr>
+          <a:xfrm>
+            <a:off x="4209231" y="5230705"/>
+            <a:ext cx="2858666" cy="324571"/>
+          </a:xfrm>
+          <a:prstGeom prst="rect">
+            <a:avLst/>
+          </a:prstGeom>
+        </p:spPr>
+      </p:pic>
+      <p:pic>
+        <p:nvPicPr>
+          <p:cNvPr id="13" name="Picture 12" descr="\documentclass{article}&#10;\usepackage{amsmath}&#10;\pagestyle{empty}&#10;\begin{document}&#10;&#10;$\beta_0 = 10^{-6}$&#10;&#10;\end{document}" title="IguanaTex Picture Display">
+            <a:extLst>
+              <a:ext uri="{FF2B5EF4-FFF2-40B4-BE49-F238E27FC236}">
+                <a16:creationId xmlns:a16="http://schemas.microsoft.com/office/drawing/2014/main" id="{842B7C67-87EA-AA62-4EEE-458D99106A8C}"/>
+              </a:ext>
+            </a:extLst>
+          </p:cNvPr>
+          <p:cNvPicPr>
+            <a:picLocks noChangeAspect="1"/>
+          </p:cNvPicPr>
+          <p:nvPr>
+            <p:custDataLst>
+              <p:tags r:id="rId5"/>
+            </p:custDataLst>
+          </p:nvPr>
+        </p:nvPicPr>
+        <p:blipFill>
+          <a:blip r:embed="rId18">
+            <a:extLst>
+              <a:ext uri="{28A0092B-C50C-407E-A947-70E740481C1C}">
+                <a14:useLocalDpi xmlns:a14="http://schemas.microsoft.com/office/drawing/2010/main" val="0"/>
+              </a:ext>
+            </a:extLst>
+          </a:blip>
+          <a:stretch>
+            <a:fillRect/>
+          </a:stretch>
+        </p:blipFill>
+        <p:spPr>
+          <a:xfrm>
+            <a:off x="9360856" y="4750134"/>
+            <a:ext cx="1091048" cy="257524"/>
+          </a:xfrm>
+          <a:prstGeom prst="rect">
+            <a:avLst/>
+          </a:prstGeom>
+        </p:spPr>
+      </p:pic>
+      <p:sp>
+        <p:nvSpPr>
+          <p:cNvPr id="14" name="Untertitel 2 3 2">
+            <a:extLst>
+              <a:ext uri="{FF2B5EF4-FFF2-40B4-BE49-F238E27FC236}">
+                <a16:creationId xmlns:a16="http://schemas.microsoft.com/office/drawing/2014/main" id="{452D222A-1577-1AFF-2E59-1E58B5AF8F3A}"/>
+              </a:ext>
+            </a:extLst>
+          </p:cNvPr>
+          <p:cNvSpPr txBox="1">
+            <a:spLocks/>
+          </p:cNvSpPr>
+          <p:nvPr/>
+        </p:nvSpPr>
+        <p:spPr>
+          <a:xfrm>
+            <a:off x="1412049" y="5808199"/>
+            <a:ext cx="7889254" cy="663135"/>
+          </a:xfrm>
+          <a:prstGeom prst="rect">
+            <a:avLst/>
+          </a:prstGeom>
+        </p:spPr>
+        <p:txBody>
+          <a:bodyPr vert="horz" lIns="91440" tIns="45720" rIns="91440" bIns="45720" rtlCol="0">
+            <a:normAutofit/>
+          </a:bodyPr>
+          <a:lstStyle>
+            <a:lvl1pPr marL="228600" indent="-228600" algn="l" defTabSz="914400" rtl="0" eaLnBrk="1" latinLnBrk="0" hangingPunct="1">
+              <a:lnSpc>
+                <a:spcPct val="90000"/>
+              </a:lnSpc>
+              <a:spcBef>
+                <a:spcPts val="1000"/>
+              </a:spcBef>
+              <a:buFont typeface="Arial" panose="020B0604020202020204" pitchFamily="34" charset="0"/>
+              <a:buChar char="•"/>
+              <a:defRPr sz="2800" kern="1200">
+                <a:solidFill>
+                  <a:schemeClr val="tx1"/>
+                </a:solidFill>
+                <a:latin typeface="+mn-lt"/>
+                <a:ea typeface="+mn-ea"/>
+                <a:cs typeface="+mn-cs"/>
+              </a:defRPr>
+            </a:lvl1pPr>
+            <a:lvl2pPr marL="685800" indent="-228600" algn="l" defTabSz="914400" rtl="0" eaLnBrk="1" latinLnBrk="0" hangingPunct="1">
+              <a:lnSpc>
+                <a:spcPct val="90000"/>
+              </a:lnSpc>
+              <a:spcBef>
+                <a:spcPts val="500"/>
+              </a:spcBef>
+              <a:buFont typeface="Arial" panose="020B0604020202020204" pitchFamily="34" charset="0"/>
+              <a:buChar char="•"/>
+              <a:defRPr sz="2400" kern="1200">
+                <a:solidFill>
+                  <a:schemeClr val="tx1"/>
+                </a:solidFill>
+                <a:latin typeface="+mn-lt"/>
+                <a:ea typeface="+mn-ea"/>
+                <a:cs typeface="+mn-cs"/>
+              </a:defRPr>
+            </a:lvl2pPr>
+            <a:lvl3pPr marL="1143000" indent="-228600" algn="l" defTabSz="914400" rtl="0" eaLnBrk="1" latinLnBrk="0" hangingPunct="1">
+              <a:lnSpc>
+                <a:spcPct val="90000"/>
+              </a:lnSpc>
+              <a:spcBef>
+                <a:spcPts val="500"/>
+              </a:spcBef>
+              <a:buFont typeface="Arial" panose="020B0604020202020204" pitchFamily="34" charset="0"/>
+              <a:buChar char="•"/>
+              <a:defRPr sz="2000" kern="1200">
+                <a:solidFill>
+                  <a:schemeClr val="tx1"/>
+                </a:solidFill>
+                <a:latin typeface="+mn-lt"/>
+                <a:ea typeface="+mn-ea"/>
+                <a:cs typeface="+mn-cs"/>
+              </a:defRPr>
+            </a:lvl3pPr>
+            <a:lvl4pPr marL="1600200" indent="-228600" algn="l" defTabSz="914400" rtl="0" eaLnBrk="1" latinLnBrk="0" hangingPunct="1">
+              <a:lnSpc>
+                <a:spcPct val="90000"/>
+              </a:lnSpc>
+              <a:spcBef>
+                <a:spcPts val="500"/>
+              </a:spcBef>
+              <a:buFont typeface="Arial" panose="020B0604020202020204" pitchFamily="34" charset="0"/>
+              <a:buChar char="•"/>
+              <a:defRPr sz="1800" kern="1200">
+                <a:solidFill>
+                  <a:schemeClr val="tx1"/>
+                </a:solidFill>
+                <a:latin typeface="+mn-lt"/>
+                <a:ea typeface="+mn-ea"/>
+                <a:cs typeface="+mn-cs"/>
+              </a:defRPr>
+            </a:lvl4pPr>
+            <a:lvl5pPr marL="2057400" indent="-228600" algn="l" defTabSz="914400" rtl="0" eaLnBrk="1" latinLnBrk="0" hangingPunct="1">
+              <a:lnSpc>
+                <a:spcPct val="90000"/>
+              </a:lnSpc>
+              <a:spcBef>
+                <a:spcPts val="500"/>
+              </a:spcBef>
+              <a:buFont typeface="Arial" panose="020B0604020202020204" pitchFamily="34" charset="0"/>
+              <a:buChar char="•"/>
+              <a:defRPr sz="1800" kern="1200">
+                <a:solidFill>
+                  <a:schemeClr val="tx1"/>
+                </a:solidFill>
+                <a:latin typeface="+mn-lt"/>
+                <a:ea typeface="+mn-ea"/>
+                <a:cs typeface="+mn-cs"/>
+              </a:defRPr>
+            </a:lvl5pPr>
+            <a:lvl6pPr marL="2514600" indent="-228600" algn="l" defTabSz="914400" rtl="0" eaLnBrk="1" latinLnBrk="0" hangingPunct="1">
+              <a:lnSpc>
+                <a:spcPct val="90000"/>
+              </a:lnSpc>
+              <a:spcBef>
+                <a:spcPts val="500"/>
+              </a:spcBef>
+              <a:buFont typeface="Arial" panose="020B0604020202020204" pitchFamily="34" charset="0"/>
+              <a:buChar char="•"/>
+              <a:defRPr sz="1800" kern="1200">
+                <a:solidFill>
+                  <a:schemeClr val="tx1"/>
+                </a:solidFill>
+                <a:latin typeface="+mn-lt"/>
+                <a:ea typeface="+mn-ea"/>
+                <a:cs typeface="+mn-cs"/>
+              </a:defRPr>
+            </a:lvl6pPr>
+            <a:lvl7pPr marL="2971800" indent="-228600" algn="l" defTabSz="914400" rtl="0" eaLnBrk="1" latinLnBrk="0" hangingPunct="1">
+              <a:lnSpc>
+                <a:spcPct val="90000"/>
+              </a:lnSpc>
+              <a:spcBef>
+                <a:spcPts val="500"/>
+              </a:spcBef>
+              <a:buFont typeface="Arial" panose="020B0604020202020204" pitchFamily="34" charset="0"/>
+              <a:buChar char="•"/>
+              <a:defRPr sz="1800" kern="1200">
+                <a:solidFill>
+                  <a:schemeClr val="tx1"/>
+                </a:solidFill>
+                <a:latin typeface="+mn-lt"/>
+                <a:ea typeface="+mn-ea"/>
+                <a:cs typeface="+mn-cs"/>
+              </a:defRPr>
+            </a:lvl7pPr>
+            <a:lvl8pPr marL="3429000" indent="-228600" algn="l" defTabSz="914400" rtl="0" eaLnBrk="1" latinLnBrk="0" hangingPunct="1">
+              <a:lnSpc>
+                <a:spcPct val="90000"/>
+              </a:lnSpc>
+              <a:spcBef>
+                <a:spcPts val="500"/>
+              </a:spcBef>
+              <a:buFont typeface="Arial" panose="020B0604020202020204" pitchFamily="34" charset="0"/>
+              <a:buChar char="•"/>
+              <a:defRPr sz="1800" kern="1200">
+                <a:solidFill>
+                  <a:schemeClr val="tx1"/>
+                </a:solidFill>
+                <a:latin typeface="+mn-lt"/>
+                <a:ea typeface="+mn-ea"/>
+                <a:cs typeface="+mn-cs"/>
+              </a:defRPr>
+            </a:lvl8pPr>
+            <a:lvl9pPr marL="3886200" indent="-228600" algn="l" defTabSz="914400" rtl="0" eaLnBrk="1" latinLnBrk="0" hangingPunct="1">
+              <a:lnSpc>
+                <a:spcPct val="90000"/>
+              </a:lnSpc>
+              <a:spcBef>
+                <a:spcPts val="500"/>
+              </a:spcBef>
+              <a:buFont typeface="Arial" panose="020B0604020202020204" pitchFamily="34" charset="0"/>
+              <a:buChar char="•"/>
+              <a:defRPr sz="1800" kern="1200">
+                <a:solidFill>
+                  <a:schemeClr val="tx1"/>
+                </a:solidFill>
+                <a:latin typeface="+mn-lt"/>
+                <a:ea typeface="+mn-ea"/>
+                <a:cs typeface="+mn-cs"/>
+              </a:defRPr>
+            </a:lvl9pPr>
+          </a:lstStyle>
+          <a:p>
+            <a:pPr marL="0" indent="0">
+              <a:buNone/>
+            </a:pPr>
+            <a:r>
+              <a:rPr lang="en-US" sz="2000" noProof="0" dirty="0">
+                <a:latin typeface="Bahnschrift SemiCondensed" panose="020B0502040204020203" pitchFamily="34" charset="0"/>
+              </a:rPr>
+              <a:t>Using the fact that      and    can be represented by MPOs with bond dimension 4 and 1, respectively, we represent                  with an MPO with bond dim. 5</a:t>
+            </a:r>
+          </a:p>
+        </p:txBody>
+      </p:sp>
+      <p:pic>
+        <p:nvPicPr>
+          <p:cNvPr id="15" name="Picture 14" descr="\documentclass{article}&#10;\usepackage{amsmath}&#10;\pagestyle{empty}&#10;\begin{document}&#10;&#10;$\hat{H}$&#10;&#10;&#10;\end{document}" title="IguanaTex Picture Display">
+            <a:extLst>
+              <a:ext uri="{FF2B5EF4-FFF2-40B4-BE49-F238E27FC236}">
+                <a16:creationId xmlns:a16="http://schemas.microsoft.com/office/drawing/2014/main" id="{AE17548D-126D-CC51-4A9D-BBAC4AFC0A80}"/>
+              </a:ext>
+            </a:extLst>
+          </p:cNvPr>
+          <p:cNvPicPr>
+            <a:picLocks noChangeAspect="1"/>
+          </p:cNvPicPr>
+          <p:nvPr>
+            <p:custDataLst>
+              <p:tags r:id="rId6"/>
+            </p:custDataLst>
+          </p:nvPr>
+        </p:nvPicPr>
+        <p:blipFill>
+          <a:blip r:embed="rId19">
+            <a:extLst>
+              <a:ext uri="{28A0092B-C50C-407E-A947-70E740481C1C}">
+                <a14:useLocalDpi xmlns:a14="http://schemas.microsoft.com/office/drawing/2010/main" val="0"/>
+              </a:ext>
+            </a:extLst>
+          </a:blip>
+          <a:stretch>
+            <a:fillRect/>
+          </a:stretch>
+        </p:blipFill>
+        <p:spPr>
+          <a:xfrm>
+            <a:off x="3375190" y="5832041"/>
+            <a:ext cx="214857" cy="239238"/>
+          </a:xfrm>
+          <a:prstGeom prst="rect">
+            <a:avLst/>
+          </a:prstGeom>
+        </p:spPr>
+      </p:pic>
+      <p:pic>
+        <p:nvPicPr>
+          <p:cNvPr id="17" name="Picture 16" descr="\documentclass{article}&#10;\usepackage{amsmath}&#10;\usepackage{bbold}&#10;\pagestyle{empty}&#10;\begin{document}&#10;&#10;$\hat{\mathbb{1}}$&#10;&#10;\end{document}" title="IguanaTex Picture Display">
+            <a:extLst>
+              <a:ext uri="{FF2B5EF4-FFF2-40B4-BE49-F238E27FC236}">
+                <a16:creationId xmlns:a16="http://schemas.microsoft.com/office/drawing/2014/main" id="{73BE6A28-7B1F-673D-B344-A1A1E59AE178}"/>
+              </a:ext>
+            </a:extLst>
+          </p:cNvPr>
+          <p:cNvPicPr>
+            <a:picLocks noChangeAspect="1"/>
+          </p:cNvPicPr>
+          <p:nvPr>
+            <p:custDataLst>
+              <p:tags r:id="rId7"/>
+            </p:custDataLst>
+          </p:nvPr>
+        </p:nvPicPr>
+        <p:blipFill>
+          <a:blip r:embed="rId20">
+            <a:extLst>
+              <a:ext uri="{28A0092B-C50C-407E-A947-70E740481C1C}">
+                <a14:useLocalDpi xmlns:a14="http://schemas.microsoft.com/office/drawing/2010/main" val="0"/>
+              </a:ext>
+            </a:extLst>
+          </a:blip>
+          <a:stretch>
+            <a:fillRect/>
+          </a:stretch>
+        </p:blipFill>
+        <p:spPr>
+          <a:xfrm>
+            <a:off x="4110346" y="5841184"/>
+            <a:ext cx="112762" cy="230095"/>
+          </a:xfrm>
+          <a:prstGeom prst="rect">
+            <a:avLst/>
+          </a:prstGeom>
+        </p:spPr>
+      </p:pic>
+      <p:pic>
+        <p:nvPicPr>
+          <p:cNvPr id="21" name="Picture 20" descr="\documentclass{article}&#10;\usepackage{amsmath}&#10;\usepackage{bbold}&#10;\pagestyle{empty}&#10;\begin{document}&#10;&#10;$\hat{\mathbb{1}} - \beta_0 \hat{H}$&#10;&#10;\end{document}" title="IguanaTex Picture Display">
+            <a:extLst>
+              <a:ext uri="{FF2B5EF4-FFF2-40B4-BE49-F238E27FC236}">
+                <a16:creationId xmlns:a16="http://schemas.microsoft.com/office/drawing/2014/main" id="{6713ED5A-79E5-D2D0-0D00-42D463999457}"/>
+              </a:ext>
+            </a:extLst>
+          </p:cNvPr>
+          <p:cNvPicPr>
+            <a:picLocks noChangeAspect="1"/>
+          </p:cNvPicPr>
+          <p:nvPr>
+            <p:custDataLst>
+              <p:tags r:id="rId8"/>
+            </p:custDataLst>
+          </p:nvPr>
+        </p:nvPicPr>
+        <p:blipFill>
+          <a:blip r:embed="rId21">
+            <a:extLst>
+              <a:ext uri="{28A0092B-C50C-407E-A947-70E740481C1C}">
+                <a14:useLocalDpi xmlns:a14="http://schemas.microsoft.com/office/drawing/2010/main" val="0"/>
+              </a:ext>
+            </a:extLst>
+          </a:blip>
+          <a:stretch>
+            <a:fillRect/>
+          </a:stretch>
+        </p:blipFill>
+        <p:spPr>
+          <a:xfrm>
+            <a:off x="4990913" y="6109036"/>
+            <a:ext cx="917334" cy="288000"/>
+          </a:xfrm>
+          <a:prstGeom prst="rect">
+            <a:avLst/>
+          </a:prstGeom>
+        </p:spPr>
+      </p:pic>
+    </p:spTree>
+    <p:extLst>
+      <p:ext uri="{BB962C8B-B14F-4D97-AF65-F5344CB8AC3E}">
+        <p14:creationId xmlns:p14="http://schemas.microsoft.com/office/powerpoint/2010/main" val="46162578"/>
+      </p:ext>
+    </p:extLst>
+  </p:cSld>
+  <p:clrMapOvr>
+    <a:masterClrMapping/>
+  </p:clrMapOvr>
+</p:sld>
+</file>
+
+<file path=ppt/slides/slide3.xml><?xml version="1.0" encoding="utf-8"?>
+<p:sld xmlns:a="http://schemas.openxmlformats.org/drawingml/2006/main" xmlns:r="http://schemas.openxmlformats.org/officeDocument/2006/relationships" xmlns:p="http://schemas.openxmlformats.org/presentationml/2006/main">
+  <p:cSld>
+    <p:spTree>
+      <p:nvGrpSpPr>
+        <p:cNvPr id="1" name="">
+          <a:extLst>
+            <a:ext uri="{FF2B5EF4-FFF2-40B4-BE49-F238E27FC236}">
+              <a16:creationId xmlns:a16="http://schemas.microsoft.com/office/drawing/2014/main" id="{5F7B77B9-12D0-6D17-1D14-5602CB5E8A84}"/>
+            </a:ext>
+          </a:extLst>
+        </p:cNvPr>
+        <p:cNvGrpSpPr/>
+        <p:nvPr/>
+      </p:nvGrpSpPr>
+      <p:grpSpPr>
+        <a:xfrm>
+          <a:off x="0" y="0"/>
+          <a:ext cx="0" cy="0"/>
+          <a:chOff x="0" y="0"/>
+          <a:chExt cx="0" cy="0"/>
+        </a:xfrm>
+      </p:grpSpPr>
+      <p:graphicFrame>
+        <p:nvGraphicFramePr>
+          <p:cNvPr id="4" name="think-cell data - do not delete" hidden="1">
+            <a:extLst>
+              <a:ext uri="{FF2B5EF4-FFF2-40B4-BE49-F238E27FC236}">
+                <a16:creationId xmlns:a16="http://schemas.microsoft.com/office/drawing/2014/main" id="{2DFD4C12-768C-FED4-1BAB-369797ADB58E}"/>
+              </a:ext>
+            </a:extLst>
+          </p:cNvPr>
+          <p:cNvGraphicFramePr>
+            <a:graphicFrameLocks noChangeAspect="1"/>
+          </p:cNvGraphicFramePr>
+          <p:nvPr>
+            <p:custDataLst>
+              <p:tags r:id="rId1"/>
+            </p:custDataLst>
+          </p:nvPr>
+        </p:nvGraphicFramePr>
+        <p:xfrm>
+          <a:off x="1588" y="1588"/>
+          <a:ext cx="1588" cy="1588"/>
+        </p:xfrm>
+        <a:graphic>
+          <a:graphicData uri="http://schemas.openxmlformats.org/presentationml/2006/ole">
+            <mc:AlternateContent xmlns:mc="http://schemas.openxmlformats.org/markup-compatibility/2006">
+              <mc:Choice xmlns:v="urn:schemas-microsoft-com:vml" Requires="v">
+                <p:oleObj name="think-cell Slide" r:id="rId7" imgW="479" imgH="478" progId="TCLayout.ActiveDocument.1">
+                  <p:embed/>
+                </p:oleObj>
+              </mc:Choice>
+              <mc:Fallback>
+                <p:oleObj name="think-cell Slide" r:id="rId7" imgW="479" imgH="478" progId="TCLayout.ActiveDocument.1">
+                  <p:embed/>
+                  <p:pic>
+                    <p:nvPicPr>
+                      <p:cNvPr id="4" name="think-cell data - do not delete" hidden="1">
+                        <a:extLst>
+                          <a:ext uri="{FF2B5EF4-FFF2-40B4-BE49-F238E27FC236}">
+                            <a16:creationId xmlns:a16="http://schemas.microsoft.com/office/drawing/2014/main" id="{3DDEFD78-FFA3-44C0-13B3-4B90F8BE1407}"/>
+                          </a:ext>
+                        </a:extLst>
+                      </p:cNvPr>
+                      <p:cNvPicPr/>
+                      <p:nvPr/>
+                    </p:nvPicPr>
+                    <p:blipFill>
+                      <a:blip r:embed="rId8"/>
+                      <a:stretch>
+                        <a:fillRect/>
+                      </a:stretch>
+                    </p:blipFill>
+                    <p:spPr>
+                      <a:xfrm>
+                        <a:off x="1588" y="1588"/>
+                        <a:ext cx="1588" cy="1588"/>
+                      </a:xfrm>
+                      <a:prstGeom prst="rect">
+                        <a:avLst/>
+                      </a:prstGeom>
+                    </p:spPr>
+                  </p:pic>
+                </p:oleObj>
+              </mc:Fallback>
+            </mc:AlternateContent>
+          </a:graphicData>
+        </a:graphic>
+      </p:graphicFrame>
+      <p:sp>
+        <p:nvSpPr>
+          <p:cNvPr id="5" name="Textfeld 15">
+            <a:extLst>
+              <a:ext uri="{FF2B5EF4-FFF2-40B4-BE49-F238E27FC236}">
+                <a16:creationId xmlns:a16="http://schemas.microsoft.com/office/drawing/2014/main" id="{D4F4CA12-E33D-310F-20FF-D6F47D052E92}"/>
+              </a:ext>
+            </a:extLst>
+          </p:cNvPr>
+          <p:cNvSpPr txBox="1"/>
+          <p:nvPr/>
+        </p:nvSpPr>
+        <p:spPr>
+          <a:xfrm>
+            <a:off x="188340" y="147722"/>
+            <a:ext cx="432761" cy="369332"/>
+          </a:xfrm>
+          <a:prstGeom prst="rect">
+            <a:avLst/>
+          </a:prstGeom>
+          <a:noFill/>
+        </p:spPr>
+        <p:txBody>
+          <a:bodyPr wrap="square" rtlCol="0">
+            <a:spAutoFit/>
+          </a:bodyPr>
+          <a:lstStyle/>
+          <a:p>
+            <a:r>
+              <a:rPr lang="en-US" noProof="0" dirty="0">
+                <a:solidFill>
+                  <a:schemeClr val="bg2">
+                    <a:lumMod val="50000"/>
+                  </a:schemeClr>
+                </a:solidFill>
+                <a:latin typeface="Bahnschrift SemiCondensed" panose="020B0502040204020203" pitchFamily="34" charset="0"/>
+              </a:rPr>
+              <a:t>02</a:t>
+            </a:r>
+          </a:p>
+        </p:txBody>
+      </p:sp>
+      <p:sp>
+        <p:nvSpPr>
+          <p:cNvPr id="2" name="Untertitel 2 1">
+            <a:extLst>
+              <a:ext uri="{FF2B5EF4-FFF2-40B4-BE49-F238E27FC236}">
+                <a16:creationId xmlns:a16="http://schemas.microsoft.com/office/drawing/2014/main" id="{CE03DD1B-73B0-BEF5-A285-DEC1C3907600}"/>
+              </a:ext>
+            </a:extLst>
+          </p:cNvPr>
+          <p:cNvSpPr txBox="1">
+            <a:spLocks/>
+          </p:cNvSpPr>
+          <p:nvPr/>
+        </p:nvSpPr>
+        <p:spPr>
+          <a:xfrm>
+            <a:off x="2810257" y="611092"/>
+            <a:ext cx="7020213" cy="995841"/>
+          </a:xfrm>
+          <a:prstGeom prst="rect">
+            <a:avLst/>
+          </a:prstGeom>
+        </p:spPr>
+        <p:txBody>
+          <a:bodyPr vert="horz" lIns="91440" tIns="45720" rIns="91440" bIns="45720" rtlCol="0">
+            <a:normAutofit/>
+          </a:bodyPr>
+          <a:lstStyle>
+            <a:lvl1pPr marL="228600" indent="-228600" algn="l" defTabSz="914400" rtl="0" eaLnBrk="1" latinLnBrk="0" hangingPunct="1">
+              <a:lnSpc>
+                <a:spcPct val="90000"/>
+              </a:lnSpc>
+              <a:spcBef>
+                <a:spcPts val="1000"/>
+              </a:spcBef>
+              <a:buFont typeface="Arial" panose="020B0604020202020204" pitchFamily="34" charset="0"/>
+              <a:buChar char="•"/>
+              <a:defRPr sz="2800" kern="1200">
+                <a:solidFill>
+                  <a:schemeClr val="tx1"/>
+                </a:solidFill>
+                <a:latin typeface="+mn-lt"/>
+                <a:ea typeface="+mn-ea"/>
+                <a:cs typeface="+mn-cs"/>
+              </a:defRPr>
+            </a:lvl1pPr>
+            <a:lvl2pPr marL="685800" indent="-228600" algn="l" defTabSz="914400" rtl="0" eaLnBrk="1" latinLnBrk="0" hangingPunct="1">
+              <a:lnSpc>
+                <a:spcPct val="90000"/>
+              </a:lnSpc>
+              <a:spcBef>
+                <a:spcPts val="500"/>
+              </a:spcBef>
+              <a:buFont typeface="Arial" panose="020B0604020202020204" pitchFamily="34" charset="0"/>
+              <a:buChar char="•"/>
+              <a:defRPr sz="2400" kern="1200">
+                <a:solidFill>
+                  <a:schemeClr val="tx1"/>
+                </a:solidFill>
+                <a:latin typeface="+mn-lt"/>
+                <a:ea typeface="+mn-ea"/>
+                <a:cs typeface="+mn-cs"/>
+              </a:defRPr>
+            </a:lvl2pPr>
+            <a:lvl3pPr marL="1143000" indent="-228600" algn="l" defTabSz="914400" rtl="0" eaLnBrk="1" latinLnBrk="0" hangingPunct="1">
+              <a:lnSpc>
+                <a:spcPct val="90000"/>
+              </a:lnSpc>
+              <a:spcBef>
+                <a:spcPts val="500"/>
+              </a:spcBef>
+              <a:buFont typeface="Arial" panose="020B0604020202020204" pitchFamily="34" charset="0"/>
+              <a:buChar char="•"/>
+              <a:defRPr sz="2000" kern="1200">
+                <a:solidFill>
+                  <a:schemeClr val="tx1"/>
+                </a:solidFill>
+                <a:latin typeface="+mn-lt"/>
+                <a:ea typeface="+mn-ea"/>
+                <a:cs typeface="+mn-cs"/>
+              </a:defRPr>
+            </a:lvl3pPr>
+            <a:lvl4pPr marL="1600200" indent="-228600" algn="l" defTabSz="914400" rtl="0" eaLnBrk="1" latinLnBrk="0" hangingPunct="1">
+              <a:lnSpc>
+                <a:spcPct val="90000"/>
+              </a:lnSpc>
+              <a:spcBef>
+                <a:spcPts val="500"/>
+              </a:spcBef>
+              <a:buFont typeface="Arial" panose="020B0604020202020204" pitchFamily="34" charset="0"/>
+              <a:buChar char="•"/>
+              <a:defRPr sz="1800" kern="1200">
+                <a:solidFill>
+                  <a:schemeClr val="tx1"/>
+                </a:solidFill>
+                <a:latin typeface="+mn-lt"/>
+                <a:ea typeface="+mn-ea"/>
+                <a:cs typeface="+mn-cs"/>
+              </a:defRPr>
+            </a:lvl4pPr>
+            <a:lvl5pPr marL="2057400" indent="-228600" algn="l" defTabSz="914400" rtl="0" eaLnBrk="1" latinLnBrk="0" hangingPunct="1">
+              <a:lnSpc>
+                <a:spcPct val="90000"/>
+              </a:lnSpc>
+              <a:spcBef>
+                <a:spcPts val="500"/>
+              </a:spcBef>
+              <a:buFont typeface="Arial" panose="020B0604020202020204" pitchFamily="34" charset="0"/>
+              <a:buChar char="•"/>
+              <a:defRPr sz="1800" kern="1200">
+                <a:solidFill>
+                  <a:schemeClr val="tx1"/>
+                </a:solidFill>
+                <a:latin typeface="+mn-lt"/>
+                <a:ea typeface="+mn-ea"/>
+                <a:cs typeface="+mn-cs"/>
+              </a:defRPr>
+            </a:lvl5pPr>
+            <a:lvl6pPr marL="2514600" indent="-228600" algn="l" defTabSz="914400" rtl="0" eaLnBrk="1" latinLnBrk="0" hangingPunct="1">
+              <a:lnSpc>
+                <a:spcPct val="90000"/>
+              </a:lnSpc>
+              <a:spcBef>
+                <a:spcPts val="500"/>
+              </a:spcBef>
+              <a:buFont typeface="Arial" panose="020B0604020202020204" pitchFamily="34" charset="0"/>
+              <a:buChar char="•"/>
+              <a:defRPr sz="1800" kern="1200">
+                <a:solidFill>
+                  <a:schemeClr val="tx1"/>
+                </a:solidFill>
+                <a:latin typeface="+mn-lt"/>
+                <a:ea typeface="+mn-ea"/>
+                <a:cs typeface="+mn-cs"/>
+              </a:defRPr>
+            </a:lvl6pPr>
+            <a:lvl7pPr marL="2971800" indent="-228600" algn="l" defTabSz="914400" rtl="0" eaLnBrk="1" latinLnBrk="0" hangingPunct="1">
+              <a:lnSpc>
+                <a:spcPct val="90000"/>
+              </a:lnSpc>
+              <a:spcBef>
+                <a:spcPts val="500"/>
+              </a:spcBef>
+              <a:buFont typeface="Arial" panose="020B0604020202020204" pitchFamily="34" charset="0"/>
+              <a:buChar char="•"/>
+              <a:defRPr sz="1800" kern="1200">
+                <a:solidFill>
+                  <a:schemeClr val="tx1"/>
+                </a:solidFill>
+                <a:latin typeface="+mn-lt"/>
+                <a:ea typeface="+mn-ea"/>
+                <a:cs typeface="+mn-cs"/>
+              </a:defRPr>
+            </a:lvl7pPr>
+            <a:lvl8pPr marL="3429000" indent="-228600" algn="l" defTabSz="914400" rtl="0" eaLnBrk="1" latinLnBrk="0" hangingPunct="1">
+              <a:lnSpc>
+                <a:spcPct val="90000"/>
+              </a:lnSpc>
+              <a:spcBef>
+                <a:spcPts val="500"/>
+              </a:spcBef>
+              <a:buFont typeface="Arial" panose="020B0604020202020204" pitchFamily="34" charset="0"/>
+              <a:buChar char="•"/>
+              <a:defRPr sz="1800" kern="1200">
+                <a:solidFill>
+                  <a:schemeClr val="tx1"/>
+                </a:solidFill>
+                <a:latin typeface="+mn-lt"/>
+                <a:ea typeface="+mn-ea"/>
+                <a:cs typeface="+mn-cs"/>
+              </a:defRPr>
+            </a:lvl8pPr>
+            <a:lvl9pPr marL="3886200" indent="-228600" algn="l" defTabSz="914400" rtl="0" eaLnBrk="1" latinLnBrk="0" hangingPunct="1">
+              <a:lnSpc>
+                <a:spcPct val="90000"/>
+              </a:lnSpc>
+              <a:spcBef>
+                <a:spcPts val="500"/>
+              </a:spcBef>
+              <a:buFont typeface="Arial" panose="020B0604020202020204" pitchFamily="34" charset="0"/>
+              <a:buChar char="•"/>
+              <a:defRPr sz="1800" kern="1200">
+                <a:solidFill>
+                  <a:schemeClr val="tx1"/>
+                </a:solidFill>
+                <a:latin typeface="+mn-lt"/>
+                <a:ea typeface="+mn-ea"/>
+                <a:cs typeface="+mn-cs"/>
+              </a:defRPr>
+            </a:lvl9pPr>
+          </a:lstStyle>
+          <a:p>
+            <a:pPr marL="0" indent="0">
+              <a:buNone/>
+            </a:pPr>
+            <a:r>
+              <a:rPr lang="en-US" sz="3200" noProof="0" dirty="0">
+                <a:latin typeface="Bahnschrift SemiCondensed" panose="020B0502040204020203" pitchFamily="34" charset="0"/>
+              </a:rPr>
+              <a:t>Halving temperature by squaring the state</a:t>
+            </a:r>
+            <a:endParaRPr lang="en-US" sz="3200" noProof="0" dirty="0"/>
+          </a:p>
+        </p:txBody>
+      </p:sp>
+      <p:sp>
+        <p:nvSpPr>
+          <p:cNvPr id="23" name="Untertitel 2 2">
+            <a:extLst>
+              <a:ext uri="{FF2B5EF4-FFF2-40B4-BE49-F238E27FC236}">
+                <a16:creationId xmlns:a16="http://schemas.microsoft.com/office/drawing/2014/main" id="{820BA1E7-D0D9-7488-F767-24EEEDBF120E}"/>
+              </a:ext>
+            </a:extLst>
+          </p:cNvPr>
+          <p:cNvSpPr txBox="1">
+            <a:spLocks/>
+          </p:cNvSpPr>
+          <p:nvPr/>
+        </p:nvSpPr>
+        <p:spPr>
+          <a:xfrm>
+            <a:off x="1286541" y="1790621"/>
+            <a:ext cx="1398206" cy="487223"/>
+          </a:xfrm>
+          <a:prstGeom prst="rect">
+            <a:avLst/>
+          </a:prstGeom>
+        </p:spPr>
+        <p:txBody>
+          <a:bodyPr vert="horz" lIns="91440" tIns="45720" rIns="91440" bIns="45720" rtlCol="0">
+            <a:normAutofit/>
+          </a:bodyPr>
+          <a:lstStyle>
+            <a:lvl1pPr marL="228600" indent="-228600" algn="l" defTabSz="914400" rtl="0" eaLnBrk="1" latinLnBrk="0" hangingPunct="1">
+              <a:lnSpc>
+                <a:spcPct val="90000"/>
+              </a:lnSpc>
+              <a:spcBef>
+                <a:spcPts val="1000"/>
+              </a:spcBef>
+              <a:buFont typeface="Arial" panose="020B0604020202020204" pitchFamily="34" charset="0"/>
+              <a:buChar char="•"/>
+              <a:defRPr sz="2800" kern="1200">
+                <a:solidFill>
+                  <a:schemeClr val="tx1"/>
+                </a:solidFill>
+                <a:latin typeface="+mn-lt"/>
+                <a:ea typeface="+mn-ea"/>
+                <a:cs typeface="+mn-cs"/>
+              </a:defRPr>
+            </a:lvl1pPr>
+            <a:lvl2pPr marL="685800" indent="-228600" algn="l" defTabSz="914400" rtl="0" eaLnBrk="1" latinLnBrk="0" hangingPunct="1">
+              <a:lnSpc>
+                <a:spcPct val="90000"/>
+              </a:lnSpc>
+              <a:spcBef>
+                <a:spcPts val="500"/>
+              </a:spcBef>
+              <a:buFont typeface="Arial" panose="020B0604020202020204" pitchFamily="34" charset="0"/>
+              <a:buChar char="•"/>
+              <a:defRPr sz="2400" kern="1200">
+                <a:solidFill>
+                  <a:schemeClr val="tx1"/>
+                </a:solidFill>
+                <a:latin typeface="+mn-lt"/>
+                <a:ea typeface="+mn-ea"/>
+                <a:cs typeface="+mn-cs"/>
+              </a:defRPr>
+            </a:lvl2pPr>
+            <a:lvl3pPr marL="1143000" indent="-228600" algn="l" defTabSz="914400" rtl="0" eaLnBrk="1" latinLnBrk="0" hangingPunct="1">
+              <a:lnSpc>
+                <a:spcPct val="90000"/>
+              </a:lnSpc>
+              <a:spcBef>
+                <a:spcPts val="500"/>
+              </a:spcBef>
+              <a:buFont typeface="Arial" panose="020B0604020202020204" pitchFamily="34" charset="0"/>
+              <a:buChar char="•"/>
+              <a:defRPr sz="2000" kern="1200">
+                <a:solidFill>
+                  <a:schemeClr val="tx1"/>
+                </a:solidFill>
+                <a:latin typeface="+mn-lt"/>
+                <a:ea typeface="+mn-ea"/>
+                <a:cs typeface="+mn-cs"/>
+              </a:defRPr>
+            </a:lvl3pPr>
+            <a:lvl4pPr marL="1600200" indent="-228600" algn="l" defTabSz="914400" rtl="0" eaLnBrk="1" latinLnBrk="0" hangingPunct="1">
+              <a:lnSpc>
+                <a:spcPct val="90000"/>
+              </a:lnSpc>
+              <a:spcBef>
+                <a:spcPts val="500"/>
+              </a:spcBef>
+              <a:buFont typeface="Arial" panose="020B0604020202020204" pitchFamily="34" charset="0"/>
+              <a:buChar char="•"/>
+              <a:defRPr sz="1800" kern="1200">
+                <a:solidFill>
+                  <a:schemeClr val="tx1"/>
+                </a:solidFill>
+                <a:latin typeface="+mn-lt"/>
+                <a:ea typeface="+mn-ea"/>
+                <a:cs typeface="+mn-cs"/>
+              </a:defRPr>
+            </a:lvl4pPr>
+            <a:lvl5pPr marL="2057400" indent="-228600" algn="l" defTabSz="914400" rtl="0" eaLnBrk="1" latinLnBrk="0" hangingPunct="1">
+              <a:lnSpc>
+                <a:spcPct val="90000"/>
+              </a:lnSpc>
+              <a:spcBef>
+                <a:spcPts val="500"/>
+              </a:spcBef>
+              <a:buFont typeface="Arial" panose="020B0604020202020204" pitchFamily="34" charset="0"/>
+              <a:buChar char="•"/>
+              <a:defRPr sz="1800" kern="1200">
+                <a:solidFill>
+                  <a:schemeClr val="tx1"/>
+                </a:solidFill>
+                <a:latin typeface="+mn-lt"/>
+                <a:ea typeface="+mn-ea"/>
+                <a:cs typeface="+mn-cs"/>
+              </a:defRPr>
+            </a:lvl5pPr>
+            <a:lvl6pPr marL="2514600" indent="-228600" algn="l" defTabSz="914400" rtl="0" eaLnBrk="1" latinLnBrk="0" hangingPunct="1">
+              <a:lnSpc>
+                <a:spcPct val="90000"/>
+              </a:lnSpc>
+              <a:spcBef>
+                <a:spcPts val="500"/>
+              </a:spcBef>
+              <a:buFont typeface="Arial" panose="020B0604020202020204" pitchFamily="34" charset="0"/>
+              <a:buChar char="•"/>
+              <a:defRPr sz="1800" kern="1200">
+                <a:solidFill>
+                  <a:schemeClr val="tx1"/>
+                </a:solidFill>
+                <a:latin typeface="+mn-lt"/>
+                <a:ea typeface="+mn-ea"/>
+                <a:cs typeface="+mn-cs"/>
+              </a:defRPr>
+            </a:lvl6pPr>
+            <a:lvl7pPr marL="2971800" indent="-228600" algn="l" defTabSz="914400" rtl="0" eaLnBrk="1" latinLnBrk="0" hangingPunct="1">
+              <a:lnSpc>
+                <a:spcPct val="90000"/>
+              </a:lnSpc>
+              <a:spcBef>
+                <a:spcPts val="500"/>
+              </a:spcBef>
+              <a:buFont typeface="Arial" panose="020B0604020202020204" pitchFamily="34" charset="0"/>
+              <a:buChar char="•"/>
+              <a:defRPr sz="1800" kern="1200">
+                <a:solidFill>
+                  <a:schemeClr val="tx1"/>
+                </a:solidFill>
+                <a:latin typeface="+mn-lt"/>
+                <a:ea typeface="+mn-ea"/>
+                <a:cs typeface="+mn-cs"/>
+              </a:defRPr>
+            </a:lvl7pPr>
+            <a:lvl8pPr marL="3429000" indent="-228600" algn="l" defTabSz="914400" rtl="0" eaLnBrk="1" latinLnBrk="0" hangingPunct="1">
+              <a:lnSpc>
+                <a:spcPct val="90000"/>
+              </a:lnSpc>
+              <a:spcBef>
+                <a:spcPts val="500"/>
+              </a:spcBef>
+              <a:buFont typeface="Arial" panose="020B0604020202020204" pitchFamily="34" charset="0"/>
+              <a:buChar char="•"/>
+              <a:defRPr sz="1800" kern="1200">
+                <a:solidFill>
+                  <a:schemeClr val="tx1"/>
+                </a:solidFill>
+                <a:latin typeface="+mn-lt"/>
+                <a:ea typeface="+mn-ea"/>
+                <a:cs typeface="+mn-cs"/>
+              </a:defRPr>
+            </a:lvl8pPr>
+            <a:lvl9pPr marL="3886200" indent="-228600" algn="l" defTabSz="914400" rtl="0" eaLnBrk="1" latinLnBrk="0" hangingPunct="1">
+              <a:lnSpc>
+                <a:spcPct val="90000"/>
+              </a:lnSpc>
+              <a:spcBef>
+                <a:spcPts val="500"/>
+              </a:spcBef>
+              <a:buFont typeface="Arial" panose="020B0604020202020204" pitchFamily="34" charset="0"/>
+              <a:buChar char="•"/>
+              <a:defRPr sz="1800" kern="1200">
+                <a:solidFill>
+                  <a:schemeClr val="tx1"/>
+                </a:solidFill>
+                <a:latin typeface="+mn-lt"/>
+                <a:ea typeface="+mn-ea"/>
+                <a:cs typeface="+mn-cs"/>
+              </a:defRPr>
+            </a:lvl9pPr>
+          </a:lstStyle>
+          <a:p>
+            <a:pPr marL="0" indent="0">
+              <a:buNone/>
+            </a:pPr>
+            <a:r>
+              <a:rPr lang="en-US" sz="2400" noProof="0" dirty="0">
+                <a:solidFill>
+                  <a:schemeClr val="tx2">
+                    <a:lumMod val="75000"/>
+                    <a:lumOff val="25000"/>
+                  </a:schemeClr>
+                </a:solidFill>
+                <a:latin typeface="Bahnschrift SemiCondensed" panose="020B0502040204020203" pitchFamily="34" charset="0"/>
+              </a:rPr>
+              <a:t>Main idea</a:t>
+            </a:r>
+            <a:endParaRPr lang="en-US" sz="2400" noProof="0" dirty="0">
+              <a:solidFill>
+                <a:schemeClr val="tx2">
+                  <a:lumMod val="75000"/>
+                  <a:lumOff val="25000"/>
+                </a:schemeClr>
+              </a:solidFill>
+            </a:endParaRPr>
+          </a:p>
+        </p:txBody>
+      </p:sp>
+      <p:sp>
+        <p:nvSpPr>
+          <p:cNvPr id="29" name="Untertitel 2 3">
+            <a:extLst>
+              <a:ext uri="{FF2B5EF4-FFF2-40B4-BE49-F238E27FC236}">
+                <a16:creationId xmlns:a16="http://schemas.microsoft.com/office/drawing/2014/main" id="{39B745FA-D5B2-29C1-3968-C733E40E8459}"/>
+              </a:ext>
+            </a:extLst>
+          </p:cNvPr>
+          <p:cNvSpPr txBox="1">
+            <a:spLocks/>
+          </p:cNvSpPr>
+          <p:nvPr/>
+        </p:nvSpPr>
+        <p:spPr>
+          <a:xfrm>
+            <a:off x="2554625" y="1811123"/>
+            <a:ext cx="8350834" cy="740855"/>
+          </a:xfrm>
+          <a:prstGeom prst="rect">
+            <a:avLst/>
+          </a:prstGeom>
+        </p:spPr>
+        <p:txBody>
+          <a:bodyPr vert="horz" lIns="91440" tIns="45720" rIns="91440" bIns="45720" rtlCol="0">
+            <a:normAutofit/>
+          </a:bodyPr>
+          <a:lstStyle>
+            <a:lvl1pPr marL="228600" indent="-228600" algn="l" defTabSz="914400" rtl="0" eaLnBrk="1" latinLnBrk="0" hangingPunct="1">
+              <a:lnSpc>
+                <a:spcPct val="90000"/>
+              </a:lnSpc>
+              <a:spcBef>
+                <a:spcPts val="1000"/>
+              </a:spcBef>
+              <a:buFont typeface="Arial" panose="020B0604020202020204" pitchFamily="34" charset="0"/>
+              <a:buChar char="•"/>
+              <a:defRPr sz="2800" kern="1200">
+                <a:solidFill>
+                  <a:schemeClr val="tx1"/>
+                </a:solidFill>
+                <a:latin typeface="+mn-lt"/>
+                <a:ea typeface="+mn-ea"/>
+                <a:cs typeface="+mn-cs"/>
+              </a:defRPr>
+            </a:lvl1pPr>
+            <a:lvl2pPr marL="685800" indent="-228600" algn="l" defTabSz="914400" rtl="0" eaLnBrk="1" latinLnBrk="0" hangingPunct="1">
+              <a:lnSpc>
+                <a:spcPct val="90000"/>
+              </a:lnSpc>
+              <a:spcBef>
+                <a:spcPts val="500"/>
+              </a:spcBef>
+              <a:buFont typeface="Arial" panose="020B0604020202020204" pitchFamily="34" charset="0"/>
+              <a:buChar char="•"/>
+              <a:defRPr sz="2400" kern="1200">
+                <a:solidFill>
+                  <a:schemeClr val="tx1"/>
+                </a:solidFill>
+                <a:latin typeface="+mn-lt"/>
+                <a:ea typeface="+mn-ea"/>
+                <a:cs typeface="+mn-cs"/>
+              </a:defRPr>
+            </a:lvl2pPr>
+            <a:lvl3pPr marL="1143000" indent="-228600" algn="l" defTabSz="914400" rtl="0" eaLnBrk="1" latinLnBrk="0" hangingPunct="1">
+              <a:lnSpc>
+                <a:spcPct val="90000"/>
+              </a:lnSpc>
+              <a:spcBef>
+                <a:spcPts val="500"/>
+              </a:spcBef>
+              <a:buFont typeface="Arial" panose="020B0604020202020204" pitchFamily="34" charset="0"/>
+              <a:buChar char="•"/>
+              <a:defRPr sz="2000" kern="1200">
+                <a:solidFill>
+                  <a:schemeClr val="tx1"/>
+                </a:solidFill>
+                <a:latin typeface="+mn-lt"/>
+                <a:ea typeface="+mn-ea"/>
+                <a:cs typeface="+mn-cs"/>
+              </a:defRPr>
+            </a:lvl3pPr>
+            <a:lvl4pPr marL="1600200" indent="-228600" algn="l" defTabSz="914400" rtl="0" eaLnBrk="1" latinLnBrk="0" hangingPunct="1">
+              <a:lnSpc>
+                <a:spcPct val="90000"/>
+              </a:lnSpc>
+              <a:spcBef>
+                <a:spcPts val="500"/>
+              </a:spcBef>
+              <a:buFont typeface="Arial" panose="020B0604020202020204" pitchFamily="34" charset="0"/>
+              <a:buChar char="•"/>
+              <a:defRPr sz="1800" kern="1200">
+                <a:solidFill>
+                  <a:schemeClr val="tx1"/>
+                </a:solidFill>
+                <a:latin typeface="+mn-lt"/>
+                <a:ea typeface="+mn-ea"/>
+                <a:cs typeface="+mn-cs"/>
+              </a:defRPr>
+            </a:lvl4pPr>
+            <a:lvl5pPr marL="2057400" indent="-228600" algn="l" defTabSz="914400" rtl="0" eaLnBrk="1" latinLnBrk="0" hangingPunct="1">
+              <a:lnSpc>
+                <a:spcPct val="90000"/>
+              </a:lnSpc>
+              <a:spcBef>
+                <a:spcPts val="500"/>
+              </a:spcBef>
+              <a:buFont typeface="Arial" panose="020B0604020202020204" pitchFamily="34" charset="0"/>
+              <a:buChar char="•"/>
+              <a:defRPr sz="1800" kern="1200">
+                <a:solidFill>
+                  <a:schemeClr val="tx1"/>
+                </a:solidFill>
+                <a:latin typeface="+mn-lt"/>
+                <a:ea typeface="+mn-ea"/>
+                <a:cs typeface="+mn-cs"/>
+              </a:defRPr>
+            </a:lvl5pPr>
+            <a:lvl6pPr marL="2514600" indent="-228600" algn="l" defTabSz="914400" rtl="0" eaLnBrk="1" latinLnBrk="0" hangingPunct="1">
+              <a:lnSpc>
+                <a:spcPct val="90000"/>
+              </a:lnSpc>
+              <a:spcBef>
+                <a:spcPts val="500"/>
+              </a:spcBef>
+              <a:buFont typeface="Arial" panose="020B0604020202020204" pitchFamily="34" charset="0"/>
+              <a:buChar char="•"/>
+              <a:defRPr sz="1800" kern="1200">
+                <a:solidFill>
+                  <a:schemeClr val="tx1"/>
+                </a:solidFill>
+                <a:latin typeface="+mn-lt"/>
+                <a:ea typeface="+mn-ea"/>
+                <a:cs typeface="+mn-cs"/>
+              </a:defRPr>
+            </a:lvl6pPr>
+            <a:lvl7pPr marL="2971800" indent="-228600" algn="l" defTabSz="914400" rtl="0" eaLnBrk="1" latinLnBrk="0" hangingPunct="1">
+              <a:lnSpc>
+                <a:spcPct val="90000"/>
+              </a:lnSpc>
+              <a:spcBef>
+                <a:spcPts val="500"/>
+              </a:spcBef>
+              <a:buFont typeface="Arial" panose="020B0604020202020204" pitchFamily="34" charset="0"/>
+              <a:buChar char="•"/>
+              <a:defRPr sz="1800" kern="1200">
+                <a:solidFill>
+                  <a:schemeClr val="tx1"/>
+                </a:solidFill>
+                <a:latin typeface="+mn-lt"/>
+                <a:ea typeface="+mn-ea"/>
+                <a:cs typeface="+mn-cs"/>
+              </a:defRPr>
+            </a:lvl7pPr>
+            <a:lvl8pPr marL="3429000" indent="-228600" algn="l" defTabSz="914400" rtl="0" eaLnBrk="1" latinLnBrk="0" hangingPunct="1">
+              <a:lnSpc>
+                <a:spcPct val="90000"/>
+              </a:lnSpc>
+              <a:spcBef>
+                <a:spcPts val="500"/>
+              </a:spcBef>
+              <a:buFont typeface="Arial" panose="020B0604020202020204" pitchFamily="34" charset="0"/>
+              <a:buChar char="•"/>
+              <a:defRPr sz="1800" kern="1200">
+                <a:solidFill>
+                  <a:schemeClr val="tx1"/>
+                </a:solidFill>
+                <a:latin typeface="+mn-lt"/>
+                <a:ea typeface="+mn-ea"/>
+                <a:cs typeface="+mn-cs"/>
+              </a:defRPr>
+            </a:lvl8pPr>
+            <a:lvl9pPr marL="3886200" indent="-228600" algn="l" defTabSz="914400" rtl="0" eaLnBrk="1" latinLnBrk="0" hangingPunct="1">
+              <a:lnSpc>
+                <a:spcPct val="90000"/>
+              </a:lnSpc>
+              <a:spcBef>
+                <a:spcPts val="500"/>
+              </a:spcBef>
+              <a:buFont typeface="Arial" panose="020B0604020202020204" pitchFamily="34" charset="0"/>
+              <a:buChar char="•"/>
+              <a:defRPr sz="1800" kern="1200">
+                <a:solidFill>
+                  <a:schemeClr val="tx1"/>
+                </a:solidFill>
+                <a:latin typeface="+mn-lt"/>
+                <a:ea typeface="+mn-ea"/>
+                <a:cs typeface="+mn-cs"/>
+              </a:defRPr>
+            </a:lvl9pPr>
+          </a:lstStyle>
+          <a:p>
+            <a:pPr marL="0" indent="0">
+              <a:buNone/>
+            </a:pPr>
+            <a:r>
+              <a:rPr lang="en-US" sz="2000" noProof="0" dirty="0">
+                <a:latin typeface="Bahnschrift SemiCondensed" panose="020B0502040204020203" pitchFamily="34" charset="0"/>
+              </a:rPr>
+              <a:t>Suppose we have computed the thermal state         . Then we can compute the thermal state with double inverse temperature as</a:t>
+            </a:r>
+          </a:p>
+        </p:txBody>
+      </p:sp>
+      <p:pic>
+        <p:nvPicPr>
+          <p:cNvPr id="8" name="Picture 7" descr="\documentclass{article}&#10;\usepackage{amsmath}&#10;\pagestyle{empty}&#10;\begin{document}&#10;&#10;$\rho(\beta)$&#10;&#10;&#10;\end{document}" title="IguanaTex Picture Display">
+            <a:extLst>
+              <a:ext uri="{FF2B5EF4-FFF2-40B4-BE49-F238E27FC236}">
+                <a16:creationId xmlns:a16="http://schemas.microsoft.com/office/drawing/2014/main" id="{9BF7421C-66E9-7097-28DC-4537B05B45AF}"/>
+              </a:ext>
+            </a:extLst>
+          </p:cNvPr>
+          <p:cNvPicPr>
+            <a:picLocks noChangeAspect="1"/>
+          </p:cNvPicPr>
+          <p:nvPr>
+            <p:custDataLst>
+              <p:tags r:id="rId2"/>
+            </p:custDataLst>
+          </p:nvPr>
+        </p:nvPicPr>
+        <p:blipFill>
+          <a:blip r:embed="rId9">
+            <a:extLst>
+              <a:ext uri="{28A0092B-C50C-407E-A947-70E740481C1C}">
+                <a14:useLocalDpi xmlns:a14="http://schemas.microsoft.com/office/drawing/2010/main" val="0"/>
+              </a:ext>
+            </a:extLst>
+          </a:blip>
+          <a:stretch>
+            <a:fillRect/>
+          </a:stretch>
+        </p:blipFill>
+        <p:spPr>
+          <a:xfrm>
+            <a:off x="7228029" y="1854254"/>
+            <a:ext cx="452571" cy="254476"/>
+          </a:xfrm>
+          <a:prstGeom prst="rect">
+            <a:avLst/>
+          </a:prstGeom>
+        </p:spPr>
+      </p:pic>
+      <p:pic>
+        <p:nvPicPr>
+          <p:cNvPr id="11" name="Picture 10" descr="\documentclass{article}&#10;\usepackage{amsmath}&#10;\pagestyle{empty}&#10;\begin{document}&#10;&#10;$\rho(2 \beta) = \text{e}^{-2 \beta \hat{H}} = (\text{e}^{- \beta \hat{H}})^2 = \rho(\beta)^2$&#10;&#10;&#10;\end{document}" title="IguanaTex Picture Display">
+            <a:extLst>
+              <a:ext uri="{FF2B5EF4-FFF2-40B4-BE49-F238E27FC236}">
+                <a16:creationId xmlns:a16="http://schemas.microsoft.com/office/drawing/2014/main" id="{DC667FC9-7209-7818-2D69-59B0FD6DABE5}"/>
+              </a:ext>
+            </a:extLst>
+          </p:cNvPr>
+          <p:cNvPicPr>
+            <a:picLocks noChangeAspect="1"/>
+          </p:cNvPicPr>
+          <p:nvPr>
+            <p:custDataLst>
+              <p:tags r:id="rId3"/>
+            </p:custDataLst>
+          </p:nvPr>
+        </p:nvPicPr>
+        <p:blipFill>
+          <a:blip r:embed="rId10">
+            <a:extLst>
+              <a:ext uri="{28A0092B-C50C-407E-A947-70E740481C1C}">
+                <a14:useLocalDpi xmlns:a14="http://schemas.microsoft.com/office/drawing/2010/main" val="0"/>
+              </a:ext>
+            </a:extLst>
+          </a:blip>
+          <a:stretch>
+            <a:fillRect/>
+          </a:stretch>
+        </p:blipFill>
+        <p:spPr>
+          <a:xfrm>
+            <a:off x="4138930" y="2602386"/>
+            <a:ext cx="3774474" cy="324571"/>
+          </a:xfrm>
+          <a:prstGeom prst="rect">
+            <a:avLst/>
+          </a:prstGeom>
+        </p:spPr>
+      </p:pic>
+      <p:sp>
+        <p:nvSpPr>
+          <p:cNvPr id="12" name="Untertitel 2 3">
+            <a:extLst>
+              <a:ext uri="{FF2B5EF4-FFF2-40B4-BE49-F238E27FC236}">
+                <a16:creationId xmlns:a16="http://schemas.microsoft.com/office/drawing/2014/main" id="{F0145429-2611-E58B-002B-78C5763C06F6}"/>
+              </a:ext>
+            </a:extLst>
+          </p:cNvPr>
+          <p:cNvSpPr txBox="1">
+            <a:spLocks/>
+          </p:cNvSpPr>
+          <p:nvPr/>
+        </p:nvSpPr>
+        <p:spPr>
+          <a:xfrm>
+            <a:off x="2548678" y="3209337"/>
+            <a:ext cx="9358701" cy="2698940"/>
+          </a:xfrm>
+          <a:prstGeom prst="rect">
+            <a:avLst/>
+          </a:prstGeom>
+        </p:spPr>
+        <p:txBody>
+          <a:bodyPr vert="horz" lIns="91440" tIns="45720" rIns="91440" bIns="45720" rtlCol="0">
+            <a:normAutofit/>
+          </a:bodyPr>
+          <a:lstStyle>
+            <a:lvl1pPr marL="228600" indent="-228600" algn="l" defTabSz="914400" rtl="0" eaLnBrk="1" latinLnBrk="0" hangingPunct="1">
+              <a:lnSpc>
+                <a:spcPct val="90000"/>
+              </a:lnSpc>
+              <a:spcBef>
+                <a:spcPts val="1000"/>
+              </a:spcBef>
+              <a:buFont typeface="Arial" panose="020B0604020202020204" pitchFamily="34" charset="0"/>
+              <a:buChar char="•"/>
+              <a:defRPr sz="2800" kern="1200">
+                <a:solidFill>
+                  <a:schemeClr val="tx1"/>
+                </a:solidFill>
+                <a:latin typeface="+mn-lt"/>
+                <a:ea typeface="+mn-ea"/>
+                <a:cs typeface="+mn-cs"/>
+              </a:defRPr>
+            </a:lvl1pPr>
+            <a:lvl2pPr marL="685800" indent="-228600" algn="l" defTabSz="914400" rtl="0" eaLnBrk="1" latinLnBrk="0" hangingPunct="1">
+              <a:lnSpc>
+                <a:spcPct val="90000"/>
+              </a:lnSpc>
+              <a:spcBef>
+                <a:spcPts val="500"/>
+              </a:spcBef>
+              <a:buFont typeface="Arial" panose="020B0604020202020204" pitchFamily="34" charset="0"/>
+              <a:buChar char="•"/>
+              <a:defRPr sz="2400" kern="1200">
+                <a:solidFill>
+                  <a:schemeClr val="tx1"/>
+                </a:solidFill>
+                <a:latin typeface="+mn-lt"/>
+                <a:ea typeface="+mn-ea"/>
+                <a:cs typeface="+mn-cs"/>
+              </a:defRPr>
+            </a:lvl2pPr>
+            <a:lvl3pPr marL="1143000" indent="-228600" algn="l" defTabSz="914400" rtl="0" eaLnBrk="1" latinLnBrk="0" hangingPunct="1">
+              <a:lnSpc>
+                <a:spcPct val="90000"/>
+              </a:lnSpc>
+              <a:spcBef>
+                <a:spcPts val="500"/>
+              </a:spcBef>
+              <a:buFont typeface="Arial" panose="020B0604020202020204" pitchFamily="34" charset="0"/>
+              <a:buChar char="•"/>
+              <a:defRPr sz="2000" kern="1200">
+                <a:solidFill>
+                  <a:schemeClr val="tx1"/>
+                </a:solidFill>
+                <a:latin typeface="+mn-lt"/>
+                <a:ea typeface="+mn-ea"/>
+                <a:cs typeface="+mn-cs"/>
+              </a:defRPr>
+            </a:lvl3pPr>
+            <a:lvl4pPr marL="1600200" indent="-228600" algn="l" defTabSz="914400" rtl="0" eaLnBrk="1" latinLnBrk="0" hangingPunct="1">
+              <a:lnSpc>
+                <a:spcPct val="90000"/>
+              </a:lnSpc>
+              <a:spcBef>
+                <a:spcPts val="500"/>
+              </a:spcBef>
+              <a:buFont typeface="Arial" panose="020B0604020202020204" pitchFamily="34" charset="0"/>
+              <a:buChar char="•"/>
+              <a:defRPr sz="1800" kern="1200">
+                <a:solidFill>
+                  <a:schemeClr val="tx1"/>
+                </a:solidFill>
+                <a:latin typeface="+mn-lt"/>
+                <a:ea typeface="+mn-ea"/>
+                <a:cs typeface="+mn-cs"/>
+              </a:defRPr>
+            </a:lvl4pPr>
+            <a:lvl5pPr marL="2057400" indent="-228600" algn="l" defTabSz="914400" rtl="0" eaLnBrk="1" latinLnBrk="0" hangingPunct="1">
+              <a:lnSpc>
+                <a:spcPct val="90000"/>
+              </a:lnSpc>
+              <a:spcBef>
+                <a:spcPts val="500"/>
+              </a:spcBef>
+              <a:buFont typeface="Arial" panose="020B0604020202020204" pitchFamily="34" charset="0"/>
+              <a:buChar char="•"/>
+              <a:defRPr sz="1800" kern="1200">
+                <a:solidFill>
+                  <a:schemeClr val="tx1"/>
+                </a:solidFill>
+                <a:latin typeface="+mn-lt"/>
+                <a:ea typeface="+mn-ea"/>
+                <a:cs typeface="+mn-cs"/>
+              </a:defRPr>
+            </a:lvl5pPr>
+            <a:lvl6pPr marL="2514600" indent="-228600" algn="l" defTabSz="914400" rtl="0" eaLnBrk="1" latinLnBrk="0" hangingPunct="1">
+              <a:lnSpc>
+                <a:spcPct val="90000"/>
+              </a:lnSpc>
+              <a:spcBef>
+                <a:spcPts val="500"/>
+              </a:spcBef>
+              <a:buFont typeface="Arial" panose="020B0604020202020204" pitchFamily="34" charset="0"/>
+              <a:buChar char="•"/>
+              <a:defRPr sz="1800" kern="1200">
+                <a:solidFill>
+                  <a:schemeClr val="tx1"/>
+                </a:solidFill>
+                <a:latin typeface="+mn-lt"/>
+                <a:ea typeface="+mn-ea"/>
+                <a:cs typeface="+mn-cs"/>
+              </a:defRPr>
+            </a:lvl6pPr>
+            <a:lvl7pPr marL="2971800" indent="-228600" algn="l" defTabSz="914400" rtl="0" eaLnBrk="1" latinLnBrk="0" hangingPunct="1">
+              <a:lnSpc>
+                <a:spcPct val="90000"/>
+              </a:lnSpc>
+              <a:spcBef>
+                <a:spcPts val="500"/>
+              </a:spcBef>
+              <a:buFont typeface="Arial" panose="020B0604020202020204" pitchFamily="34" charset="0"/>
+              <a:buChar char="•"/>
+              <a:defRPr sz="1800" kern="1200">
+                <a:solidFill>
+                  <a:schemeClr val="tx1"/>
+                </a:solidFill>
+                <a:latin typeface="+mn-lt"/>
+                <a:ea typeface="+mn-ea"/>
+                <a:cs typeface="+mn-cs"/>
+              </a:defRPr>
+            </a:lvl7pPr>
+            <a:lvl8pPr marL="3429000" indent="-228600" algn="l" defTabSz="914400" rtl="0" eaLnBrk="1" latinLnBrk="0" hangingPunct="1">
+              <a:lnSpc>
+                <a:spcPct val="90000"/>
+              </a:lnSpc>
+              <a:spcBef>
+                <a:spcPts val="500"/>
+              </a:spcBef>
+              <a:buFont typeface="Arial" panose="020B0604020202020204" pitchFamily="34" charset="0"/>
+              <a:buChar char="•"/>
+              <a:defRPr sz="1800" kern="1200">
+                <a:solidFill>
+                  <a:schemeClr val="tx1"/>
+                </a:solidFill>
+                <a:latin typeface="+mn-lt"/>
+                <a:ea typeface="+mn-ea"/>
+                <a:cs typeface="+mn-cs"/>
+              </a:defRPr>
+            </a:lvl8pPr>
+            <a:lvl9pPr marL="3886200" indent="-228600" algn="l" defTabSz="914400" rtl="0" eaLnBrk="1" latinLnBrk="0" hangingPunct="1">
+              <a:lnSpc>
+                <a:spcPct val="90000"/>
+              </a:lnSpc>
+              <a:spcBef>
+                <a:spcPts val="500"/>
+              </a:spcBef>
+              <a:buFont typeface="Arial" panose="020B0604020202020204" pitchFamily="34" charset="0"/>
+              <a:buChar char="•"/>
+              <a:defRPr sz="1800" kern="1200">
+                <a:solidFill>
+                  <a:schemeClr val="tx1"/>
+                </a:solidFill>
+                <a:latin typeface="+mn-lt"/>
+                <a:ea typeface="+mn-ea"/>
+                <a:cs typeface="+mn-cs"/>
+              </a:defRPr>
+            </a:lvl9pPr>
+          </a:lstStyle>
+          <a:p>
+            <a:pPr marL="0" indent="0">
+              <a:buNone/>
+            </a:pPr>
+            <a:r>
+              <a:rPr lang="en-US" sz="2000" noProof="0" dirty="0">
+                <a:latin typeface="Bahnschrift SemiCondensed" panose="020B0502040204020203" pitchFamily="34" charset="0"/>
+              </a:rPr>
+              <a:t>We start from the high-temperature state       , and iteratively halve the temperature. We do the square using the MPO representation of the thermal states. Squaring MPOs implies squaring their bond dimension, too. This calls for a truncation </a:t>
+            </a:r>
+            <a:r>
+              <a:rPr lang="en-US" sz="2000" noProof="0">
+                <a:latin typeface="Bahnschrift SemiCondensed" panose="020B0502040204020203" pitchFamily="34" charset="0"/>
+              </a:rPr>
+              <a:t>scheme.</a:t>
+            </a:r>
+            <a:endParaRPr lang="en-US" sz="2000" noProof="0" dirty="0">
+              <a:latin typeface="Bahnschrift SemiCondensed" panose="020B0502040204020203" pitchFamily="34" charset="0"/>
+            </a:endParaRPr>
+          </a:p>
+        </p:txBody>
+      </p:sp>
+      <p:pic>
+        <p:nvPicPr>
+          <p:cNvPr id="14" name="Picture 13" descr="\documentclass{article}&#10;\usepackage{amsmath}&#10;\pagestyle{empty}&#10;\begin{document}&#10;&#10;$\rho_{\beta_0}$&#10;&#10;\end{document}" title="IguanaTex Picture Display">
+            <a:extLst>
+              <a:ext uri="{FF2B5EF4-FFF2-40B4-BE49-F238E27FC236}">
+                <a16:creationId xmlns:a16="http://schemas.microsoft.com/office/drawing/2014/main" id="{D364E4A0-09FA-3132-3278-4BA3FE24BC0F}"/>
+              </a:ext>
+            </a:extLst>
+          </p:cNvPr>
+          <p:cNvPicPr>
+            <a:picLocks noChangeAspect="1"/>
+          </p:cNvPicPr>
+          <p:nvPr>
+            <p:custDataLst>
+              <p:tags r:id="rId4"/>
+            </p:custDataLst>
+          </p:nvPr>
+        </p:nvPicPr>
+        <p:blipFill>
+          <a:blip r:embed="rId11">
+            <a:extLst>
+              <a:ext uri="{28A0092B-C50C-407E-A947-70E740481C1C}">
+                <a14:useLocalDpi xmlns:a14="http://schemas.microsoft.com/office/drawing/2010/main" val="0"/>
+              </a:ext>
+            </a:extLst>
+          </a:blip>
+          <a:stretch>
+            <a:fillRect/>
+          </a:stretch>
+        </p:blipFill>
+        <p:spPr>
+          <a:xfrm>
+            <a:off x="6825429" y="3345518"/>
+            <a:ext cx="315429" cy="184381"/>
+          </a:xfrm>
+          <a:prstGeom prst="rect">
+            <a:avLst/>
+          </a:prstGeom>
+        </p:spPr>
+      </p:pic>
+      <p:sp>
+        <p:nvSpPr>
+          <p:cNvPr id="15" name="Untertitel 2 2">
+            <a:extLst>
+              <a:ext uri="{FF2B5EF4-FFF2-40B4-BE49-F238E27FC236}">
+                <a16:creationId xmlns:a16="http://schemas.microsoft.com/office/drawing/2014/main" id="{513F6546-753F-4293-9D70-3FD95AAE0875}"/>
+              </a:ext>
+            </a:extLst>
+          </p:cNvPr>
+          <p:cNvSpPr txBox="1">
+            <a:spLocks/>
+          </p:cNvSpPr>
+          <p:nvPr/>
+        </p:nvSpPr>
+        <p:spPr>
+          <a:xfrm>
+            <a:off x="621101" y="3185388"/>
+            <a:ext cx="2409482" cy="740855"/>
+          </a:xfrm>
+          <a:prstGeom prst="rect">
+            <a:avLst/>
+          </a:prstGeom>
+        </p:spPr>
+        <p:txBody>
+          <a:bodyPr vert="horz" lIns="91440" tIns="45720" rIns="91440" bIns="45720" rtlCol="0">
+            <a:normAutofit/>
+          </a:bodyPr>
+          <a:lstStyle>
+            <a:lvl1pPr marL="228600" indent="-228600" algn="l" defTabSz="914400" rtl="0" eaLnBrk="1" latinLnBrk="0" hangingPunct="1">
+              <a:lnSpc>
+                <a:spcPct val="90000"/>
+              </a:lnSpc>
+              <a:spcBef>
+                <a:spcPts val="1000"/>
+              </a:spcBef>
+              <a:buFont typeface="Arial" panose="020B0604020202020204" pitchFamily="34" charset="0"/>
+              <a:buChar char="•"/>
+              <a:defRPr sz="2800" kern="1200">
+                <a:solidFill>
+                  <a:schemeClr val="tx1"/>
+                </a:solidFill>
+                <a:latin typeface="+mn-lt"/>
+                <a:ea typeface="+mn-ea"/>
+                <a:cs typeface="+mn-cs"/>
+              </a:defRPr>
+            </a:lvl1pPr>
+            <a:lvl2pPr marL="685800" indent="-228600" algn="l" defTabSz="914400" rtl="0" eaLnBrk="1" latinLnBrk="0" hangingPunct="1">
+              <a:lnSpc>
+                <a:spcPct val="90000"/>
+              </a:lnSpc>
+              <a:spcBef>
+                <a:spcPts val="500"/>
+              </a:spcBef>
+              <a:buFont typeface="Arial" panose="020B0604020202020204" pitchFamily="34" charset="0"/>
+              <a:buChar char="•"/>
+              <a:defRPr sz="2400" kern="1200">
+                <a:solidFill>
+                  <a:schemeClr val="tx1"/>
+                </a:solidFill>
+                <a:latin typeface="+mn-lt"/>
+                <a:ea typeface="+mn-ea"/>
+                <a:cs typeface="+mn-cs"/>
+              </a:defRPr>
+            </a:lvl2pPr>
+            <a:lvl3pPr marL="1143000" indent="-228600" algn="l" defTabSz="914400" rtl="0" eaLnBrk="1" latinLnBrk="0" hangingPunct="1">
+              <a:lnSpc>
+                <a:spcPct val="90000"/>
+              </a:lnSpc>
+              <a:spcBef>
+                <a:spcPts val="500"/>
+              </a:spcBef>
+              <a:buFont typeface="Arial" panose="020B0604020202020204" pitchFamily="34" charset="0"/>
+              <a:buChar char="•"/>
+              <a:defRPr sz="2000" kern="1200">
+                <a:solidFill>
+                  <a:schemeClr val="tx1"/>
+                </a:solidFill>
+                <a:latin typeface="+mn-lt"/>
+                <a:ea typeface="+mn-ea"/>
+                <a:cs typeface="+mn-cs"/>
+              </a:defRPr>
+            </a:lvl3pPr>
+            <a:lvl4pPr marL="1600200" indent="-228600" algn="l" defTabSz="914400" rtl="0" eaLnBrk="1" latinLnBrk="0" hangingPunct="1">
+              <a:lnSpc>
+                <a:spcPct val="90000"/>
+              </a:lnSpc>
+              <a:spcBef>
+                <a:spcPts val="500"/>
+              </a:spcBef>
+              <a:buFont typeface="Arial" panose="020B0604020202020204" pitchFamily="34" charset="0"/>
+              <a:buChar char="•"/>
+              <a:defRPr sz="1800" kern="1200">
+                <a:solidFill>
+                  <a:schemeClr val="tx1"/>
+                </a:solidFill>
+                <a:latin typeface="+mn-lt"/>
+                <a:ea typeface="+mn-ea"/>
+                <a:cs typeface="+mn-cs"/>
+              </a:defRPr>
+            </a:lvl4pPr>
+            <a:lvl5pPr marL="2057400" indent="-228600" algn="l" defTabSz="914400" rtl="0" eaLnBrk="1" latinLnBrk="0" hangingPunct="1">
+              <a:lnSpc>
+                <a:spcPct val="90000"/>
+              </a:lnSpc>
+              <a:spcBef>
+                <a:spcPts val="500"/>
+              </a:spcBef>
+              <a:buFont typeface="Arial" panose="020B0604020202020204" pitchFamily="34" charset="0"/>
+              <a:buChar char="•"/>
+              <a:defRPr sz="1800" kern="1200">
+                <a:solidFill>
+                  <a:schemeClr val="tx1"/>
+                </a:solidFill>
+                <a:latin typeface="+mn-lt"/>
+                <a:ea typeface="+mn-ea"/>
+                <a:cs typeface="+mn-cs"/>
+              </a:defRPr>
+            </a:lvl5pPr>
+            <a:lvl6pPr marL="2514600" indent="-228600" algn="l" defTabSz="914400" rtl="0" eaLnBrk="1" latinLnBrk="0" hangingPunct="1">
+              <a:lnSpc>
+                <a:spcPct val="90000"/>
+              </a:lnSpc>
+              <a:spcBef>
+                <a:spcPts val="500"/>
+              </a:spcBef>
+              <a:buFont typeface="Arial" panose="020B0604020202020204" pitchFamily="34" charset="0"/>
+              <a:buChar char="•"/>
+              <a:defRPr sz="1800" kern="1200">
+                <a:solidFill>
+                  <a:schemeClr val="tx1"/>
+                </a:solidFill>
+                <a:latin typeface="+mn-lt"/>
+                <a:ea typeface="+mn-ea"/>
+                <a:cs typeface="+mn-cs"/>
+              </a:defRPr>
+            </a:lvl6pPr>
+            <a:lvl7pPr marL="2971800" indent="-228600" algn="l" defTabSz="914400" rtl="0" eaLnBrk="1" latinLnBrk="0" hangingPunct="1">
+              <a:lnSpc>
+                <a:spcPct val="90000"/>
+              </a:lnSpc>
+              <a:spcBef>
+                <a:spcPts val="500"/>
+              </a:spcBef>
+              <a:buFont typeface="Arial" panose="020B0604020202020204" pitchFamily="34" charset="0"/>
+              <a:buChar char="•"/>
+              <a:defRPr sz="1800" kern="1200">
+                <a:solidFill>
+                  <a:schemeClr val="tx1"/>
+                </a:solidFill>
+                <a:latin typeface="+mn-lt"/>
+                <a:ea typeface="+mn-ea"/>
+                <a:cs typeface="+mn-cs"/>
+              </a:defRPr>
+            </a:lvl7pPr>
+            <a:lvl8pPr marL="3429000" indent="-228600" algn="l" defTabSz="914400" rtl="0" eaLnBrk="1" latinLnBrk="0" hangingPunct="1">
+              <a:lnSpc>
+                <a:spcPct val="90000"/>
+              </a:lnSpc>
+              <a:spcBef>
+                <a:spcPts val="500"/>
+              </a:spcBef>
+              <a:buFont typeface="Arial" panose="020B0604020202020204" pitchFamily="34" charset="0"/>
+              <a:buChar char="•"/>
+              <a:defRPr sz="1800" kern="1200">
+                <a:solidFill>
+                  <a:schemeClr val="tx1"/>
+                </a:solidFill>
+                <a:latin typeface="+mn-lt"/>
+                <a:ea typeface="+mn-ea"/>
+                <a:cs typeface="+mn-cs"/>
+              </a:defRPr>
+            </a:lvl8pPr>
+            <a:lvl9pPr marL="3886200" indent="-228600" algn="l" defTabSz="914400" rtl="0" eaLnBrk="1" latinLnBrk="0" hangingPunct="1">
+              <a:lnSpc>
+                <a:spcPct val="90000"/>
+              </a:lnSpc>
+              <a:spcBef>
+                <a:spcPts val="500"/>
+              </a:spcBef>
+              <a:buFont typeface="Arial" panose="020B0604020202020204" pitchFamily="34" charset="0"/>
+              <a:buChar char="•"/>
+              <a:defRPr sz="1800" kern="1200">
+                <a:solidFill>
+                  <a:schemeClr val="tx1"/>
+                </a:solidFill>
+                <a:latin typeface="+mn-lt"/>
+                <a:ea typeface="+mn-ea"/>
+                <a:cs typeface="+mn-cs"/>
+              </a:defRPr>
+            </a:lvl9pPr>
+          </a:lstStyle>
+          <a:p>
+            <a:pPr marL="0" indent="0">
+              <a:buNone/>
+            </a:pPr>
+            <a:r>
+              <a:rPr lang="en-US" sz="2400" dirty="0">
+                <a:solidFill>
+                  <a:schemeClr val="tx2">
+                    <a:lumMod val="75000"/>
+                    <a:lumOff val="25000"/>
+                  </a:schemeClr>
+                </a:solidFill>
+                <a:latin typeface="Bahnschrift SemiCondensed" panose="020B0502040204020203" pitchFamily="34" charset="0"/>
+              </a:rPr>
+              <a:t>XTRG algorithm</a:t>
+            </a:r>
+            <a:endParaRPr lang="en-US" sz="2400" noProof="0" dirty="0">
+              <a:solidFill>
+                <a:schemeClr val="tx2">
+                  <a:lumMod val="75000"/>
+                  <a:lumOff val="25000"/>
+                </a:schemeClr>
+              </a:solidFill>
+            </a:endParaRPr>
+          </a:p>
+        </p:txBody>
+      </p:sp>
+    </p:spTree>
+    <p:extLst>
+      <p:ext uri="{BB962C8B-B14F-4D97-AF65-F5344CB8AC3E}">
+        <p14:creationId xmlns:p14="http://schemas.microsoft.com/office/powerpoint/2010/main" val="3691534687"/>
+      </p:ext>
+    </p:extLst>
+  </p:cSld>
+  <p:clrMapOvr>
+    <a:masterClrMapping/>
+  </p:clrMapOvr>
+</p:sld>
+</file>
+
+<file path=ppt/slides/slide4.xml><?xml version="1.0" encoding="utf-8"?>
+<p:sld xmlns:a="http://schemas.openxmlformats.org/drawingml/2006/main" xmlns:r="http://schemas.openxmlformats.org/officeDocument/2006/relationships" xmlns:p="http://schemas.openxmlformats.org/presentationml/2006/main">
+  <p:cSld>
+    <p:spTree>
+      <p:nvGrpSpPr>
+        <p:cNvPr id="1" name="">
+          <a:extLst>
+            <a:ext uri="{FF2B5EF4-FFF2-40B4-BE49-F238E27FC236}">
+              <a16:creationId xmlns:a16="http://schemas.microsoft.com/office/drawing/2014/main" id="{392A0C74-C439-C6A0-C6D7-11DDA3F7C48A}"/>
+            </a:ext>
+          </a:extLst>
+        </p:cNvPr>
+        <p:cNvGrpSpPr/>
+        <p:nvPr/>
+      </p:nvGrpSpPr>
+      <p:grpSpPr>
+        <a:xfrm>
+          <a:off x="0" y="0"/>
+          <a:ext cx="0" cy="0"/>
+          <a:chOff x="0" y="0"/>
+          <a:chExt cx="0" cy="0"/>
+        </a:xfrm>
+      </p:grpSpPr>
+      <p:graphicFrame>
+        <p:nvGraphicFramePr>
+          <p:cNvPr id="4" name="think-cell data - do not delete" hidden="1">
+            <a:extLst>
+              <a:ext uri="{FF2B5EF4-FFF2-40B4-BE49-F238E27FC236}">
+                <a16:creationId xmlns:a16="http://schemas.microsoft.com/office/drawing/2014/main" id="{D81714C8-D8E3-1DA1-7947-4B37FF3CC52D}"/>
+              </a:ext>
+            </a:extLst>
+          </p:cNvPr>
+          <p:cNvGraphicFramePr>
+            <a:graphicFrameLocks noChangeAspect="1"/>
+          </p:cNvGraphicFramePr>
+          <p:nvPr>
+            <p:custDataLst>
+              <p:tags r:id="rId1"/>
+            </p:custDataLst>
+          </p:nvPr>
+        </p:nvGraphicFramePr>
+        <p:xfrm>
+          <a:off x="1588" y="1588"/>
+          <a:ext cx="1588" cy="1588"/>
+        </p:xfrm>
+        <a:graphic>
+          <a:graphicData uri="http://schemas.openxmlformats.org/presentationml/2006/ole">
+            <mc:AlternateContent xmlns:mc="http://schemas.openxmlformats.org/markup-compatibility/2006">
+              <mc:Choice xmlns:v="urn:schemas-microsoft-com:vml" Requires="v">
+                <p:oleObj name="think-cell Slide" r:id="rId5" imgW="479" imgH="478" progId="TCLayout.ActiveDocument.1">
+                  <p:embed/>
+                </p:oleObj>
+              </mc:Choice>
+              <mc:Fallback>
+                <p:oleObj name="think-cell Slide" r:id="rId5" imgW="479" imgH="478" progId="TCLayout.ActiveDocument.1">
+                  <p:embed/>
+                  <p:pic>
+                    <p:nvPicPr>
+                      <p:cNvPr id="4" name="think-cell data - do not delete" hidden="1">
+                        <a:extLst>
+                          <a:ext uri="{FF2B5EF4-FFF2-40B4-BE49-F238E27FC236}">
+                            <a16:creationId xmlns:a16="http://schemas.microsoft.com/office/drawing/2014/main" id="{2DFD4C12-768C-FED4-1BAB-369797ADB58E}"/>
+                          </a:ext>
+                        </a:extLst>
+                      </p:cNvPr>
+                      <p:cNvPicPr/>
+                      <p:nvPr/>
+                    </p:nvPicPr>
+                    <p:blipFill>
+                      <a:blip r:embed="rId6"/>
+                      <a:stretch>
+                        <a:fillRect/>
+                      </a:stretch>
+                    </p:blipFill>
+                    <p:spPr>
+                      <a:xfrm>
+                        <a:off x="1588" y="1588"/>
+                        <a:ext cx="1588" cy="1588"/>
+                      </a:xfrm>
+                      <a:prstGeom prst="rect">
+                        <a:avLst/>
+                      </a:prstGeom>
+                    </p:spPr>
+                  </p:pic>
+                </p:oleObj>
+              </mc:Fallback>
+            </mc:AlternateContent>
+          </a:graphicData>
+        </a:graphic>
+      </p:graphicFrame>
+      <p:sp>
+        <p:nvSpPr>
+          <p:cNvPr id="5" name="Textfeld 15">
+            <a:extLst>
+              <a:ext uri="{FF2B5EF4-FFF2-40B4-BE49-F238E27FC236}">
+                <a16:creationId xmlns:a16="http://schemas.microsoft.com/office/drawing/2014/main" id="{AA37D88A-3F36-AFFF-6FAA-4EBDCAF273DE}"/>
+              </a:ext>
+            </a:extLst>
+          </p:cNvPr>
+          <p:cNvSpPr txBox="1"/>
+          <p:nvPr/>
+        </p:nvSpPr>
+        <p:spPr>
+          <a:xfrm>
+            <a:off x="188340" y="147722"/>
+            <a:ext cx="432761" cy="369332"/>
+          </a:xfrm>
+          <a:prstGeom prst="rect">
+            <a:avLst/>
+          </a:prstGeom>
+          <a:noFill/>
+        </p:spPr>
+        <p:txBody>
+          <a:bodyPr wrap="square" rtlCol="0">
+            <a:spAutoFit/>
+          </a:bodyPr>
+          <a:lstStyle/>
+          <a:p>
+            <a:r>
+              <a:rPr lang="en-US" noProof="0" dirty="0">
+                <a:solidFill>
+                  <a:schemeClr val="bg2">
+                    <a:lumMod val="50000"/>
+                  </a:schemeClr>
+                </a:solidFill>
+                <a:latin typeface="Bahnschrift SemiCondensed" panose="020B0502040204020203" pitchFamily="34" charset="0"/>
+              </a:rPr>
+              <a:t>02</a:t>
+            </a:r>
+          </a:p>
+        </p:txBody>
+      </p:sp>
+      <p:sp>
+        <p:nvSpPr>
+          <p:cNvPr id="2" name="Untertitel 2">
+            <a:extLst>
+              <a:ext uri="{FF2B5EF4-FFF2-40B4-BE49-F238E27FC236}">
+                <a16:creationId xmlns:a16="http://schemas.microsoft.com/office/drawing/2014/main" id="{7D5435D9-476E-EEBB-9425-7B02F3A49548}"/>
+              </a:ext>
+            </a:extLst>
+          </p:cNvPr>
+          <p:cNvSpPr txBox="1">
+            <a:spLocks/>
+          </p:cNvSpPr>
+          <p:nvPr/>
+        </p:nvSpPr>
+        <p:spPr>
+          <a:xfrm>
+            <a:off x="3064066" y="628345"/>
+            <a:ext cx="6619429" cy="995841"/>
+          </a:xfrm>
+          <a:prstGeom prst="rect">
+            <a:avLst/>
+          </a:prstGeom>
+        </p:spPr>
+        <p:txBody>
+          <a:bodyPr vert="horz" lIns="91440" tIns="45720" rIns="91440" bIns="45720" rtlCol="0">
+            <a:normAutofit/>
+          </a:bodyPr>
+          <a:lstStyle>
+            <a:lvl1pPr marL="228600" indent="-228600" algn="l" defTabSz="914400" rtl="0" eaLnBrk="1" latinLnBrk="0" hangingPunct="1">
+              <a:lnSpc>
+                <a:spcPct val="90000"/>
+              </a:lnSpc>
+              <a:spcBef>
+                <a:spcPts val="1000"/>
+              </a:spcBef>
+              <a:buFont typeface="Arial" panose="020B0604020202020204" pitchFamily="34" charset="0"/>
+              <a:buChar char="•"/>
+              <a:defRPr sz="2800" kern="1200">
+                <a:solidFill>
+                  <a:schemeClr val="tx1"/>
+                </a:solidFill>
+                <a:latin typeface="+mn-lt"/>
+                <a:ea typeface="+mn-ea"/>
+                <a:cs typeface="+mn-cs"/>
+              </a:defRPr>
+            </a:lvl1pPr>
+            <a:lvl2pPr marL="685800" indent="-228600" algn="l" defTabSz="914400" rtl="0" eaLnBrk="1" latinLnBrk="0" hangingPunct="1">
+              <a:lnSpc>
+                <a:spcPct val="90000"/>
+              </a:lnSpc>
+              <a:spcBef>
+                <a:spcPts val="500"/>
+              </a:spcBef>
+              <a:buFont typeface="Arial" panose="020B0604020202020204" pitchFamily="34" charset="0"/>
+              <a:buChar char="•"/>
+              <a:defRPr sz="2400" kern="1200">
+                <a:solidFill>
+                  <a:schemeClr val="tx1"/>
+                </a:solidFill>
+                <a:latin typeface="+mn-lt"/>
+                <a:ea typeface="+mn-ea"/>
+                <a:cs typeface="+mn-cs"/>
+              </a:defRPr>
+            </a:lvl2pPr>
+            <a:lvl3pPr marL="1143000" indent="-228600" algn="l" defTabSz="914400" rtl="0" eaLnBrk="1" latinLnBrk="0" hangingPunct="1">
+              <a:lnSpc>
+                <a:spcPct val="90000"/>
+              </a:lnSpc>
+              <a:spcBef>
+                <a:spcPts val="500"/>
+              </a:spcBef>
+              <a:buFont typeface="Arial" panose="020B0604020202020204" pitchFamily="34" charset="0"/>
+              <a:buChar char="•"/>
+              <a:defRPr sz="2000" kern="1200">
+                <a:solidFill>
+                  <a:schemeClr val="tx1"/>
+                </a:solidFill>
+                <a:latin typeface="+mn-lt"/>
+                <a:ea typeface="+mn-ea"/>
+                <a:cs typeface="+mn-cs"/>
+              </a:defRPr>
+            </a:lvl3pPr>
+            <a:lvl4pPr marL="1600200" indent="-228600" algn="l" defTabSz="914400" rtl="0" eaLnBrk="1" latinLnBrk="0" hangingPunct="1">
+              <a:lnSpc>
+                <a:spcPct val="90000"/>
+              </a:lnSpc>
+              <a:spcBef>
+                <a:spcPts val="500"/>
+              </a:spcBef>
+              <a:buFont typeface="Arial" panose="020B0604020202020204" pitchFamily="34" charset="0"/>
+              <a:buChar char="•"/>
+              <a:defRPr sz="1800" kern="1200">
+                <a:solidFill>
+                  <a:schemeClr val="tx1"/>
+                </a:solidFill>
+                <a:latin typeface="+mn-lt"/>
+                <a:ea typeface="+mn-ea"/>
+                <a:cs typeface="+mn-cs"/>
+              </a:defRPr>
+            </a:lvl4pPr>
+            <a:lvl5pPr marL="2057400" indent="-228600" algn="l" defTabSz="914400" rtl="0" eaLnBrk="1" latinLnBrk="0" hangingPunct="1">
+              <a:lnSpc>
+                <a:spcPct val="90000"/>
+              </a:lnSpc>
+              <a:spcBef>
+                <a:spcPts val="500"/>
+              </a:spcBef>
+              <a:buFont typeface="Arial" panose="020B0604020202020204" pitchFamily="34" charset="0"/>
+              <a:buChar char="•"/>
+              <a:defRPr sz="1800" kern="1200">
+                <a:solidFill>
+                  <a:schemeClr val="tx1"/>
+                </a:solidFill>
+                <a:latin typeface="+mn-lt"/>
+                <a:ea typeface="+mn-ea"/>
+                <a:cs typeface="+mn-cs"/>
+              </a:defRPr>
+            </a:lvl5pPr>
+            <a:lvl6pPr marL="2514600" indent="-228600" algn="l" defTabSz="914400" rtl="0" eaLnBrk="1" latinLnBrk="0" hangingPunct="1">
+              <a:lnSpc>
+                <a:spcPct val="90000"/>
+              </a:lnSpc>
+              <a:spcBef>
+                <a:spcPts val="500"/>
+              </a:spcBef>
+              <a:buFont typeface="Arial" panose="020B0604020202020204" pitchFamily="34" charset="0"/>
+              <a:buChar char="•"/>
+              <a:defRPr sz="1800" kern="1200">
+                <a:solidFill>
+                  <a:schemeClr val="tx1"/>
+                </a:solidFill>
+                <a:latin typeface="+mn-lt"/>
+                <a:ea typeface="+mn-ea"/>
+                <a:cs typeface="+mn-cs"/>
+              </a:defRPr>
+            </a:lvl6pPr>
+            <a:lvl7pPr marL="2971800" indent="-228600" algn="l" defTabSz="914400" rtl="0" eaLnBrk="1" latinLnBrk="0" hangingPunct="1">
+              <a:lnSpc>
+                <a:spcPct val="90000"/>
+              </a:lnSpc>
+              <a:spcBef>
+                <a:spcPts val="500"/>
+              </a:spcBef>
+              <a:buFont typeface="Arial" panose="020B0604020202020204" pitchFamily="34" charset="0"/>
+              <a:buChar char="•"/>
+              <a:defRPr sz="1800" kern="1200">
+                <a:solidFill>
+                  <a:schemeClr val="tx1"/>
+                </a:solidFill>
+                <a:latin typeface="+mn-lt"/>
+                <a:ea typeface="+mn-ea"/>
+                <a:cs typeface="+mn-cs"/>
+              </a:defRPr>
+            </a:lvl7pPr>
+            <a:lvl8pPr marL="3429000" indent="-228600" algn="l" defTabSz="914400" rtl="0" eaLnBrk="1" latinLnBrk="0" hangingPunct="1">
+              <a:lnSpc>
+                <a:spcPct val="90000"/>
+              </a:lnSpc>
+              <a:spcBef>
+                <a:spcPts val="500"/>
+              </a:spcBef>
+              <a:buFont typeface="Arial" panose="020B0604020202020204" pitchFamily="34" charset="0"/>
+              <a:buChar char="•"/>
+              <a:defRPr sz="1800" kern="1200">
+                <a:solidFill>
+                  <a:schemeClr val="tx1"/>
+                </a:solidFill>
+                <a:latin typeface="+mn-lt"/>
+                <a:ea typeface="+mn-ea"/>
+                <a:cs typeface="+mn-cs"/>
+              </a:defRPr>
+            </a:lvl8pPr>
+            <a:lvl9pPr marL="3886200" indent="-228600" algn="l" defTabSz="914400" rtl="0" eaLnBrk="1" latinLnBrk="0" hangingPunct="1">
+              <a:lnSpc>
+                <a:spcPct val="90000"/>
+              </a:lnSpc>
+              <a:spcBef>
+                <a:spcPts val="500"/>
+              </a:spcBef>
+              <a:buFont typeface="Arial" panose="020B0604020202020204" pitchFamily="34" charset="0"/>
+              <a:buChar char="•"/>
+              <a:defRPr sz="1800" kern="1200">
+                <a:solidFill>
+                  <a:schemeClr val="tx1"/>
+                </a:solidFill>
+                <a:latin typeface="+mn-lt"/>
+                <a:ea typeface="+mn-ea"/>
+                <a:cs typeface="+mn-cs"/>
+              </a:defRPr>
+            </a:lvl9pPr>
+          </a:lstStyle>
+          <a:p>
+            <a:pPr marL="0" indent="0">
+              <a:buNone/>
+            </a:pPr>
+            <a:r>
+              <a:rPr lang="en-US" sz="3200" noProof="0" dirty="0">
+                <a:latin typeface="Bahnschrift SemiCondensed" panose="020B0502040204020203" pitchFamily="34" charset="0"/>
+              </a:rPr>
+              <a:t>Title</a:t>
+            </a:r>
+            <a:endParaRPr lang="en-US" sz="3200" noProof="0" dirty="0"/>
+          </a:p>
+        </p:txBody>
+      </p:sp>
+      <p:sp>
+        <p:nvSpPr>
           <p:cNvPr id="23" name="Untertitel 2">
             <a:extLst>
               <a:ext uri="{FF2B5EF4-FFF2-40B4-BE49-F238E27FC236}">
-                <a16:creationId xmlns:a16="http://schemas.microsoft.com/office/drawing/2014/main" id="{521939AD-918B-CE47-B159-D0986ADCA8E6}"/>
+                <a16:creationId xmlns:a16="http://schemas.microsoft.com/office/drawing/2014/main" id="{63FA4086-A9D0-546A-8230-72A6C1C25D6E}"/>
               </a:ext>
             </a:extLst>
           </p:cNvPr>
@@ -6056,10 +9734,10 @@
       </p:sp>
       <p:sp>
         <p:nvSpPr>
-          <p:cNvPr id="24" name="Untertitel 2">
-            <a:extLst>
-              <a:ext uri="{FF2B5EF4-FFF2-40B4-BE49-F238E27FC236}">
-                <a16:creationId xmlns:a16="http://schemas.microsoft.com/office/drawing/2014/main" id="{CE6A4575-3F63-0FBE-9123-E7147C01DFFA}"/>
+          <p:cNvPr id="29" name="Untertitel 2">
+            <a:extLst>
+              <a:ext uri="{FF2B5EF4-FFF2-40B4-BE49-F238E27FC236}">
+                <a16:creationId xmlns:a16="http://schemas.microsoft.com/office/drawing/2014/main" id="{B2EE0A1D-0287-0EB3-FB97-F62DB6EF1F86}"/>
               </a:ext>
             </a:extLst>
           </p:cNvPr>
@@ -6070,225 +9748,7 @@
         </p:nvSpPr>
         <p:spPr>
           <a:xfrm>
-            <a:off x="8218392" y="3002360"/>
-            <a:ext cx="2687096" cy="487223"/>
-          </a:xfrm>
-          <a:prstGeom prst="rect">
-            <a:avLst/>
-          </a:prstGeom>
-        </p:spPr>
-        <p:txBody>
-          <a:bodyPr vert="horz" lIns="91440" tIns="45720" rIns="91440" bIns="45720" rtlCol="0">
-            <a:normAutofit/>
-          </a:bodyPr>
-          <a:lstStyle>
-            <a:lvl1pPr marL="228600" indent="-228600" algn="l" defTabSz="914400" rtl="0" eaLnBrk="1" latinLnBrk="0" hangingPunct="1">
-              <a:lnSpc>
-                <a:spcPct val="90000"/>
-              </a:lnSpc>
-              <a:spcBef>
-                <a:spcPts val="1000"/>
-              </a:spcBef>
-              <a:buFont typeface="Arial" panose="020B0604020202020204" pitchFamily="34" charset="0"/>
-              <a:buChar char="•"/>
-              <a:defRPr sz="2800" kern="1200">
-                <a:solidFill>
-                  <a:schemeClr val="tx1"/>
-                </a:solidFill>
-                <a:latin typeface="+mn-lt"/>
-                <a:ea typeface="+mn-ea"/>
-                <a:cs typeface="+mn-cs"/>
-              </a:defRPr>
-            </a:lvl1pPr>
-            <a:lvl2pPr marL="685800" indent="-228600" algn="l" defTabSz="914400" rtl="0" eaLnBrk="1" latinLnBrk="0" hangingPunct="1">
-              <a:lnSpc>
-                <a:spcPct val="90000"/>
-              </a:lnSpc>
-              <a:spcBef>
-                <a:spcPts val="500"/>
-              </a:spcBef>
-              <a:buFont typeface="Arial" panose="020B0604020202020204" pitchFamily="34" charset="0"/>
-              <a:buChar char="•"/>
-              <a:defRPr sz="2400" kern="1200">
-                <a:solidFill>
-                  <a:schemeClr val="tx1"/>
-                </a:solidFill>
-                <a:latin typeface="+mn-lt"/>
-                <a:ea typeface="+mn-ea"/>
-                <a:cs typeface="+mn-cs"/>
-              </a:defRPr>
-            </a:lvl2pPr>
-            <a:lvl3pPr marL="1143000" indent="-228600" algn="l" defTabSz="914400" rtl="0" eaLnBrk="1" latinLnBrk="0" hangingPunct="1">
-              <a:lnSpc>
-                <a:spcPct val="90000"/>
-              </a:lnSpc>
-              <a:spcBef>
-                <a:spcPts val="500"/>
-              </a:spcBef>
-              <a:buFont typeface="Arial" panose="020B0604020202020204" pitchFamily="34" charset="0"/>
-              <a:buChar char="•"/>
-              <a:defRPr sz="2000" kern="1200">
-                <a:solidFill>
-                  <a:schemeClr val="tx1"/>
-                </a:solidFill>
-                <a:latin typeface="+mn-lt"/>
-                <a:ea typeface="+mn-ea"/>
-                <a:cs typeface="+mn-cs"/>
-              </a:defRPr>
-            </a:lvl3pPr>
-            <a:lvl4pPr marL="1600200" indent="-228600" algn="l" defTabSz="914400" rtl="0" eaLnBrk="1" latinLnBrk="0" hangingPunct="1">
-              <a:lnSpc>
-                <a:spcPct val="90000"/>
-              </a:lnSpc>
-              <a:spcBef>
-                <a:spcPts val="500"/>
-              </a:spcBef>
-              <a:buFont typeface="Arial" panose="020B0604020202020204" pitchFamily="34" charset="0"/>
-              <a:buChar char="•"/>
-              <a:defRPr sz="1800" kern="1200">
-                <a:solidFill>
-                  <a:schemeClr val="tx1"/>
-                </a:solidFill>
-                <a:latin typeface="+mn-lt"/>
-                <a:ea typeface="+mn-ea"/>
-                <a:cs typeface="+mn-cs"/>
-              </a:defRPr>
-            </a:lvl4pPr>
-            <a:lvl5pPr marL="2057400" indent="-228600" algn="l" defTabSz="914400" rtl="0" eaLnBrk="1" latinLnBrk="0" hangingPunct="1">
-              <a:lnSpc>
-                <a:spcPct val="90000"/>
-              </a:lnSpc>
-              <a:spcBef>
-                <a:spcPts val="500"/>
-              </a:spcBef>
-              <a:buFont typeface="Arial" panose="020B0604020202020204" pitchFamily="34" charset="0"/>
-              <a:buChar char="•"/>
-              <a:defRPr sz="1800" kern="1200">
-                <a:solidFill>
-                  <a:schemeClr val="tx1"/>
-                </a:solidFill>
-                <a:latin typeface="+mn-lt"/>
-                <a:ea typeface="+mn-ea"/>
-                <a:cs typeface="+mn-cs"/>
-              </a:defRPr>
-            </a:lvl5pPr>
-            <a:lvl6pPr marL="2514600" indent="-228600" algn="l" defTabSz="914400" rtl="0" eaLnBrk="1" latinLnBrk="0" hangingPunct="1">
-              <a:lnSpc>
-                <a:spcPct val="90000"/>
-              </a:lnSpc>
-              <a:spcBef>
-                <a:spcPts val="500"/>
-              </a:spcBef>
-              <a:buFont typeface="Arial" panose="020B0604020202020204" pitchFamily="34" charset="0"/>
-              <a:buChar char="•"/>
-              <a:defRPr sz="1800" kern="1200">
-                <a:solidFill>
-                  <a:schemeClr val="tx1"/>
-                </a:solidFill>
-                <a:latin typeface="+mn-lt"/>
-                <a:ea typeface="+mn-ea"/>
-                <a:cs typeface="+mn-cs"/>
-              </a:defRPr>
-            </a:lvl6pPr>
-            <a:lvl7pPr marL="2971800" indent="-228600" algn="l" defTabSz="914400" rtl="0" eaLnBrk="1" latinLnBrk="0" hangingPunct="1">
-              <a:lnSpc>
-                <a:spcPct val="90000"/>
-              </a:lnSpc>
-              <a:spcBef>
-                <a:spcPts val="500"/>
-              </a:spcBef>
-              <a:buFont typeface="Arial" panose="020B0604020202020204" pitchFamily="34" charset="0"/>
-              <a:buChar char="•"/>
-              <a:defRPr sz="1800" kern="1200">
-                <a:solidFill>
-                  <a:schemeClr val="tx1"/>
-                </a:solidFill>
-                <a:latin typeface="+mn-lt"/>
-                <a:ea typeface="+mn-ea"/>
-                <a:cs typeface="+mn-cs"/>
-              </a:defRPr>
-            </a:lvl7pPr>
-            <a:lvl8pPr marL="3429000" indent="-228600" algn="l" defTabSz="914400" rtl="0" eaLnBrk="1" latinLnBrk="0" hangingPunct="1">
-              <a:lnSpc>
-                <a:spcPct val="90000"/>
-              </a:lnSpc>
-              <a:spcBef>
-                <a:spcPts val="500"/>
-              </a:spcBef>
-              <a:buFont typeface="Arial" panose="020B0604020202020204" pitchFamily="34" charset="0"/>
-              <a:buChar char="•"/>
-              <a:defRPr sz="1800" kern="1200">
-                <a:solidFill>
-                  <a:schemeClr val="tx1"/>
-                </a:solidFill>
-                <a:latin typeface="+mn-lt"/>
-                <a:ea typeface="+mn-ea"/>
-                <a:cs typeface="+mn-cs"/>
-              </a:defRPr>
-            </a:lvl8pPr>
-            <a:lvl9pPr marL="3886200" indent="-228600" algn="l" defTabSz="914400" rtl="0" eaLnBrk="1" latinLnBrk="0" hangingPunct="1">
-              <a:lnSpc>
-                <a:spcPct val="90000"/>
-              </a:lnSpc>
-              <a:spcBef>
-                <a:spcPts val="500"/>
-              </a:spcBef>
-              <a:buFont typeface="Arial" panose="020B0604020202020204" pitchFamily="34" charset="0"/>
-              <a:buChar char="•"/>
-              <a:defRPr sz="1800" kern="1200">
-                <a:solidFill>
-                  <a:schemeClr val="tx1"/>
-                </a:solidFill>
-                <a:latin typeface="+mn-lt"/>
-                <a:ea typeface="+mn-ea"/>
-                <a:cs typeface="+mn-cs"/>
-              </a:defRPr>
-            </a:lvl9pPr>
-          </a:lstStyle>
-          <a:p>
-            <a:pPr marL="0" indent="0">
-              <a:buNone/>
-            </a:pPr>
-            <a:r>
-              <a:rPr lang="en-US" sz="2400" noProof="0" dirty="0">
-                <a:solidFill>
-                  <a:schemeClr val="tx2">
-                    <a:lumMod val="75000"/>
-                    <a:lumOff val="25000"/>
-                  </a:schemeClr>
-                </a:solidFill>
-                <a:latin typeface="Bahnschrift SemiCondensed" panose="020B0502040204020203" pitchFamily="34" charset="0"/>
-              </a:rPr>
-              <a:t>MPO Representation</a:t>
-            </a:r>
-            <a:endParaRPr lang="en-US" sz="2400" noProof="0" dirty="0">
-              <a:solidFill>
-                <a:schemeClr val="tx2">
-                  <a:lumMod val="75000"/>
-                  <a:lumOff val="25000"/>
-                </a:schemeClr>
-              </a:solidFill>
-            </a:endParaRPr>
-          </a:p>
-        </p:txBody>
-      </p:sp>
-      <p:sp>
-        <p:nvSpPr>
-          <p:cNvPr id="29" name="Untertitel 2">
-            <a:extLst>
-              <a:ext uri="{FF2B5EF4-FFF2-40B4-BE49-F238E27FC236}">
-                <a16:creationId xmlns:a16="http://schemas.microsoft.com/office/drawing/2014/main" id="{592614A4-B7E0-6D0E-8C1E-8F6E31686D1B}"/>
-              </a:ext>
-            </a:extLst>
-          </p:cNvPr>
-          <p:cNvSpPr txBox="1">
-            <a:spLocks/>
-          </p:cNvSpPr>
-          <p:nvPr/>
-        </p:nvSpPr>
-        <p:spPr>
-          <a:xfrm>
-            <a:off x="1412051" y="4520997"/>
+            <a:off x="1593206" y="2328707"/>
             <a:ext cx="906543" cy="487223"/>
           </a:xfrm>
           <a:prstGeom prst="rect">
@@ -6468,21 +9928,218 @@
               <a:buNone/>
             </a:pPr>
             <a:r>
+              <a:rPr lang="en-US" sz="2000" noProof="0" dirty="0" err="1">
+                <a:latin typeface="Bahnschrift SemiCondensed" panose="020B0502040204020203" pitchFamily="34" charset="0"/>
+              </a:rPr>
+              <a:t>Bla</a:t>
+            </a:r>
+            <a:r>
               <a:rPr lang="en-US" sz="2000" noProof="0" dirty="0">
                 <a:latin typeface="Bahnschrift SemiCondensed" panose="020B0502040204020203" pitchFamily="34" charset="0"/>
               </a:rPr>
-              <a:t>with</a:t>
+              <a:t> </a:t>
+            </a:r>
+            <a:r>
+              <a:rPr lang="en-US" sz="2000" noProof="0" dirty="0" err="1">
+                <a:latin typeface="Bahnschrift SemiCondensed" panose="020B0502040204020203" pitchFamily="34" charset="0"/>
+              </a:rPr>
+              <a:t>bla</a:t>
             </a:r>
             <a:endParaRPr lang="en-US" sz="2000" noProof="0" dirty="0"/>
+          </a:p>
+        </p:txBody>
+      </p:sp>
+      <p:pic>
+        <p:nvPicPr>
+          <p:cNvPr id="6" name="Picture 5" descr="\documentclass{article}&#10;\usepackage{amsmath}&#10;\pagestyle{empty}&#10;\begin{document}&#10;&#10;$\hat{H}$&#10;&#10;&#10;\end{document}" title="IguanaTex Picture Display">
+            <a:extLst>
+              <a:ext uri="{FF2B5EF4-FFF2-40B4-BE49-F238E27FC236}">
+                <a16:creationId xmlns:a16="http://schemas.microsoft.com/office/drawing/2014/main" id="{60CA29A6-0D93-C485-9E4E-CC92B849DDD1}"/>
+              </a:ext>
+            </a:extLst>
+          </p:cNvPr>
+          <p:cNvPicPr>
+            <a:picLocks noChangeAspect="1"/>
+          </p:cNvPicPr>
+          <p:nvPr>
+            <p:custDataLst>
+              <p:tags r:id="rId2"/>
+            </p:custDataLst>
+          </p:nvPr>
+        </p:nvPicPr>
+        <p:blipFill>
+          <a:blip r:embed="rId7">
+            <a:extLst>
+              <a:ext uri="{28A0092B-C50C-407E-A947-70E740481C1C}">
+                <a14:useLocalDpi xmlns:a14="http://schemas.microsoft.com/office/drawing/2010/main" val="0"/>
+              </a:ext>
+            </a:extLst>
+          </a:blip>
+          <a:stretch>
+            <a:fillRect/>
+          </a:stretch>
+        </p:blipFill>
+        <p:spPr>
+          <a:xfrm>
+            <a:off x="3062112" y="1790107"/>
+            <a:ext cx="214857" cy="239238"/>
+          </a:xfrm>
+          <a:prstGeom prst="rect">
+            <a:avLst/>
+          </a:prstGeom>
+        </p:spPr>
+      </p:pic>
+    </p:spTree>
+    <p:extLst>
+      <p:ext uri="{BB962C8B-B14F-4D97-AF65-F5344CB8AC3E}">
+        <p14:creationId xmlns:p14="http://schemas.microsoft.com/office/powerpoint/2010/main" val="2528840521"/>
+      </p:ext>
+    </p:extLst>
+  </p:cSld>
+  <p:clrMapOvr>
+    <a:masterClrMapping/>
+  </p:clrMapOvr>
+</p:sld>
+</file>
+
+<file path=ppt/slides/slide5.xml><?xml version="1.0" encoding="utf-8"?>
+<p:sld xmlns:a="http://schemas.openxmlformats.org/drawingml/2006/main" xmlns:r="http://schemas.openxmlformats.org/officeDocument/2006/relationships" xmlns:p="http://schemas.openxmlformats.org/presentationml/2006/main">
+  <p:cSld>
+    <p:spTree>
+      <p:nvGrpSpPr>
+        <p:cNvPr id="1" name="">
+          <a:extLst>
+            <a:ext uri="{FF2B5EF4-FFF2-40B4-BE49-F238E27FC236}">
+              <a16:creationId xmlns:a16="http://schemas.microsoft.com/office/drawing/2014/main" id="{F5013957-E7BB-3A86-8334-2B059AF3BFFD}"/>
+            </a:ext>
+          </a:extLst>
+        </p:cNvPr>
+        <p:cNvGrpSpPr/>
+        <p:nvPr/>
+      </p:nvGrpSpPr>
+      <p:grpSpPr>
+        <a:xfrm>
+          <a:off x="0" y="0"/>
+          <a:ext cx="0" cy="0"/>
+          <a:chOff x="0" y="0"/>
+          <a:chExt cx="0" cy="0"/>
+        </a:xfrm>
+      </p:grpSpPr>
+      <p:graphicFrame>
+        <p:nvGraphicFramePr>
+          <p:cNvPr id="4" name="think-cell data - do not delete" hidden="1">
+            <a:extLst>
+              <a:ext uri="{FF2B5EF4-FFF2-40B4-BE49-F238E27FC236}">
+                <a16:creationId xmlns:a16="http://schemas.microsoft.com/office/drawing/2014/main" id="{C67CC15E-C788-2007-7B30-0EEF8DF91872}"/>
+              </a:ext>
+            </a:extLst>
+          </p:cNvPr>
+          <p:cNvGraphicFramePr>
+            <a:graphicFrameLocks noChangeAspect="1"/>
+          </p:cNvGraphicFramePr>
+          <p:nvPr>
+            <p:custDataLst>
+              <p:tags r:id="rId1"/>
+            </p:custDataLst>
+          </p:nvPr>
+        </p:nvGraphicFramePr>
+        <p:xfrm>
+          <a:off x="1588" y="1588"/>
+          <a:ext cx="1588" cy="1588"/>
+        </p:xfrm>
+        <a:graphic>
+          <a:graphicData uri="http://schemas.openxmlformats.org/presentationml/2006/ole">
+            <mc:AlternateContent xmlns:mc="http://schemas.openxmlformats.org/markup-compatibility/2006">
+              <mc:Choice xmlns:v="urn:schemas-microsoft-com:vml" Requires="v">
+                <p:oleObj name="think-cell Slide" r:id="rId5" imgW="479" imgH="478" progId="TCLayout.ActiveDocument.1">
+                  <p:embed/>
+                </p:oleObj>
+              </mc:Choice>
+              <mc:Fallback>
+                <p:oleObj name="think-cell Slide" r:id="rId5" imgW="479" imgH="478" progId="TCLayout.ActiveDocument.1">
+                  <p:embed/>
+                  <p:pic>
+                    <p:nvPicPr>
+                      <p:cNvPr id="4" name="think-cell data - do not delete" hidden="1">
+                        <a:extLst>
+                          <a:ext uri="{FF2B5EF4-FFF2-40B4-BE49-F238E27FC236}">
+                            <a16:creationId xmlns:a16="http://schemas.microsoft.com/office/drawing/2014/main" id="{2DFD4C12-768C-FED4-1BAB-369797ADB58E}"/>
+                          </a:ext>
+                        </a:extLst>
+                      </p:cNvPr>
+                      <p:cNvPicPr/>
+                      <p:nvPr/>
+                    </p:nvPicPr>
+                    <p:blipFill>
+                      <a:blip r:embed="rId6"/>
+                      <a:stretch>
+                        <a:fillRect/>
+                      </a:stretch>
+                    </p:blipFill>
+                    <p:spPr>
+                      <a:xfrm>
+                        <a:off x="1588" y="1588"/>
+                        <a:ext cx="1588" cy="1588"/>
+                      </a:xfrm>
+                      <a:prstGeom prst="rect">
+                        <a:avLst/>
+                      </a:prstGeom>
+                    </p:spPr>
+                  </p:pic>
+                </p:oleObj>
+              </mc:Fallback>
+            </mc:AlternateContent>
+          </a:graphicData>
+        </a:graphic>
+      </p:graphicFrame>
+      <p:sp>
+        <p:nvSpPr>
+          <p:cNvPr id="5" name="Textfeld 15">
+            <a:extLst>
+              <a:ext uri="{FF2B5EF4-FFF2-40B4-BE49-F238E27FC236}">
+                <a16:creationId xmlns:a16="http://schemas.microsoft.com/office/drawing/2014/main" id="{6319B961-52A8-32A3-513C-4711B4A232AC}"/>
+              </a:ext>
+            </a:extLst>
+          </p:cNvPr>
+          <p:cNvSpPr txBox="1"/>
+          <p:nvPr/>
+        </p:nvSpPr>
+        <p:spPr>
+          <a:xfrm>
+            <a:off x="188340" y="147722"/>
+            <a:ext cx="432761" cy="369332"/>
+          </a:xfrm>
+          <a:prstGeom prst="rect">
+            <a:avLst/>
+          </a:prstGeom>
+          <a:noFill/>
+        </p:spPr>
+        <p:txBody>
+          <a:bodyPr wrap="square" rtlCol="0">
+            <a:spAutoFit/>
+          </a:bodyPr>
+          <a:lstStyle/>
+          <a:p>
+            <a:r>
+              <a:rPr lang="en-US" noProof="0" dirty="0">
+                <a:solidFill>
+                  <a:schemeClr val="bg2">
+                    <a:lumMod val="50000"/>
+                  </a:schemeClr>
+                </a:solidFill>
+                <a:latin typeface="Bahnschrift SemiCondensed" panose="020B0502040204020203" pitchFamily="34" charset="0"/>
+              </a:rPr>
+              <a:t>02</a:t>
+            </a:r>
           </a:p>
         </p:txBody>
       </p:sp>
       <p:sp>
         <p:nvSpPr>
-          <p:cNvPr id="30" name="Untertitel 2">
-            <a:extLst>
-              <a:ext uri="{FF2B5EF4-FFF2-40B4-BE49-F238E27FC236}">
-                <a16:creationId xmlns:a16="http://schemas.microsoft.com/office/drawing/2014/main" id="{CEA65EAC-33C5-B05C-6B7E-CCB068BE7D2F}"/>
+          <p:cNvPr id="2" name="Untertitel 2">
+            <a:extLst>
+              <a:ext uri="{FF2B5EF4-FFF2-40B4-BE49-F238E27FC236}">
+                <a16:creationId xmlns:a16="http://schemas.microsoft.com/office/drawing/2014/main" id="{B822D573-FA9F-BCD2-9F60-831922AA4DE2}"/>
               </a:ext>
             </a:extLst>
           </p:cNvPr>
@@ -6493,8 +10150,8 @@
         </p:nvSpPr>
         <p:spPr>
           <a:xfrm>
-            <a:off x="5397326" y="4520996"/>
-            <a:ext cx="1214446" cy="487223"/>
+            <a:off x="3064066" y="628345"/>
+            <a:ext cx="6619429" cy="995841"/>
           </a:xfrm>
           <a:prstGeom prst="rect">
             <a:avLst/>
@@ -6673,10 +10330,445 @@
               <a:buNone/>
             </a:pPr>
             <a:r>
+              <a:rPr lang="en-US" sz="3200" noProof="0" dirty="0">
+                <a:latin typeface="Bahnschrift SemiCondensed" panose="020B0502040204020203" pitchFamily="34" charset="0"/>
+              </a:rPr>
+              <a:t>Title</a:t>
+            </a:r>
+            <a:endParaRPr lang="en-US" sz="3200" noProof="0" dirty="0"/>
+          </a:p>
+        </p:txBody>
+      </p:sp>
+      <p:sp>
+        <p:nvSpPr>
+          <p:cNvPr id="23" name="Untertitel 2">
+            <a:extLst>
+              <a:ext uri="{FF2B5EF4-FFF2-40B4-BE49-F238E27FC236}">
+                <a16:creationId xmlns:a16="http://schemas.microsoft.com/office/drawing/2014/main" id="{8B0DCD76-A691-14DB-E28E-8CE6D69B00EB}"/>
+              </a:ext>
+            </a:extLst>
+          </p:cNvPr>
+          <p:cNvSpPr txBox="1">
+            <a:spLocks/>
+          </p:cNvSpPr>
+          <p:nvPr/>
+        </p:nvSpPr>
+        <p:spPr>
+          <a:xfrm>
+            <a:off x="1412051" y="1763726"/>
+            <a:ext cx="1398206" cy="487223"/>
+          </a:xfrm>
+          <a:prstGeom prst="rect">
+            <a:avLst/>
+          </a:prstGeom>
+        </p:spPr>
+        <p:txBody>
+          <a:bodyPr vert="horz" lIns="91440" tIns="45720" rIns="91440" bIns="45720" rtlCol="0">
+            <a:normAutofit/>
+          </a:bodyPr>
+          <a:lstStyle>
+            <a:lvl1pPr marL="228600" indent="-228600" algn="l" defTabSz="914400" rtl="0" eaLnBrk="1" latinLnBrk="0" hangingPunct="1">
+              <a:lnSpc>
+                <a:spcPct val="90000"/>
+              </a:lnSpc>
+              <a:spcBef>
+                <a:spcPts val="1000"/>
+              </a:spcBef>
+              <a:buFont typeface="Arial" panose="020B0604020202020204" pitchFamily="34" charset="0"/>
+              <a:buChar char="•"/>
+              <a:defRPr sz="2800" kern="1200">
+                <a:solidFill>
+                  <a:schemeClr val="tx1"/>
+                </a:solidFill>
+                <a:latin typeface="+mn-lt"/>
+                <a:ea typeface="+mn-ea"/>
+                <a:cs typeface="+mn-cs"/>
+              </a:defRPr>
+            </a:lvl1pPr>
+            <a:lvl2pPr marL="685800" indent="-228600" algn="l" defTabSz="914400" rtl="0" eaLnBrk="1" latinLnBrk="0" hangingPunct="1">
+              <a:lnSpc>
+                <a:spcPct val="90000"/>
+              </a:lnSpc>
+              <a:spcBef>
+                <a:spcPts val="500"/>
+              </a:spcBef>
+              <a:buFont typeface="Arial" panose="020B0604020202020204" pitchFamily="34" charset="0"/>
+              <a:buChar char="•"/>
+              <a:defRPr sz="2400" kern="1200">
+                <a:solidFill>
+                  <a:schemeClr val="tx1"/>
+                </a:solidFill>
+                <a:latin typeface="+mn-lt"/>
+                <a:ea typeface="+mn-ea"/>
+                <a:cs typeface="+mn-cs"/>
+              </a:defRPr>
+            </a:lvl2pPr>
+            <a:lvl3pPr marL="1143000" indent="-228600" algn="l" defTabSz="914400" rtl="0" eaLnBrk="1" latinLnBrk="0" hangingPunct="1">
+              <a:lnSpc>
+                <a:spcPct val="90000"/>
+              </a:lnSpc>
+              <a:spcBef>
+                <a:spcPts val="500"/>
+              </a:spcBef>
+              <a:buFont typeface="Arial" panose="020B0604020202020204" pitchFamily="34" charset="0"/>
+              <a:buChar char="•"/>
+              <a:defRPr sz="2000" kern="1200">
+                <a:solidFill>
+                  <a:schemeClr val="tx1"/>
+                </a:solidFill>
+                <a:latin typeface="+mn-lt"/>
+                <a:ea typeface="+mn-ea"/>
+                <a:cs typeface="+mn-cs"/>
+              </a:defRPr>
+            </a:lvl3pPr>
+            <a:lvl4pPr marL="1600200" indent="-228600" algn="l" defTabSz="914400" rtl="0" eaLnBrk="1" latinLnBrk="0" hangingPunct="1">
+              <a:lnSpc>
+                <a:spcPct val="90000"/>
+              </a:lnSpc>
+              <a:spcBef>
+                <a:spcPts val="500"/>
+              </a:spcBef>
+              <a:buFont typeface="Arial" panose="020B0604020202020204" pitchFamily="34" charset="0"/>
+              <a:buChar char="•"/>
+              <a:defRPr sz="1800" kern="1200">
+                <a:solidFill>
+                  <a:schemeClr val="tx1"/>
+                </a:solidFill>
+                <a:latin typeface="+mn-lt"/>
+                <a:ea typeface="+mn-ea"/>
+                <a:cs typeface="+mn-cs"/>
+              </a:defRPr>
+            </a:lvl4pPr>
+            <a:lvl5pPr marL="2057400" indent="-228600" algn="l" defTabSz="914400" rtl="0" eaLnBrk="1" latinLnBrk="0" hangingPunct="1">
+              <a:lnSpc>
+                <a:spcPct val="90000"/>
+              </a:lnSpc>
+              <a:spcBef>
+                <a:spcPts val="500"/>
+              </a:spcBef>
+              <a:buFont typeface="Arial" panose="020B0604020202020204" pitchFamily="34" charset="0"/>
+              <a:buChar char="•"/>
+              <a:defRPr sz="1800" kern="1200">
+                <a:solidFill>
+                  <a:schemeClr val="tx1"/>
+                </a:solidFill>
+                <a:latin typeface="+mn-lt"/>
+                <a:ea typeface="+mn-ea"/>
+                <a:cs typeface="+mn-cs"/>
+              </a:defRPr>
+            </a:lvl5pPr>
+            <a:lvl6pPr marL="2514600" indent="-228600" algn="l" defTabSz="914400" rtl="0" eaLnBrk="1" latinLnBrk="0" hangingPunct="1">
+              <a:lnSpc>
+                <a:spcPct val="90000"/>
+              </a:lnSpc>
+              <a:spcBef>
+                <a:spcPts val="500"/>
+              </a:spcBef>
+              <a:buFont typeface="Arial" panose="020B0604020202020204" pitchFamily="34" charset="0"/>
+              <a:buChar char="•"/>
+              <a:defRPr sz="1800" kern="1200">
+                <a:solidFill>
+                  <a:schemeClr val="tx1"/>
+                </a:solidFill>
+                <a:latin typeface="+mn-lt"/>
+                <a:ea typeface="+mn-ea"/>
+                <a:cs typeface="+mn-cs"/>
+              </a:defRPr>
+            </a:lvl6pPr>
+            <a:lvl7pPr marL="2971800" indent="-228600" algn="l" defTabSz="914400" rtl="0" eaLnBrk="1" latinLnBrk="0" hangingPunct="1">
+              <a:lnSpc>
+                <a:spcPct val="90000"/>
+              </a:lnSpc>
+              <a:spcBef>
+                <a:spcPts val="500"/>
+              </a:spcBef>
+              <a:buFont typeface="Arial" panose="020B0604020202020204" pitchFamily="34" charset="0"/>
+              <a:buChar char="•"/>
+              <a:defRPr sz="1800" kern="1200">
+                <a:solidFill>
+                  <a:schemeClr val="tx1"/>
+                </a:solidFill>
+                <a:latin typeface="+mn-lt"/>
+                <a:ea typeface="+mn-ea"/>
+                <a:cs typeface="+mn-cs"/>
+              </a:defRPr>
+            </a:lvl7pPr>
+            <a:lvl8pPr marL="3429000" indent="-228600" algn="l" defTabSz="914400" rtl="0" eaLnBrk="1" latinLnBrk="0" hangingPunct="1">
+              <a:lnSpc>
+                <a:spcPct val="90000"/>
+              </a:lnSpc>
+              <a:spcBef>
+                <a:spcPts val="500"/>
+              </a:spcBef>
+              <a:buFont typeface="Arial" panose="020B0604020202020204" pitchFamily="34" charset="0"/>
+              <a:buChar char="•"/>
+              <a:defRPr sz="1800" kern="1200">
+                <a:solidFill>
+                  <a:schemeClr val="tx1"/>
+                </a:solidFill>
+                <a:latin typeface="+mn-lt"/>
+                <a:ea typeface="+mn-ea"/>
+                <a:cs typeface="+mn-cs"/>
+              </a:defRPr>
+            </a:lvl8pPr>
+            <a:lvl9pPr marL="3886200" indent="-228600" algn="l" defTabSz="914400" rtl="0" eaLnBrk="1" latinLnBrk="0" hangingPunct="1">
+              <a:lnSpc>
+                <a:spcPct val="90000"/>
+              </a:lnSpc>
+              <a:spcBef>
+                <a:spcPts val="500"/>
+              </a:spcBef>
+              <a:buFont typeface="Arial" panose="020B0604020202020204" pitchFamily="34" charset="0"/>
+              <a:buChar char="•"/>
+              <a:defRPr sz="1800" kern="1200">
+                <a:solidFill>
+                  <a:schemeClr val="tx1"/>
+                </a:solidFill>
+                <a:latin typeface="+mn-lt"/>
+                <a:ea typeface="+mn-ea"/>
+                <a:cs typeface="+mn-cs"/>
+              </a:defRPr>
+            </a:lvl9pPr>
+          </a:lstStyle>
+          <a:p>
+            <a:pPr marL="0" indent="0">
+              <a:buNone/>
+            </a:pPr>
+            <a:r>
+              <a:rPr lang="en-US" sz="2400" noProof="0" dirty="0">
+                <a:solidFill>
+                  <a:schemeClr val="tx2">
+                    <a:lumMod val="75000"/>
+                    <a:lumOff val="25000"/>
+                  </a:schemeClr>
+                </a:solidFill>
+                <a:latin typeface="Bahnschrift SemiCondensed" panose="020B0502040204020203" pitchFamily="34" charset="0"/>
+              </a:rPr>
+              <a:t>XY-Model</a:t>
+            </a:r>
+            <a:endParaRPr lang="en-US" sz="2400" noProof="0" dirty="0">
+              <a:solidFill>
+                <a:schemeClr val="tx2">
+                  <a:lumMod val="75000"/>
+                  <a:lumOff val="25000"/>
+                </a:schemeClr>
+              </a:solidFill>
+            </a:endParaRPr>
+          </a:p>
+        </p:txBody>
+      </p:sp>
+      <p:sp>
+        <p:nvSpPr>
+          <p:cNvPr id="29" name="Untertitel 2">
+            <a:extLst>
+              <a:ext uri="{FF2B5EF4-FFF2-40B4-BE49-F238E27FC236}">
+                <a16:creationId xmlns:a16="http://schemas.microsoft.com/office/drawing/2014/main" id="{D028883B-BF9A-F339-882C-681CC2578625}"/>
+              </a:ext>
+            </a:extLst>
+          </p:cNvPr>
+          <p:cNvSpPr txBox="1">
+            <a:spLocks/>
+          </p:cNvSpPr>
+          <p:nvPr/>
+        </p:nvSpPr>
+        <p:spPr>
+          <a:xfrm>
+            <a:off x="1593206" y="2328707"/>
+            <a:ext cx="906543" cy="487223"/>
+          </a:xfrm>
+          <a:prstGeom prst="rect">
+            <a:avLst/>
+          </a:prstGeom>
+        </p:spPr>
+        <p:txBody>
+          <a:bodyPr vert="horz" lIns="91440" tIns="45720" rIns="91440" bIns="45720" rtlCol="0">
+            <a:normAutofit/>
+          </a:bodyPr>
+          <a:lstStyle>
+            <a:lvl1pPr marL="228600" indent="-228600" algn="l" defTabSz="914400" rtl="0" eaLnBrk="1" latinLnBrk="0" hangingPunct="1">
+              <a:lnSpc>
+                <a:spcPct val="90000"/>
+              </a:lnSpc>
+              <a:spcBef>
+                <a:spcPts val="1000"/>
+              </a:spcBef>
+              <a:buFont typeface="Arial" panose="020B0604020202020204" pitchFamily="34" charset="0"/>
+              <a:buChar char="•"/>
+              <a:defRPr sz="2800" kern="1200">
+                <a:solidFill>
+                  <a:schemeClr val="tx1"/>
+                </a:solidFill>
+                <a:latin typeface="+mn-lt"/>
+                <a:ea typeface="+mn-ea"/>
+                <a:cs typeface="+mn-cs"/>
+              </a:defRPr>
+            </a:lvl1pPr>
+            <a:lvl2pPr marL="685800" indent="-228600" algn="l" defTabSz="914400" rtl="0" eaLnBrk="1" latinLnBrk="0" hangingPunct="1">
+              <a:lnSpc>
+                <a:spcPct val="90000"/>
+              </a:lnSpc>
+              <a:spcBef>
+                <a:spcPts val="500"/>
+              </a:spcBef>
+              <a:buFont typeface="Arial" panose="020B0604020202020204" pitchFamily="34" charset="0"/>
+              <a:buChar char="•"/>
+              <a:defRPr sz="2400" kern="1200">
+                <a:solidFill>
+                  <a:schemeClr val="tx1"/>
+                </a:solidFill>
+                <a:latin typeface="+mn-lt"/>
+                <a:ea typeface="+mn-ea"/>
+                <a:cs typeface="+mn-cs"/>
+              </a:defRPr>
+            </a:lvl2pPr>
+            <a:lvl3pPr marL="1143000" indent="-228600" algn="l" defTabSz="914400" rtl="0" eaLnBrk="1" latinLnBrk="0" hangingPunct="1">
+              <a:lnSpc>
+                <a:spcPct val="90000"/>
+              </a:lnSpc>
+              <a:spcBef>
+                <a:spcPts val="500"/>
+              </a:spcBef>
+              <a:buFont typeface="Arial" panose="020B0604020202020204" pitchFamily="34" charset="0"/>
+              <a:buChar char="•"/>
+              <a:defRPr sz="2000" kern="1200">
+                <a:solidFill>
+                  <a:schemeClr val="tx1"/>
+                </a:solidFill>
+                <a:latin typeface="+mn-lt"/>
+                <a:ea typeface="+mn-ea"/>
+                <a:cs typeface="+mn-cs"/>
+              </a:defRPr>
+            </a:lvl3pPr>
+            <a:lvl4pPr marL="1600200" indent="-228600" algn="l" defTabSz="914400" rtl="0" eaLnBrk="1" latinLnBrk="0" hangingPunct="1">
+              <a:lnSpc>
+                <a:spcPct val="90000"/>
+              </a:lnSpc>
+              <a:spcBef>
+                <a:spcPts val="500"/>
+              </a:spcBef>
+              <a:buFont typeface="Arial" panose="020B0604020202020204" pitchFamily="34" charset="0"/>
+              <a:buChar char="•"/>
+              <a:defRPr sz="1800" kern="1200">
+                <a:solidFill>
+                  <a:schemeClr val="tx1"/>
+                </a:solidFill>
+                <a:latin typeface="+mn-lt"/>
+                <a:ea typeface="+mn-ea"/>
+                <a:cs typeface="+mn-cs"/>
+              </a:defRPr>
+            </a:lvl4pPr>
+            <a:lvl5pPr marL="2057400" indent="-228600" algn="l" defTabSz="914400" rtl="0" eaLnBrk="1" latinLnBrk="0" hangingPunct="1">
+              <a:lnSpc>
+                <a:spcPct val="90000"/>
+              </a:lnSpc>
+              <a:spcBef>
+                <a:spcPts val="500"/>
+              </a:spcBef>
+              <a:buFont typeface="Arial" panose="020B0604020202020204" pitchFamily="34" charset="0"/>
+              <a:buChar char="•"/>
+              <a:defRPr sz="1800" kern="1200">
+                <a:solidFill>
+                  <a:schemeClr val="tx1"/>
+                </a:solidFill>
+                <a:latin typeface="+mn-lt"/>
+                <a:ea typeface="+mn-ea"/>
+                <a:cs typeface="+mn-cs"/>
+              </a:defRPr>
+            </a:lvl5pPr>
+            <a:lvl6pPr marL="2514600" indent="-228600" algn="l" defTabSz="914400" rtl="0" eaLnBrk="1" latinLnBrk="0" hangingPunct="1">
+              <a:lnSpc>
+                <a:spcPct val="90000"/>
+              </a:lnSpc>
+              <a:spcBef>
+                <a:spcPts val="500"/>
+              </a:spcBef>
+              <a:buFont typeface="Arial" panose="020B0604020202020204" pitchFamily="34" charset="0"/>
+              <a:buChar char="•"/>
+              <a:defRPr sz="1800" kern="1200">
+                <a:solidFill>
+                  <a:schemeClr val="tx1"/>
+                </a:solidFill>
+                <a:latin typeface="+mn-lt"/>
+                <a:ea typeface="+mn-ea"/>
+                <a:cs typeface="+mn-cs"/>
+              </a:defRPr>
+            </a:lvl6pPr>
+            <a:lvl7pPr marL="2971800" indent="-228600" algn="l" defTabSz="914400" rtl="0" eaLnBrk="1" latinLnBrk="0" hangingPunct="1">
+              <a:lnSpc>
+                <a:spcPct val="90000"/>
+              </a:lnSpc>
+              <a:spcBef>
+                <a:spcPts val="500"/>
+              </a:spcBef>
+              <a:buFont typeface="Arial" panose="020B0604020202020204" pitchFamily="34" charset="0"/>
+              <a:buChar char="•"/>
+              <a:defRPr sz="1800" kern="1200">
+                <a:solidFill>
+                  <a:schemeClr val="tx1"/>
+                </a:solidFill>
+                <a:latin typeface="+mn-lt"/>
+                <a:ea typeface="+mn-ea"/>
+                <a:cs typeface="+mn-cs"/>
+              </a:defRPr>
+            </a:lvl7pPr>
+            <a:lvl8pPr marL="3429000" indent="-228600" algn="l" defTabSz="914400" rtl="0" eaLnBrk="1" latinLnBrk="0" hangingPunct="1">
+              <a:lnSpc>
+                <a:spcPct val="90000"/>
+              </a:lnSpc>
+              <a:spcBef>
+                <a:spcPts val="500"/>
+              </a:spcBef>
+              <a:buFont typeface="Arial" panose="020B0604020202020204" pitchFamily="34" charset="0"/>
+              <a:buChar char="•"/>
+              <a:defRPr sz="1800" kern="1200">
+                <a:solidFill>
+                  <a:schemeClr val="tx1"/>
+                </a:solidFill>
+                <a:latin typeface="+mn-lt"/>
+                <a:ea typeface="+mn-ea"/>
+                <a:cs typeface="+mn-cs"/>
+              </a:defRPr>
+            </a:lvl8pPr>
+            <a:lvl9pPr marL="3886200" indent="-228600" algn="l" defTabSz="914400" rtl="0" eaLnBrk="1" latinLnBrk="0" hangingPunct="1">
+              <a:lnSpc>
+                <a:spcPct val="90000"/>
+              </a:lnSpc>
+              <a:spcBef>
+                <a:spcPts val="500"/>
+              </a:spcBef>
+              <a:buFont typeface="Arial" panose="020B0604020202020204" pitchFamily="34" charset="0"/>
+              <a:buChar char="•"/>
+              <a:defRPr sz="1800" kern="1200">
+                <a:solidFill>
+                  <a:schemeClr val="tx1"/>
+                </a:solidFill>
+                <a:latin typeface="+mn-lt"/>
+                <a:ea typeface="+mn-ea"/>
+                <a:cs typeface="+mn-cs"/>
+              </a:defRPr>
+            </a:lvl9pPr>
+          </a:lstStyle>
+          <a:p>
+            <a:pPr marL="0" indent="0">
+              <a:buNone/>
+            </a:pPr>
+            <a:r>
+              <a:rPr lang="en-US" sz="2000" noProof="0" dirty="0" err="1">
+                <a:latin typeface="Bahnschrift SemiCondensed" panose="020B0502040204020203" pitchFamily="34" charset="0"/>
+              </a:rPr>
+              <a:t>Bla</a:t>
+            </a:r>
+            <a:r>
               <a:rPr lang="en-US" sz="2000" noProof="0" dirty="0">
                 <a:latin typeface="Bahnschrift SemiCondensed" panose="020B0502040204020203" pitchFamily="34" charset="0"/>
               </a:rPr>
-              <a:t>such that</a:t>
+              <a:t> </a:t>
+            </a:r>
+            <a:r>
+              <a:rPr lang="en-US" sz="2000" noProof="0" dirty="0" err="1">
+                <a:latin typeface="Bahnschrift SemiCondensed" panose="020B0502040204020203" pitchFamily="34" charset="0"/>
+              </a:rPr>
+              <a:t>bla</a:t>
             </a:r>
             <a:endParaRPr lang="en-US" sz="2000" noProof="0" dirty="0"/>
           </a:p>
@@ -6684,10 +10776,10 @@
       </p:sp>
       <p:pic>
         <p:nvPicPr>
-          <p:cNvPr id="40" name="Picture 39" descr="\documentclass{article}&#10;\usepackage{amsmath, amsfonts, amssymb, xcolor}&#10;\pagestyle{empty}&#10;\fontfamily{BahnschriftSemiCondensed}&#10;&#10;\begin{document}&#10;&#10;$&#10;\hat{H} = \begin{pmatrix} 0 \ 0 \ 0 \ 1 \end{pmatrix} \prod_{l = 1}^{\mathcal{L}} \hat{W}_l \begin{pmatrix} 1 \\ 0 \\ 0 \\ 0 \end{pmatrix}&#10;$&#10;&#10;\end{document}" title="IguanaTex Bitmap Display">
-            <a:extLst>
-              <a:ext uri="{FF2B5EF4-FFF2-40B4-BE49-F238E27FC236}">
-                <a16:creationId xmlns:a16="http://schemas.microsoft.com/office/drawing/2014/main" id="{875CF5BB-F01D-00B2-D9E8-9F82726335C2}"/>
+          <p:cNvPr id="6" name="Picture 5" descr="\documentclass{article}&#10;\usepackage{amsmath}&#10;\pagestyle{empty}&#10;\begin{document}&#10;&#10;$\hat{H}$&#10;&#10;&#10;\end{document}" title="IguanaTex Picture Display">
+            <a:extLst>
+              <a:ext uri="{FF2B5EF4-FFF2-40B4-BE49-F238E27FC236}">
+                <a16:creationId xmlns:a16="http://schemas.microsoft.com/office/drawing/2014/main" id="{EE85CAE0-354E-634E-F28D-BDE2AE28364B}"/>
               </a:ext>
             </a:extLst>
           </p:cNvPr>
@@ -6701,7 +10793,7 @@
           </p:nvPr>
         </p:nvPicPr>
         <p:blipFill>
-          <a:blip r:embed="rId9">
+          <a:blip r:embed="rId7">
             <a:extLst>
               <a:ext uri="{28A0092B-C50C-407E-A947-70E740481C1C}">
                 <a14:useLocalDpi xmlns:a14="http://schemas.microsoft.com/office/drawing/2010/main" val="0"/>
@@ -6714,78 +10806,8 @@
         </p:blipFill>
         <p:spPr>
           <a:xfrm>
-            <a:off x="6672862" y="4090887"/>
-            <a:ext cx="3061333" cy="1214476"/>
-          </a:xfrm>
-          <a:prstGeom prst="rect">
-            <a:avLst/>
-          </a:prstGeom>
-        </p:spPr>
-      </p:pic>
-      <p:pic>
-        <p:nvPicPr>
-          <p:cNvPr id="62" name="Picture 61">
-            <a:extLst>
-              <a:ext uri="{FF2B5EF4-FFF2-40B4-BE49-F238E27FC236}">
-                <a16:creationId xmlns:a16="http://schemas.microsoft.com/office/drawing/2014/main" id="{66BA1203-2244-2D23-1F66-6294707061F4}"/>
-              </a:ext>
-            </a:extLst>
-          </p:cNvPr>
-          <p:cNvPicPr>
-            <a:picLocks noChangeAspect="1"/>
-          </p:cNvPicPr>
-          <p:nvPr/>
-        </p:nvPicPr>
-        <p:blipFill>
-          <a:blip r:embed="rId10"/>
-          <a:stretch>
-            <a:fillRect/>
-          </a:stretch>
-        </p:blipFill>
-        <p:spPr>
-          <a:xfrm>
-            <a:off x="2111154" y="3979638"/>
-            <a:ext cx="3061333" cy="1353527"/>
-          </a:xfrm>
-          <a:prstGeom prst="rect">
-            <a:avLst/>
-          </a:prstGeom>
-        </p:spPr>
-      </p:pic>
-      <p:pic>
-        <p:nvPicPr>
-          <p:cNvPr id="64" name="Picture 63" descr="\documentclass{article}&#10;\usepackage{amsmath, amsfonts, amssymb, xcolor}&#10;\pagestyle{empty}&#10;\fontfamily{BahnschriftSemiCondensed}&#10;&#10;\begin{document}&#10;&#10;$&#10;\hat{H} = J \sum_{l = 1}^{\mathcal{L}-1} (\hat{S}^x_l \hat{S}^x_{l+1} + \hat{S}^y_l \hat{S}^y_{l+1}) \equiv J \sum_{l = 1}^{\mathcal{L}-1} (\hat{S}^+_l \hat{S}^-_{l+1} + \hat{S}^-_l \hat{S}^+_{l+1})&#10;$&#10;&#10;\end{document}" title="IguanaTex Bitmap Display">
-            <a:extLst>
-              <a:ext uri="{FF2B5EF4-FFF2-40B4-BE49-F238E27FC236}">
-                <a16:creationId xmlns:a16="http://schemas.microsoft.com/office/drawing/2014/main" id="{F1C46376-942F-6829-7E7D-D34BF50194AA}"/>
-              </a:ext>
-            </a:extLst>
-          </p:cNvPr>
-          <p:cNvPicPr>
-            <a:picLocks noChangeAspect="1"/>
-          </p:cNvPicPr>
-          <p:nvPr>
-            <p:custDataLst>
-              <p:tags r:id="rId3"/>
-            </p:custDataLst>
-          </p:nvPr>
-        </p:nvPicPr>
-        <p:blipFill>
-          <a:blip r:embed="rId11">
-            <a:extLst>
-              <a:ext uri="{28A0092B-C50C-407E-A947-70E740481C1C}">
-                <a14:useLocalDpi xmlns:a14="http://schemas.microsoft.com/office/drawing/2010/main" val="0"/>
-              </a:ext>
-            </a:extLst>
-          </a:blip>
-          <a:stretch>
-            <a:fillRect/>
-          </a:stretch>
-        </p:blipFill>
-        <p:spPr>
-          <a:xfrm>
-            <a:off x="2936066" y="1787540"/>
-            <a:ext cx="6875428" cy="350476"/>
+            <a:off x="3062112" y="1790107"/>
+            <a:ext cx="214857" cy="239238"/>
           </a:xfrm>
           <a:prstGeom prst="rect">
             <a:avLst/>
@@ -6795,7 +10817,832 @@
     </p:spTree>
     <p:extLst>
       <p:ext uri="{BB962C8B-B14F-4D97-AF65-F5344CB8AC3E}">
-        <p14:creationId xmlns:p14="http://schemas.microsoft.com/office/powerpoint/2010/main" val="46162578"/>
+        <p14:creationId xmlns:p14="http://schemas.microsoft.com/office/powerpoint/2010/main" val="727609638"/>
+      </p:ext>
+    </p:extLst>
+  </p:cSld>
+  <p:clrMapOvr>
+    <a:masterClrMapping/>
+  </p:clrMapOvr>
+</p:sld>
+</file>
+
+<file path=ppt/slides/slide6.xml><?xml version="1.0" encoding="utf-8"?>
+<p:sld xmlns:a="http://schemas.openxmlformats.org/drawingml/2006/main" xmlns:r="http://schemas.openxmlformats.org/officeDocument/2006/relationships" xmlns:p="http://schemas.openxmlformats.org/presentationml/2006/main">
+  <p:cSld>
+    <p:spTree>
+      <p:nvGrpSpPr>
+        <p:cNvPr id="1" name="">
+          <a:extLst>
+            <a:ext uri="{FF2B5EF4-FFF2-40B4-BE49-F238E27FC236}">
+              <a16:creationId xmlns:a16="http://schemas.microsoft.com/office/drawing/2014/main" id="{D9E162AD-5855-A06D-708A-BB4484142BD9}"/>
+            </a:ext>
+          </a:extLst>
+        </p:cNvPr>
+        <p:cNvGrpSpPr/>
+        <p:nvPr/>
+      </p:nvGrpSpPr>
+      <p:grpSpPr>
+        <a:xfrm>
+          <a:off x="0" y="0"/>
+          <a:ext cx="0" cy="0"/>
+          <a:chOff x="0" y="0"/>
+          <a:chExt cx="0" cy="0"/>
+        </a:xfrm>
+      </p:grpSpPr>
+      <p:graphicFrame>
+        <p:nvGraphicFramePr>
+          <p:cNvPr id="4" name="think-cell data - do not delete" hidden="1">
+            <a:extLst>
+              <a:ext uri="{FF2B5EF4-FFF2-40B4-BE49-F238E27FC236}">
+                <a16:creationId xmlns:a16="http://schemas.microsoft.com/office/drawing/2014/main" id="{EB375081-2BFA-2F6E-3A3E-76E6D980A57F}"/>
+              </a:ext>
+            </a:extLst>
+          </p:cNvPr>
+          <p:cNvGraphicFramePr>
+            <a:graphicFrameLocks noChangeAspect="1"/>
+          </p:cNvGraphicFramePr>
+          <p:nvPr>
+            <p:custDataLst>
+              <p:tags r:id="rId1"/>
+            </p:custDataLst>
+          </p:nvPr>
+        </p:nvGraphicFramePr>
+        <p:xfrm>
+          <a:off x="1588" y="1588"/>
+          <a:ext cx="1588" cy="1588"/>
+        </p:xfrm>
+        <a:graphic>
+          <a:graphicData uri="http://schemas.openxmlformats.org/presentationml/2006/ole">
+            <mc:AlternateContent xmlns:mc="http://schemas.openxmlformats.org/markup-compatibility/2006">
+              <mc:Choice xmlns:v="urn:schemas-microsoft-com:vml" Requires="v">
+                <p:oleObj name="think-cell Slide" r:id="rId5" imgW="479" imgH="478" progId="TCLayout.ActiveDocument.1">
+                  <p:embed/>
+                </p:oleObj>
+              </mc:Choice>
+              <mc:Fallback>
+                <p:oleObj name="think-cell Slide" r:id="rId5" imgW="479" imgH="478" progId="TCLayout.ActiveDocument.1">
+                  <p:embed/>
+                  <p:pic>
+                    <p:nvPicPr>
+                      <p:cNvPr id="4" name="think-cell data - do not delete" hidden="1">
+                        <a:extLst>
+                          <a:ext uri="{FF2B5EF4-FFF2-40B4-BE49-F238E27FC236}">
+                            <a16:creationId xmlns:a16="http://schemas.microsoft.com/office/drawing/2014/main" id="{2DFD4C12-768C-FED4-1BAB-369797ADB58E}"/>
+                          </a:ext>
+                        </a:extLst>
+                      </p:cNvPr>
+                      <p:cNvPicPr/>
+                      <p:nvPr/>
+                    </p:nvPicPr>
+                    <p:blipFill>
+                      <a:blip r:embed="rId6"/>
+                      <a:stretch>
+                        <a:fillRect/>
+                      </a:stretch>
+                    </p:blipFill>
+                    <p:spPr>
+                      <a:xfrm>
+                        <a:off x="1588" y="1588"/>
+                        <a:ext cx="1588" cy="1588"/>
+                      </a:xfrm>
+                      <a:prstGeom prst="rect">
+                        <a:avLst/>
+                      </a:prstGeom>
+                    </p:spPr>
+                  </p:pic>
+                </p:oleObj>
+              </mc:Fallback>
+            </mc:AlternateContent>
+          </a:graphicData>
+        </a:graphic>
+      </p:graphicFrame>
+      <p:sp>
+        <p:nvSpPr>
+          <p:cNvPr id="5" name="Textfeld 15">
+            <a:extLst>
+              <a:ext uri="{FF2B5EF4-FFF2-40B4-BE49-F238E27FC236}">
+                <a16:creationId xmlns:a16="http://schemas.microsoft.com/office/drawing/2014/main" id="{E17E9F26-3302-1CCE-C09C-BFF56B34D14D}"/>
+              </a:ext>
+            </a:extLst>
+          </p:cNvPr>
+          <p:cNvSpPr txBox="1"/>
+          <p:nvPr/>
+        </p:nvSpPr>
+        <p:spPr>
+          <a:xfrm>
+            <a:off x="188340" y="147722"/>
+            <a:ext cx="432761" cy="369332"/>
+          </a:xfrm>
+          <a:prstGeom prst="rect">
+            <a:avLst/>
+          </a:prstGeom>
+          <a:noFill/>
+        </p:spPr>
+        <p:txBody>
+          <a:bodyPr wrap="square" rtlCol="0">
+            <a:spAutoFit/>
+          </a:bodyPr>
+          <a:lstStyle/>
+          <a:p>
+            <a:r>
+              <a:rPr lang="en-US" noProof="0" dirty="0">
+                <a:solidFill>
+                  <a:schemeClr val="bg2">
+                    <a:lumMod val="50000"/>
+                  </a:schemeClr>
+                </a:solidFill>
+                <a:latin typeface="Bahnschrift SemiCondensed" panose="020B0502040204020203" pitchFamily="34" charset="0"/>
+              </a:rPr>
+              <a:t>02</a:t>
+            </a:r>
+          </a:p>
+        </p:txBody>
+      </p:sp>
+      <p:sp>
+        <p:nvSpPr>
+          <p:cNvPr id="2" name="Untertitel 2">
+            <a:extLst>
+              <a:ext uri="{FF2B5EF4-FFF2-40B4-BE49-F238E27FC236}">
+                <a16:creationId xmlns:a16="http://schemas.microsoft.com/office/drawing/2014/main" id="{DD1C9E7A-5CA4-CF07-DFDE-3019FF6BD592}"/>
+              </a:ext>
+            </a:extLst>
+          </p:cNvPr>
+          <p:cNvSpPr txBox="1">
+            <a:spLocks/>
+          </p:cNvSpPr>
+          <p:nvPr/>
+        </p:nvSpPr>
+        <p:spPr>
+          <a:xfrm>
+            <a:off x="3064066" y="628345"/>
+            <a:ext cx="6619429" cy="995841"/>
+          </a:xfrm>
+          <a:prstGeom prst="rect">
+            <a:avLst/>
+          </a:prstGeom>
+        </p:spPr>
+        <p:txBody>
+          <a:bodyPr vert="horz" lIns="91440" tIns="45720" rIns="91440" bIns="45720" rtlCol="0">
+            <a:normAutofit/>
+          </a:bodyPr>
+          <a:lstStyle>
+            <a:lvl1pPr marL="228600" indent="-228600" algn="l" defTabSz="914400" rtl="0" eaLnBrk="1" latinLnBrk="0" hangingPunct="1">
+              <a:lnSpc>
+                <a:spcPct val="90000"/>
+              </a:lnSpc>
+              <a:spcBef>
+                <a:spcPts val="1000"/>
+              </a:spcBef>
+              <a:buFont typeface="Arial" panose="020B0604020202020204" pitchFamily="34" charset="0"/>
+              <a:buChar char="•"/>
+              <a:defRPr sz="2800" kern="1200">
+                <a:solidFill>
+                  <a:schemeClr val="tx1"/>
+                </a:solidFill>
+                <a:latin typeface="+mn-lt"/>
+                <a:ea typeface="+mn-ea"/>
+                <a:cs typeface="+mn-cs"/>
+              </a:defRPr>
+            </a:lvl1pPr>
+            <a:lvl2pPr marL="685800" indent="-228600" algn="l" defTabSz="914400" rtl="0" eaLnBrk="1" latinLnBrk="0" hangingPunct="1">
+              <a:lnSpc>
+                <a:spcPct val="90000"/>
+              </a:lnSpc>
+              <a:spcBef>
+                <a:spcPts val="500"/>
+              </a:spcBef>
+              <a:buFont typeface="Arial" panose="020B0604020202020204" pitchFamily="34" charset="0"/>
+              <a:buChar char="•"/>
+              <a:defRPr sz="2400" kern="1200">
+                <a:solidFill>
+                  <a:schemeClr val="tx1"/>
+                </a:solidFill>
+                <a:latin typeface="+mn-lt"/>
+                <a:ea typeface="+mn-ea"/>
+                <a:cs typeface="+mn-cs"/>
+              </a:defRPr>
+            </a:lvl2pPr>
+            <a:lvl3pPr marL="1143000" indent="-228600" algn="l" defTabSz="914400" rtl="0" eaLnBrk="1" latinLnBrk="0" hangingPunct="1">
+              <a:lnSpc>
+                <a:spcPct val="90000"/>
+              </a:lnSpc>
+              <a:spcBef>
+                <a:spcPts val="500"/>
+              </a:spcBef>
+              <a:buFont typeface="Arial" panose="020B0604020202020204" pitchFamily="34" charset="0"/>
+              <a:buChar char="•"/>
+              <a:defRPr sz="2000" kern="1200">
+                <a:solidFill>
+                  <a:schemeClr val="tx1"/>
+                </a:solidFill>
+                <a:latin typeface="+mn-lt"/>
+                <a:ea typeface="+mn-ea"/>
+                <a:cs typeface="+mn-cs"/>
+              </a:defRPr>
+            </a:lvl3pPr>
+            <a:lvl4pPr marL="1600200" indent="-228600" algn="l" defTabSz="914400" rtl="0" eaLnBrk="1" latinLnBrk="0" hangingPunct="1">
+              <a:lnSpc>
+                <a:spcPct val="90000"/>
+              </a:lnSpc>
+              <a:spcBef>
+                <a:spcPts val="500"/>
+              </a:spcBef>
+              <a:buFont typeface="Arial" panose="020B0604020202020204" pitchFamily="34" charset="0"/>
+              <a:buChar char="•"/>
+              <a:defRPr sz="1800" kern="1200">
+                <a:solidFill>
+                  <a:schemeClr val="tx1"/>
+                </a:solidFill>
+                <a:latin typeface="+mn-lt"/>
+                <a:ea typeface="+mn-ea"/>
+                <a:cs typeface="+mn-cs"/>
+              </a:defRPr>
+            </a:lvl4pPr>
+            <a:lvl5pPr marL="2057400" indent="-228600" algn="l" defTabSz="914400" rtl="0" eaLnBrk="1" latinLnBrk="0" hangingPunct="1">
+              <a:lnSpc>
+                <a:spcPct val="90000"/>
+              </a:lnSpc>
+              <a:spcBef>
+                <a:spcPts val="500"/>
+              </a:spcBef>
+              <a:buFont typeface="Arial" panose="020B0604020202020204" pitchFamily="34" charset="0"/>
+              <a:buChar char="•"/>
+              <a:defRPr sz="1800" kern="1200">
+                <a:solidFill>
+                  <a:schemeClr val="tx1"/>
+                </a:solidFill>
+                <a:latin typeface="+mn-lt"/>
+                <a:ea typeface="+mn-ea"/>
+                <a:cs typeface="+mn-cs"/>
+              </a:defRPr>
+            </a:lvl5pPr>
+            <a:lvl6pPr marL="2514600" indent="-228600" algn="l" defTabSz="914400" rtl="0" eaLnBrk="1" latinLnBrk="0" hangingPunct="1">
+              <a:lnSpc>
+                <a:spcPct val="90000"/>
+              </a:lnSpc>
+              <a:spcBef>
+                <a:spcPts val="500"/>
+              </a:spcBef>
+              <a:buFont typeface="Arial" panose="020B0604020202020204" pitchFamily="34" charset="0"/>
+              <a:buChar char="•"/>
+              <a:defRPr sz="1800" kern="1200">
+                <a:solidFill>
+                  <a:schemeClr val="tx1"/>
+                </a:solidFill>
+                <a:latin typeface="+mn-lt"/>
+                <a:ea typeface="+mn-ea"/>
+                <a:cs typeface="+mn-cs"/>
+              </a:defRPr>
+            </a:lvl6pPr>
+            <a:lvl7pPr marL="2971800" indent="-228600" algn="l" defTabSz="914400" rtl="0" eaLnBrk="1" latinLnBrk="0" hangingPunct="1">
+              <a:lnSpc>
+                <a:spcPct val="90000"/>
+              </a:lnSpc>
+              <a:spcBef>
+                <a:spcPts val="500"/>
+              </a:spcBef>
+              <a:buFont typeface="Arial" panose="020B0604020202020204" pitchFamily="34" charset="0"/>
+              <a:buChar char="•"/>
+              <a:defRPr sz="1800" kern="1200">
+                <a:solidFill>
+                  <a:schemeClr val="tx1"/>
+                </a:solidFill>
+                <a:latin typeface="+mn-lt"/>
+                <a:ea typeface="+mn-ea"/>
+                <a:cs typeface="+mn-cs"/>
+              </a:defRPr>
+            </a:lvl7pPr>
+            <a:lvl8pPr marL="3429000" indent="-228600" algn="l" defTabSz="914400" rtl="0" eaLnBrk="1" latinLnBrk="0" hangingPunct="1">
+              <a:lnSpc>
+                <a:spcPct val="90000"/>
+              </a:lnSpc>
+              <a:spcBef>
+                <a:spcPts val="500"/>
+              </a:spcBef>
+              <a:buFont typeface="Arial" panose="020B0604020202020204" pitchFamily="34" charset="0"/>
+              <a:buChar char="•"/>
+              <a:defRPr sz="1800" kern="1200">
+                <a:solidFill>
+                  <a:schemeClr val="tx1"/>
+                </a:solidFill>
+                <a:latin typeface="+mn-lt"/>
+                <a:ea typeface="+mn-ea"/>
+                <a:cs typeface="+mn-cs"/>
+              </a:defRPr>
+            </a:lvl8pPr>
+            <a:lvl9pPr marL="3886200" indent="-228600" algn="l" defTabSz="914400" rtl="0" eaLnBrk="1" latinLnBrk="0" hangingPunct="1">
+              <a:lnSpc>
+                <a:spcPct val="90000"/>
+              </a:lnSpc>
+              <a:spcBef>
+                <a:spcPts val="500"/>
+              </a:spcBef>
+              <a:buFont typeface="Arial" panose="020B0604020202020204" pitchFamily="34" charset="0"/>
+              <a:buChar char="•"/>
+              <a:defRPr sz="1800" kern="1200">
+                <a:solidFill>
+                  <a:schemeClr val="tx1"/>
+                </a:solidFill>
+                <a:latin typeface="+mn-lt"/>
+                <a:ea typeface="+mn-ea"/>
+                <a:cs typeface="+mn-cs"/>
+              </a:defRPr>
+            </a:lvl9pPr>
+          </a:lstStyle>
+          <a:p>
+            <a:pPr marL="0" indent="0">
+              <a:buNone/>
+            </a:pPr>
+            <a:r>
+              <a:rPr lang="en-US" sz="3200" noProof="0" dirty="0">
+                <a:latin typeface="Bahnschrift SemiCondensed" panose="020B0502040204020203" pitchFamily="34" charset="0"/>
+              </a:rPr>
+              <a:t>Title</a:t>
+            </a:r>
+            <a:endParaRPr lang="en-US" sz="3200" noProof="0" dirty="0"/>
+          </a:p>
+        </p:txBody>
+      </p:sp>
+      <p:sp>
+        <p:nvSpPr>
+          <p:cNvPr id="23" name="Untertitel 2">
+            <a:extLst>
+              <a:ext uri="{FF2B5EF4-FFF2-40B4-BE49-F238E27FC236}">
+                <a16:creationId xmlns:a16="http://schemas.microsoft.com/office/drawing/2014/main" id="{AD89A43E-4E8C-CD31-7255-D52E97D6DFB0}"/>
+              </a:ext>
+            </a:extLst>
+          </p:cNvPr>
+          <p:cNvSpPr txBox="1">
+            <a:spLocks/>
+          </p:cNvSpPr>
+          <p:nvPr/>
+        </p:nvSpPr>
+        <p:spPr>
+          <a:xfrm>
+            <a:off x="1412051" y="1763726"/>
+            <a:ext cx="1398206" cy="487223"/>
+          </a:xfrm>
+          <a:prstGeom prst="rect">
+            <a:avLst/>
+          </a:prstGeom>
+        </p:spPr>
+        <p:txBody>
+          <a:bodyPr vert="horz" lIns="91440" tIns="45720" rIns="91440" bIns="45720" rtlCol="0">
+            <a:normAutofit/>
+          </a:bodyPr>
+          <a:lstStyle>
+            <a:lvl1pPr marL="228600" indent="-228600" algn="l" defTabSz="914400" rtl="0" eaLnBrk="1" latinLnBrk="0" hangingPunct="1">
+              <a:lnSpc>
+                <a:spcPct val="90000"/>
+              </a:lnSpc>
+              <a:spcBef>
+                <a:spcPts val="1000"/>
+              </a:spcBef>
+              <a:buFont typeface="Arial" panose="020B0604020202020204" pitchFamily="34" charset="0"/>
+              <a:buChar char="•"/>
+              <a:defRPr sz="2800" kern="1200">
+                <a:solidFill>
+                  <a:schemeClr val="tx1"/>
+                </a:solidFill>
+                <a:latin typeface="+mn-lt"/>
+                <a:ea typeface="+mn-ea"/>
+                <a:cs typeface="+mn-cs"/>
+              </a:defRPr>
+            </a:lvl1pPr>
+            <a:lvl2pPr marL="685800" indent="-228600" algn="l" defTabSz="914400" rtl="0" eaLnBrk="1" latinLnBrk="0" hangingPunct="1">
+              <a:lnSpc>
+                <a:spcPct val="90000"/>
+              </a:lnSpc>
+              <a:spcBef>
+                <a:spcPts val="500"/>
+              </a:spcBef>
+              <a:buFont typeface="Arial" panose="020B0604020202020204" pitchFamily="34" charset="0"/>
+              <a:buChar char="•"/>
+              <a:defRPr sz="2400" kern="1200">
+                <a:solidFill>
+                  <a:schemeClr val="tx1"/>
+                </a:solidFill>
+                <a:latin typeface="+mn-lt"/>
+                <a:ea typeface="+mn-ea"/>
+                <a:cs typeface="+mn-cs"/>
+              </a:defRPr>
+            </a:lvl2pPr>
+            <a:lvl3pPr marL="1143000" indent="-228600" algn="l" defTabSz="914400" rtl="0" eaLnBrk="1" latinLnBrk="0" hangingPunct="1">
+              <a:lnSpc>
+                <a:spcPct val="90000"/>
+              </a:lnSpc>
+              <a:spcBef>
+                <a:spcPts val="500"/>
+              </a:spcBef>
+              <a:buFont typeface="Arial" panose="020B0604020202020204" pitchFamily="34" charset="0"/>
+              <a:buChar char="•"/>
+              <a:defRPr sz="2000" kern="1200">
+                <a:solidFill>
+                  <a:schemeClr val="tx1"/>
+                </a:solidFill>
+                <a:latin typeface="+mn-lt"/>
+                <a:ea typeface="+mn-ea"/>
+                <a:cs typeface="+mn-cs"/>
+              </a:defRPr>
+            </a:lvl3pPr>
+            <a:lvl4pPr marL="1600200" indent="-228600" algn="l" defTabSz="914400" rtl="0" eaLnBrk="1" latinLnBrk="0" hangingPunct="1">
+              <a:lnSpc>
+                <a:spcPct val="90000"/>
+              </a:lnSpc>
+              <a:spcBef>
+                <a:spcPts val="500"/>
+              </a:spcBef>
+              <a:buFont typeface="Arial" panose="020B0604020202020204" pitchFamily="34" charset="0"/>
+              <a:buChar char="•"/>
+              <a:defRPr sz="1800" kern="1200">
+                <a:solidFill>
+                  <a:schemeClr val="tx1"/>
+                </a:solidFill>
+                <a:latin typeface="+mn-lt"/>
+                <a:ea typeface="+mn-ea"/>
+                <a:cs typeface="+mn-cs"/>
+              </a:defRPr>
+            </a:lvl4pPr>
+            <a:lvl5pPr marL="2057400" indent="-228600" algn="l" defTabSz="914400" rtl="0" eaLnBrk="1" latinLnBrk="0" hangingPunct="1">
+              <a:lnSpc>
+                <a:spcPct val="90000"/>
+              </a:lnSpc>
+              <a:spcBef>
+                <a:spcPts val="500"/>
+              </a:spcBef>
+              <a:buFont typeface="Arial" panose="020B0604020202020204" pitchFamily="34" charset="0"/>
+              <a:buChar char="•"/>
+              <a:defRPr sz="1800" kern="1200">
+                <a:solidFill>
+                  <a:schemeClr val="tx1"/>
+                </a:solidFill>
+                <a:latin typeface="+mn-lt"/>
+                <a:ea typeface="+mn-ea"/>
+                <a:cs typeface="+mn-cs"/>
+              </a:defRPr>
+            </a:lvl5pPr>
+            <a:lvl6pPr marL="2514600" indent="-228600" algn="l" defTabSz="914400" rtl="0" eaLnBrk="1" latinLnBrk="0" hangingPunct="1">
+              <a:lnSpc>
+                <a:spcPct val="90000"/>
+              </a:lnSpc>
+              <a:spcBef>
+                <a:spcPts val="500"/>
+              </a:spcBef>
+              <a:buFont typeface="Arial" panose="020B0604020202020204" pitchFamily="34" charset="0"/>
+              <a:buChar char="•"/>
+              <a:defRPr sz="1800" kern="1200">
+                <a:solidFill>
+                  <a:schemeClr val="tx1"/>
+                </a:solidFill>
+                <a:latin typeface="+mn-lt"/>
+                <a:ea typeface="+mn-ea"/>
+                <a:cs typeface="+mn-cs"/>
+              </a:defRPr>
+            </a:lvl6pPr>
+            <a:lvl7pPr marL="2971800" indent="-228600" algn="l" defTabSz="914400" rtl="0" eaLnBrk="1" latinLnBrk="0" hangingPunct="1">
+              <a:lnSpc>
+                <a:spcPct val="90000"/>
+              </a:lnSpc>
+              <a:spcBef>
+                <a:spcPts val="500"/>
+              </a:spcBef>
+              <a:buFont typeface="Arial" panose="020B0604020202020204" pitchFamily="34" charset="0"/>
+              <a:buChar char="•"/>
+              <a:defRPr sz="1800" kern="1200">
+                <a:solidFill>
+                  <a:schemeClr val="tx1"/>
+                </a:solidFill>
+                <a:latin typeface="+mn-lt"/>
+                <a:ea typeface="+mn-ea"/>
+                <a:cs typeface="+mn-cs"/>
+              </a:defRPr>
+            </a:lvl7pPr>
+            <a:lvl8pPr marL="3429000" indent="-228600" algn="l" defTabSz="914400" rtl="0" eaLnBrk="1" latinLnBrk="0" hangingPunct="1">
+              <a:lnSpc>
+                <a:spcPct val="90000"/>
+              </a:lnSpc>
+              <a:spcBef>
+                <a:spcPts val="500"/>
+              </a:spcBef>
+              <a:buFont typeface="Arial" panose="020B0604020202020204" pitchFamily="34" charset="0"/>
+              <a:buChar char="•"/>
+              <a:defRPr sz="1800" kern="1200">
+                <a:solidFill>
+                  <a:schemeClr val="tx1"/>
+                </a:solidFill>
+                <a:latin typeface="+mn-lt"/>
+                <a:ea typeface="+mn-ea"/>
+                <a:cs typeface="+mn-cs"/>
+              </a:defRPr>
+            </a:lvl8pPr>
+            <a:lvl9pPr marL="3886200" indent="-228600" algn="l" defTabSz="914400" rtl="0" eaLnBrk="1" latinLnBrk="0" hangingPunct="1">
+              <a:lnSpc>
+                <a:spcPct val="90000"/>
+              </a:lnSpc>
+              <a:spcBef>
+                <a:spcPts val="500"/>
+              </a:spcBef>
+              <a:buFont typeface="Arial" panose="020B0604020202020204" pitchFamily="34" charset="0"/>
+              <a:buChar char="•"/>
+              <a:defRPr sz="1800" kern="1200">
+                <a:solidFill>
+                  <a:schemeClr val="tx1"/>
+                </a:solidFill>
+                <a:latin typeface="+mn-lt"/>
+                <a:ea typeface="+mn-ea"/>
+                <a:cs typeface="+mn-cs"/>
+              </a:defRPr>
+            </a:lvl9pPr>
+          </a:lstStyle>
+          <a:p>
+            <a:pPr marL="0" indent="0">
+              <a:buNone/>
+            </a:pPr>
+            <a:r>
+              <a:rPr lang="en-US" sz="2400" noProof="0" dirty="0">
+                <a:solidFill>
+                  <a:schemeClr val="tx2">
+                    <a:lumMod val="75000"/>
+                    <a:lumOff val="25000"/>
+                  </a:schemeClr>
+                </a:solidFill>
+                <a:latin typeface="Bahnschrift SemiCondensed" panose="020B0502040204020203" pitchFamily="34" charset="0"/>
+              </a:rPr>
+              <a:t>XY-Model</a:t>
+            </a:r>
+            <a:endParaRPr lang="en-US" sz="2400" noProof="0" dirty="0">
+              <a:solidFill>
+                <a:schemeClr val="tx2">
+                  <a:lumMod val="75000"/>
+                  <a:lumOff val="25000"/>
+                </a:schemeClr>
+              </a:solidFill>
+            </a:endParaRPr>
+          </a:p>
+        </p:txBody>
+      </p:sp>
+      <p:sp>
+        <p:nvSpPr>
+          <p:cNvPr id="29" name="Untertitel 2">
+            <a:extLst>
+              <a:ext uri="{FF2B5EF4-FFF2-40B4-BE49-F238E27FC236}">
+                <a16:creationId xmlns:a16="http://schemas.microsoft.com/office/drawing/2014/main" id="{C162BD4E-4EA5-890C-CB65-FA42CE383A13}"/>
+              </a:ext>
+            </a:extLst>
+          </p:cNvPr>
+          <p:cNvSpPr txBox="1">
+            <a:spLocks/>
+          </p:cNvSpPr>
+          <p:nvPr/>
+        </p:nvSpPr>
+        <p:spPr>
+          <a:xfrm>
+            <a:off x="1593206" y="2328707"/>
+            <a:ext cx="906543" cy="487223"/>
+          </a:xfrm>
+          <a:prstGeom prst="rect">
+            <a:avLst/>
+          </a:prstGeom>
+        </p:spPr>
+        <p:txBody>
+          <a:bodyPr vert="horz" lIns="91440" tIns="45720" rIns="91440" bIns="45720" rtlCol="0">
+            <a:normAutofit/>
+          </a:bodyPr>
+          <a:lstStyle>
+            <a:lvl1pPr marL="228600" indent="-228600" algn="l" defTabSz="914400" rtl="0" eaLnBrk="1" latinLnBrk="0" hangingPunct="1">
+              <a:lnSpc>
+                <a:spcPct val="90000"/>
+              </a:lnSpc>
+              <a:spcBef>
+                <a:spcPts val="1000"/>
+              </a:spcBef>
+              <a:buFont typeface="Arial" panose="020B0604020202020204" pitchFamily="34" charset="0"/>
+              <a:buChar char="•"/>
+              <a:defRPr sz="2800" kern="1200">
+                <a:solidFill>
+                  <a:schemeClr val="tx1"/>
+                </a:solidFill>
+                <a:latin typeface="+mn-lt"/>
+                <a:ea typeface="+mn-ea"/>
+                <a:cs typeface="+mn-cs"/>
+              </a:defRPr>
+            </a:lvl1pPr>
+            <a:lvl2pPr marL="685800" indent="-228600" algn="l" defTabSz="914400" rtl="0" eaLnBrk="1" latinLnBrk="0" hangingPunct="1">
+              <a:lnSpc>
+                <a:spcPct val="90000"/>
+              </a:lnSpc>
+              <a:spcBef>
+                <a:spcPts val="500"/>
+              </a:spcBef>
+              <a:buFont typeface="Arial" panose="020B0604020202020204" pitchFamily="34" charset="0"/>
+              <a:buChar char="•"/>
+              <a:defRPr sz="2400" kern="1200">
+                <a:solidFill>
+                  <a:schemeClr val="tx1"/>
+                </a:solidFill>
+                <a:latin typeface="+mn-lt"/>
+                <a:ea typeface="+mn-ea"/>
+                <a:cs typeface="+mn-cs"/>
+              </a:defRPr>
+            </a:lvl2pPr>
+            <a:lvl3pPr marL="1143000" indent="-228600" algn="l" defTabSz="914400" rtl="0" eaLnBrk="1" latinLnBrk="0" hangingPunct="1">
+              <a:lnSpc>
+                <a:spcPct val="90000"/>
+              </a:lnSpc>
+              <a:spcBef>
+                <a:spcPts val="500"/>
+              </a:spcBef>
+              <a:buFont typeface="Arial" panose="020B0604020202020204" pitchFamily="34" charset="0"/>
+              <a:buChar char="•"/>
+              <a:defRPr sz="2000" kern="1200">
+                <a:solidFill>
+                  <a:schemeClr val="tx1"/>
+                </a:solidFill>
+                <a:latin typeface="+mn-lt"/>
+                <a:ea typeface="+mn-ea"/>
+                <a:cs typeface="+mn-cs"/>
+              </a:defRPr>
+            </a:lvl3pPr>
+            <a:lvl4pPr marL="1600200" indent="-228600" algn="l" defTabSz="914400" rtl="0" eaLnBrk="1" latinLnBrk="0" hangingPunct="1">
+              <a:lnSpc>
+                <a:spcPct val="90000"/>
+              </a:lnSpc>
+              <a:spcBef>
+                <a:spcPts val="500"/>
+              </a:spcBef>
+              <a:buFont typeface="Arial" panose="020B0604020202020204" pitchFamily="34" charset="0"/>
+              <a:buChar char="•"/>
+              <a:defRPr sz="1800" kern="1200">
+                <a:solidFill>
+                  <a:schemeClr val="tx1"/>
+                </a:solidFill>
+                <a:latin typeface="+mn-lt"/>
+                <a:ea typeface="+mn-ea"/>
+                <a:cs typeface="+mn-cs"/>
+              </a:defRPr>
+            </a:lvl4pPr>
+            <a:lvl5pPr marL="2057400" indent="-228600" algn="l" defTabSz="914400" rtl="0" eaLnBrk="1" latinLnBrk="0" hangingPunct="1">
+              <a:lnSpc>
+                <a:spcPct val="90000"/>
+              </a:lnSpc>
+              <a:spcBef>
+                <a:spcPts val="500"/>
+              </a:spcBef>
+              <a:buFont typeface="Arial" panose="020B0604020202020204" pitchFamily="34" charset="0"/>
+              <a:buChar char="•"/>
+              <a:defRPr sz="1800" kern="1200">
+                <a:solidFill>
+                  <a:schemeClr val="tx1"/>
+                </a:solidFill>
+                <a:latin typeface="+mn-lt"/>
+                <a:ea typeface="+mn-ea"/>
+                <a:cs typeface="+mn-cs"/>
+              </a:defRPr>
+            </a:lvl5pPr>
+            <a:lvl6pPr marL="2514600" indent="-228600" algn="l" defTabSz="914400" rtl="0" eaLnBrk="1" latinLnBrk="0" hangingPunct="1">
+              <a:lnSpc>
+                <a:spcPct val="90000"/>
+              </a:lnSpc>
+              <a:spcBef>
+                <a:spcPts val="500"/>
+              </a:spcBef>
+              <a:buFont typeface="Arial" panose="020B0604020202020204" pitchFamily="34" charset="0"/>
+              <a:buChar char="•"/>
+              <a:defRPr sz="1800" kern="1200">
+                <a:solidFill>
+                  <a:schemeClr val="tx1"/>
+                </a:solidFill>
+                <a:latin typeface="+mn-lt"/>
+                <a:ea typeface="+mn-ea"/>
+                <a:cs typeface="+mn-cs"/>
+              </a:defRPr>
+            </a:lvl6pPr>
+            <a:lvl7pPr marL="2971800" indent="-228600" algn="l" defTabSz="914400" rtl="0" eaLnBrk="1" latinLnBrk="0" hangingPunct="1">
+              <a:lnSpc>
+                <a:spcPct val="90000"/>
+              </a:lnSpc>
+              <a:spcBef>
+                <a:spcPts val="500"/>
+              </a:spcBef>
+              <a:buFont typeface="Arial" panose="020B0604020202020204" pitchFamily="34" charset="0"/>
+              <a:buChar char="•"/>
+              <a:defRPr sz="1800" kern="1200">
+                <a:solidFill>
+                  <a:schemeClr val="tx1"/>
+                </a:solidFill>
+                <a:latin typeface="+mn-lt"/>
+                <a:ea typeface="+mn-ea"/>
+                <a:cs typeface="+mn-cs"/>
+              </a:defRPr>
+            </a:lvl7pPr>
+            <a:lvl8pPr marL="3429000" indent="-228600" algn="l" defTabSz="914400" rtl="0" eaLnBrk="1" latinLnBrk="0" hangingPunct="1">
+              <a:lnSpc>
+                <a:spcPct val="90000"/>
+              </a:lnSpc>
+              <a:spcBef>
+                <a:spcPts val="500"/>
+              </a:spcBef>
+              <a:buFont typeface="Arial" panose="020B0604020202020204" pitchFamily="34" charset="0"/>
+              <a:buChar char="•"/>
+              <a:defRPr sz="1800" kern="1200">
+                <a:solidFill>
+                  <a:schemeClr val="tx1"/>
+                </a:solidFill>
+                <a:latin typeface="+mn-lt"/>
+                <a:ea typeface="+mn-ea"/>
+                <a:cs typeface="+mn-cs"/>
+              </a:defRPr>
+            </a:lvl8pPr>
+            <a:lvl9pPr marL="3886200" indent="-228600" algn="l" defTabSz="914400" rtl="0" eaLnBrk="1" latinLnBrk="0" hangingPunct="1">
+              <a:lnSpc>
+                <a:spcPct val="90000"/>
+              </a:lnSpc>
+              <a:spcBef>
+                <a:spcPts val="500"/>
+              </a:spcBef>
+              <a:buFont typeface="Arial" panose="020B0604020202020204" pitchFamily="34" charset="0"/>
+              <a:buChar char="•"/>
+              <a:defRPr sz="1800" kern="1200">
+                <a:solidFill>
+                  <a:schemeClr val="tx1"/>
+                </a:solidFill>
+                <a:latin typeface="+mn-lt"/>
+                <a:ea typeface="+mn-ea"/>
+                <a:cs typeface="+mn-cs"/>
+              </a:defRPr>
+            </a:lvl9pPr>
+          </a:lstStyle>
+          <a:p>
+            <a:pPr marL="0" indent="0">
+              <a:buNone/>
+            </a:pPr>
+            <a:r>
+              <a:rPr lang="en-US" sz="2000" noProof="0" dirty="0" err="1">
+                <a:latin typeface="Bahnschrift SemiCondensed" panose="020B0502040204020203" pitchFamily="34" charset="0"/>
+              </a:rPr>
+              <a:t>Bla</a:t>
+            </a:r>
+            <a:r>
+              <a:rPr lang="en-US" sz="2000" noProof="0" dirty="0">
+                <a:latin typeface="Bahnschrift SemiCondensed" panose="020B0502040204020203" pitchFamily="34" charset="0"/>
+              </a:rPr>
+              <a:t> </a:t>
+            </a:r>
+            <a:r>
+              <a:rPr lang="en-US" sz="2000" noProof="0" dirty="0" err="1">
+                <a:latin typeface="Bahnschrift SemiCondensed" panose="020B0502040204020203" pitchFamily="34" charset="0"/>
+              </a:rPr>
+              <a:t>bla</a:t>
+            </a:r>
+            <a:endParaRPr lang="en-US" sz="2000" noProof="0" dirty="0"/>
+          </a:p>
+        </p:txBody>
+      </p:sp>
+      <p:pic>
+        <p:nvPicPr>
+          <p:cNvPr id="6" name="Picture 5" descr="\documentclass{article}&#10;\usepackage{amsmath}&#10;\pagestyle{empty}&#10;\begin{document}&#10;&#10;$\hat{H}$&#10;&#10;&#10;\end{document}" title="IguanaTex Picture Display">
+            <a:extLst>
+              <a:ext uri="{FF2B5EF4-FFF2-40B4-BE49-F238E27FC236}">
+                <a16:creationId xmlns:a16="http://schemas.microsoft.com/office/drawing/2014/main" id="{D5B1B623-0D87-7CA7-4E2A-394E8A19ED51}"/>
+              </a:ext>
+            </a:extLst>
+          </p:cNvPr>
+          <p:cNvPicPr>
+            <a:picLocks noChangeAspect="1"/>
+          </p:cNvPicPr>
+          <p:nvPr>
+            <p:custDataLst>
+              <p:tags r:id="rId2"/>
+            </p:custDataLst>
+          </p:nvPr>
+        </p:nvPicPr>
+        <p:blipFill>
+          <a:blip r:embed="rId7">
+            <a:extLst>
+              <a:ext uri="{28A0092B-C50C-407E-A947-70E740481C1C}">
+                <a14:useLocalDpi xmlns:a14="http://schemas.microsoft.com/office/drawing/2010/main" val="0"/>
+              </a:ext>
+            </a:extLst>
+          </a:blip>
+          <a:stretch>
+            <a:fillRect/>
+          </a:stretch>
+        </p:blipFill>
+        <p:spPr>
+          <a:xfrm>
+            <a:off x="3062112" y="1790107"/>
+            <a:ext cx="214857" cy="239238"/>
+          </a:xfrm>
+          <a:prstGeom prst="rect">
+            <a:avLst/>
+          </a:prstGeom>
+        </p:spPr>
+      </p:pic>
+    </p:spTree>
+    <p:extLst>
+      <p:ext uri="{BB962C8B-B14F-4D97-AF65-F5344CB8AC3E}">
+        <p14:creationId xmlns:p14="http://schemas.microsoft.com/office/powerpoint/2010/main" val="1673337120"/>
       </p:ext>
     </p:extLst>
   </p:cSld>
@@ -6877,15 +11724,281 @@
 </p:tagLst>
 </file>
 
+<file path=ppt/tags/tag17.xml><?xml version="1.0" encoding="utf-8"?>
+<p:tagLst xmlns:a="http://schemas.openxmlformats.org/drawingml/2006/main" xmlns:r="http://schemas.openxmlformats.org/officeDocument/2006/relationships" xmlns:p="http://schemas.openxmlformats.org/presentationml/2006/main">
+  <p:tag name="OUTPUTDPI" val=" 1200"/>
+  <p:tag name="ORIGINALHEIGHT" val=" 159.73"/>
+  <p:tag name="ORIGINALWIDTH" val=" 1406.824"/>
+  <p:tag name="OUTPUTTYPE" val="PNG"/>
+  <p:tag name="IGUANATEXVERSION" val="162"/>
+  <p:tag name="LATEXADDIN" val="\documentclass{article}&#10;\usepackage{amsmath}&#10;\usepackage{bbold}&#10;\pagestyle{empty}&#10;\begin{document}&#10;&#10;$\rho(\beta_0) = \text{e}^{- \beta_0 \hat{H}}\approx \hat{\mathbb{1}} - \beta_0 \hat{H}$&#10;&#10;&#10;\end{document}"/>
+  <p:tag name="IGUANATEXSIZE" val="20"/>
+  <p:tag name="IGUANATEXCURSOR" val="187"/>
+  <p:tag name="TRANSPARENCY" val="True"/>
+  <p:tag name="CHOOSECOLOR" val="False"/>
+  <p:tag name="COLORHEX" val="000000"/>
+  <p:tag name="LATEXENGINEID" val="0"/>
+  <p:tag name="TEMPFOLDER" val="c:\temp\"/>
+  <p:tag name="LATEXFORMHEIGHT" val=" 320"/>
+  <p:tag name="LATEXFORMWIDTH" val=" 385"/>
+  <p:tag name="LATEXFORMWRAP" val="True"/>
+  <p:tag name="BITMAPVECTOR" val="0"/>
+</p:tagLst>
+</file>
+
+<file path=ppt/tags/tag18.xml><?xml version="1.0" encoding="utf-8"?>
+<p:tagLst xmlns:a="http://schemas.openxmlformats.org/drawingml/2006/main" xmlns:r="http://schemas.openxmlformats.org/officeDocument/2006/relationships" xmlns:p="http://schemas.openxmlformats.org/presentationml/2006/main">
+  <p:tag name="OUTPUTDPI" val=" 1200"/>
+  <p:tag name="ORIGINALHEIGHT" val=" 126.7342"/>
+  <p:tag name="ORIGINALWIDTH" val=" 536.9329"/>
+  <p:tag name="OUTPUTTYPE" val="PNG"/>
+  <p:tag name="IGUANATEXVERSION" val="162"/>
+  <p:tag name="LATEXADDIN" val="\documentclass{article}&#10;\usepackage{amsmath}&#10;\pagestyle{empty}&#10;\begin{document}&#10;&#10;$\beta_0 = 10^{-6}$&#10;&#10;\end{document}"/>
+  <p:tag name="IGUANATEXSIZE" val="20"/>
+  <p:tag name="IGUANATEXCURSOR" val="82"/>
+  <p:tag name="TRANSPARENCY" val="True"/>
+  <p:tag name="CHOOSECOLOR" val="False"/>
+  <p:tag name="COLORHEX" val="000000"/>
+  <p:tag name="LATEXENGINEID" val="0"/>
+  <p:tag name="TEMPFOLDER" val="c:\temp\"/>
+  <p:tag name="LATEXFORMHEIGHT" val=" 320"/>
+  <p:tag name="LATEXFORMWIDTH" val=" 385"/>
+  <p:tag name="LATEXFORMWRAP" val="True"/>
+  <p:tag name="BITMAPVECTOR" val="0"/>
+</p:tagLst>
+</file>
+
+<file path=ppt/tags/tag19.xml><?xml version="1.0" encoding="utf-8"?>
+<p:tagLst xmlns:a="http://schemas.openxmlformats.org/drawingml/2006/main" xmlns:r="http://schemas.openxmlformats.org/officeDocument/2006/relationships" xmlns:p="http://schemas.openxmlformats.org/presentationml/2006/main">
+  <p:tag name="OUTPUTDPI" val=" 1200"/>
+  <p:tag name="ORIGINALHEIGHT" val=" 117.7353"/>
+  <p:tag name="ORIGINALWIDTH" val=" 105.7368"/>
+  <p:tag name="OUTPUTTYPE" val="PNG"/>
+  <p:tag name="IGUANATEXVERSION" val="162"/>
+  <p:tag name="LATEXADDIN" val="\documentclass{article}&#10;\usepackage{amsmath}&#10;\pagestyle{empty}&#10;\begin{document}&#10;&#10;$\hat{H}$&#10;&#10;&#10;\end{document}"/>
+  <p:tag name="IGUANATEXSIZE" val="20"/>
+  <p:tag name="IGUANATEXCURSOR" val="82"/>
+  <p:tag name="TRANSPARENCY" val="True"/>
+  <p:tag name="CHOOSECOLOR" val="False"/>
+  <p:tag name="COLORHEX" val="000000"/>
+  <p:tag name="LATEXENGINEID" val="0"/>
+  <p:tag name="TEMPFOLDER" val="c:\temp\"/>
+  <p:tag name="LATEXFORMHEIGHT" val=" 320"/>
+  <p:tag name="LATEXFORMWIDTH" val=" 385"/>
+  <p:tag name="LATEXFORMWRAP" val="True"/>
+  <p:tag name="BITMAPVECTOR" val="0"/>
+</p:tagLst>
+</file>
+
 <file path=ppt/tags/tag2.xml><?xml version="1.0" encoding="utf-8"?>
 <p:tagLst xmlns:a="http://schemas.openxmlformats.org/drawingml/2006/main" xmlns:r="http://schemas.openxmlformats.org/officeDocument/2006/relationships" xmlns:p="http://schemas.openxmlformats.org/presentationml/2006/main">
   <p:tag name="THINKCELLSHAPEDONOTDELETE" val="thinkcellActiveDocDoNotDelete"/>
 </p:tagLst>
 </file>
 
+<file path=ppt/tags/tag20.xml><?xml version="1.0" encoding="utf-8"?>
+<p:tagLst xmlns:a="http://schemas.openxmlformats.org/drawingml/2006/main" xmlns:r="http://schemas.openxmlformats.org/officeDocument/2006/relationships" xmlns:p="http://schemas.openxmlformats.org/presentationml/2006/main">
+  <p:tag name="OUTPUTDPI" val=" 1200"/>
+  <p:tag name="ORIGINALHEIGHT" val=" 113.2358"/>
+  <p:tag name="ORIGINALWIDTH" val=" 55.49307"/>
+  <p:tag name="OUTPUTTYPE" val="PNG"/>
+  <p:tag name="IGUANATEXVERSION" val="162"/>
+  <p:tag name="LATEXADDIN" val="\documentclass{article}&#10;\usepackage{amsmath}&#10;\usepackage{bbold}&#10;\pagestyle{empty}&#10;\begin{document}&#10;&#10;$\hat{\mathbb{1}}$&#10;&#10;\end{document}"/>
+  <p:tag name="IGUANATEXSIZE" val="20"/>
+  <p:tag name="IGUANATEXCURSOR" val="116"/>
+  <p:tag name="TRANSPARENCY" val="True"/>
+  <p:tag name="CHOOSECOLOR" val="False"/>
+  <p:tag name="COLORHEX" val="000000"/>
+  <p:tag name="LATEXENGINEID" val="0"/>
+  <p:tag name="TEMPFOLDER" val="c:\temp\"/>
+  <p:tag name="LATEXFORMHEIGHT" val=" 320"/>
+  <p:tag name="LATEXFORMWIDTH" val=" 385"/>
+  <p:tag name="LATEXFORMWRAP" val="True"/>
+  <p:tag name="BITMAPVECTOR" val="0"/>
+</p:tagLst>
+</file>
+
+<file path=ppt/tags/tag21.xml><?xml version="1.0" encoding="utf-8"?>
+<p:tagLst xmlns:a="http://schemas.openxmlformats.org/drawingml/2006/main" xmlns:r="http://schemas.openxmlformats.org/officeDocument/2006/relationships" xmlns:p="http://schemas.openxmlformats.org/presentationml/2006/main">
+  <p:tag name="OUTPUTDPI" val=" 1200"/>
+  <p:tag name="ORIGINALHEIGHT" val=" 141.7323"/>
+  <p:tag name="ORIGINALWIDTH" val=" 451.4435"/>
+  <p:tag name="OUTPUTTYPE" val="PNG"/>
+  <p:tag name="IGUANATEXVERSION" val="162"/>
+  <p:tag name="LATEXADDIN" val="\documentclass{article}&#10;\usepackage{amsmath}&#10;\usepackage{bbold}&#10;\pagestyle{empty}&#10;\begin{document}&#10;&#10;$\hat{\mathbb{1}} - \beta_0 \hat{H}$&#10;&#10;\end{document}"/>
+  <p:tag name="IGUANATEXSIZE" val="20"/>
+  <p:tag name="IGUANATEXCURSOR" val="135"/>
+  <p:tag name="TRANSPARENCY" val="True"/>
+  <p:tag name="CHOOSECOLOR" val="False"/>
+  <p:tag name="COLORHEX" val="000000"/>
+  <p:tag name="LATEXENGINEID" val="0"/>
+  <p:tag name="TEMPFOLDER" val="c:\temp\"/>
+  <p:tag name="LATEXFORMHEIGHT" val=" 320"/>
+  <p:tag name="LATEXFORMWIDTH" val=" 385"/>
+  <p:tag name="LATEXFORMWRAP" val="True"/>
+  <p:tag name="BITMAPVECTOR" val="0"/>
+</p:tagLst>
+</file>
+
+<file path=ppt/tags/tag22.xml><?xml version="1.0" encoding="utf-8"?>
+<p:tagLst xmlns:a="http://schemas.openxmlformats.org/drawingml/2006/main" xmlns:r="http://schemas.openxmlformats.org/officeDocument/2006/relationships" xmlns:p="http://schemas.openxmlformats.org/presentationml/2006/main">
+  <p:tag name="THINKCELLSHAPEDONOTDELETE" val="thinkcellActiveDocDoNotDelete"/>
+</p:tagLst>
+</file>
+
+<file path=ppt/tags/tag23.xml><?xml version="1.0" encoding="utf-8"?>
+<p:tagLst xmlns:a="http://schemas.openxmlformats.org/drawingml/2006/main" xmlns:r="http://schemas.openxmlformats.org/officeDocument/2006/relationships" xmlns:p="http://schemas.openxmlformats.org/presentationml/2006/main">
+  <p:tag name="OUTPUTDPI" val=" 1200"/>
+  <p:tag name="ORIGINALHEIGHT" val=" 125.2343"/>
+  <p:tag name="ORIGINALWIDTH" val=" 222.7221"/>
+  <p:tag name="OUTPUTTYPE" val="PNG"/>
+  <p:tag name="IGUANATEXVERSION" val="162"/>
+  <p:tag name="LATEXADDIN" val="\documentclass{article}&#10;\usepackage{amsmath}&#10;\pagestyle{empty}&#10;\begin{document}&#10;&#10;$\rho(\beta)$&#10;&#10;&#10;\end{document}"/>
+  <p:tag name="IGUANATEXSIZE" val="20"/>
+  <p:tag name="IGUANATEXCURSOR" val="92"/>
+  <p:tag name="TRANSPARENCY" val="True"/>
+  <p:tag name="CHOOSECOLOR" val="False"/>
+  <p:tag name="COLORHEX" val="000000"/>
+  <p:tag name="LATEXENGINEID" val="0"/>
+  <p:tag name="TEMPFOLDER" val="c:\temp\"/>
+  <p:tag name="LATEXFORMHEIGHT" val=" 320"/>
+  <p:tag name="LATEXFORMWIDTH" val=" 385"/>
+  <p:tag name="LATEXFORMWRAP" val="True"/>
+  <p:tag name="BITMAPVECTOR" val="0"/>
+</p:tagLst>
+</file>
+
+<file path=ppt/tags/tag24.xml><?xml version="1.0" encoding="utf-8"?>
+<p:tagLst xmlns:a="http://schemas.openxmlformats.org/drawingml/2006/main" xmlns:r="http://schemas.openxmlformats.org/officeDocument/2006/relationships" xmlns:p="http://schemas.openxmlformats.org/presentationml/2006/main">
+  <p:tag name="OUTPUTDPI" val=" 1200"/>
+  <p:tag name="ORIGINALHEIGHT" val=" 159.73"/>
+  <p:tag name="ORIGINALWIDTH" val=" 1857.518"/>
+  <p:tag name="OUTPUTTYPE" val="PNG"/>
+  <p:tag name="IGUANATEXVERSION" val="162"/>
+  <p:tag name="LATEXADDIN" val="\documentclass{article}&#10;\usepackage{amsmath}&#10;\pagestyle{empty}&#10;\begin{document}&#10;&#10;$\rho(2 \beta) = \text{e}^{-2 \beta \hat{H}} = (\text{e}^{- \beta \hat{H}})^2 = \rho(\beta)^2$&#10;&#10;&#10;\end{document}"/>
+  <p:tag name="IGUANATEXSIZE" val="20"/>
+  <p:tag name="IGUANATEXCURSOR" val="129"/>
+  <p:tag name="TRANSPARENCY" val="True"/>
+  <p:tag name="CHOOSECOLOR" val="False"/>
+  <p:tag name="COLORHEX" val="000000"/>
+  <p:tag name="LATEXENGINEID" val="0"/>
+  <p:tag name="TEMPFOLDER" val="c:\temp\"/>
+  <p:tag name="LATEXFORMHEIGHT" val=" 320"/>
+  <p:tag name="LATEXFORMWIDTH" val=" 385"/>
+  <p:tag name="LATEXFORMWRAP" val="True"/>
+  <p:tag name="BITMAPVECTOR" val="0"/>
+</p:tagLst>
+</file>
+
+<file path=ppt/tags/tag25.xml><?xml version="1.0" encoding="utf-8"?>
+<p:tagLst xmlns:a="http://schemas.openxmlformats.org/drawingml/2006/main" xmlns:r="http://schemas.openxmlformats.org/officeDocument/2006/relationships" xmlns:p="http://schemas.openxmlformats.org/presentationml/2006/main">
+  <p:tag name="OUTPUTDPI" val=" 1200"/>
+  <p:tag name="ORIGINALHEIGHT" val=" 90.73866"/>
+  <p:tag name="ORIGINALWIDTH" val=" 155.2306"/>
+  <p:tag name="OUTPUTTYPE" val="PNG"/>
+  <p:tag name="IGUANATEXVERSION" val="162"/>
+  <p:tag name="LATEXADDIN" val="\documentclass{article}&#10;\usepackage{amsmath}&#10;\pagestyle{empty}&#10;\begin{document}&#10;&#10;$\rho_{\beta_0}$&#10;&#10;\end{document}"/>
+  <p:tag name="IGUANATEXSIZE" val="20"/>
+  <p:tag name="IGUANATEXCURSOR" val="82"/>
+  <p:tag name="TRANSPARENCY" val="True"/>
+  <p:tag name="CHOOSECOLOR" val="False"/>
+  <p:tag name="COLORHEX" val="000000"/>
+  <p:tag name="LATEXENGINEID" val="0"/>
+  <p:tag name="TEMPFOLDER" val="c:\temp\"/>
+  <p:tag name="LATEXFORMHEIGHT" val=" 320"/>
+  <p:tag name="LATEXFORMWIDTH" val=" 385"/>
+  <p:tag name="LATEXFORMWRAP" val="True"/>
+  <p:tag name="BITMAPVECTOR" val="0"/>
+</p:tagLst>
+</file>
+
+<file path=ppt/tags/tag26.xml><?xml version="1.0" encoding="utf-8"?>
+<p:tagLst xmlns:a="http://schemas.openxmlformats.org/drawingml/2006/main" xmlns:r="http://schemas.openxmlformats.org/officeDocument/2006/relationships" xmlns:p="http://schemas.openxmlformats.org/presentationml/2006/main">
+  <p:tag name="THINKCELLSHAPEDONOTDELETE" val="thinkcellActiveDocDoNotDelete"/>
+</p:tagLst>
+</file>
+
+<file path=ppt/tags/tag27.xml><?xml version="1.0" encoding="utf-8"?>
+<p:tagLst xmlns:a="http://schemas.openxmlformats.org/drawingml/2006/main" xmlns:r="http://schemas.openxmlformats.org/officeDocument/2006/relationships" xmlns:p="http://schemas.openxmlformats.org/presentationml/2006/main">
+  <p:tag name="OUTPUTDPI" val=" 1200"/>
+  <p:tag name="ORIGINALHEIGHT" val=" 117.7353"/>
+  <p:tag name="ORIGINALWIDTH" val=" 105.7368"/>
+  <p:tag name="OUTPUTTYPE" val="PNG"/>
+  <p:tag name="IGUANATEXVERSION" val="162"/>
+  <p:tag name="LATEXADDIN" val="\documentclass{article}&#10;\usepackage{amsmath}&#10;\pagestyle{empty}&#10;\begin{document}&#10;&#10;$\hat{H}$&#10;&#10;&#10;\end{document}"/>
+  <p:tag name="IGUANATEXSIZE" val="20"/>
+  <p:tag name="IGUANATEXCURSOR" val="82"/>
+  <p:tag name="TRANSPARENCY" val="True"/>
+  <p:tag name="CHOOSECOLOR" val="False"/>
+  <p:tag name="COLORHEX" val="000000"/>
+  <p:tag name="LATEXENGINEID" val="0"/>
+  <p:tag name="TEMPFOLDER" val="c:\temp\"/>
+  <p:tag name="LATEXFORMHEIGHT" val=" 320"/>
+  <p:tag name="LATEXFORMWIDTH" val=" 385"/>
+  <p:tag name="LATEXFORMWRAP" val="True"/>
+  <p:tag name="BITMAPVECTOR" val="0"/>
+</p:tagLst>
+</file>
+
+<file path=ppt/tags/tag28.xml><?xml version="1.0" encoding="utf-8"?>
+<p:tagLst xmlns:a="http://schemas.openxmlformats.org/drawingml/2006/main" xmlns:r="http://schemas.openxmlformats.org/officeDocument/2006/relationships" xmlns:p="http://schemas.openxmlformats.org/presentationml/2006/main">
+  <p:tag name="THINKCELLSHAPEDONOTDELETE" val="thinkcellActiveDocDoNotDelete"/>
+</p:tagLst>
+</file>
+
+<file path=ppt/tags/tag29.xml><?xml version="1.0" encoding="utf-8"?>
+<p:tagLst xmlns:a="http://schemas.openxmlformats.org/drawingml/2006/main" xmlns:r="http://schemas.openxmlformats.org/officeDocument/2006/relationships" xmlns:p="http://schemas.openxmlformats.org/presentationml/2006/main">
+  <p:tag name="OUTPUTDPI" val=" 1200"/>
+  <p:tag name="ORIGINALHEIGHT" val=" 117.7353"/>
+  <p:tag name="ORIGINALWIDTH" val=" 105.7368"/>
+  <p:tag name="OUTPUTTYPE" val="PNG"/>
+  <p:tag name="IGUANATEXVERSION" val="162"/>
+  <p:tag name="LATEXADDIN" val="\documentclass{article}&#10;\usepackage{amsmath}&#10;\pagestyle{empty}&#10;\begin{document}&#10;&#10;$\hat{H}$&#10;&#10;&#10;\end{document}"/>
+  <p:tag name="IGUANATEXSIZE" val="20"/>
+  <p:tag name="IGUANATEXCURSOR" val="82"/>
+  <p:tag name="TRANSPARENCY" val="True"/>
+  <p:tag name="CHOOSECOLOR" val="False"/>
+  <p:tag name="COLORHEX" val="000000"/>
+  <p:tag name="LATEXENGINEID" val="0"/>
+  <p:tag name="TEMPFOLDER" val="c:\temp\"/>
+  <p:tag name="LATEXFORMHEIGHT" val=" 320"/>
+  <p:tag name="LATEXFORMWIDTH" val=" 385"/>
+  <p:tag name="LATEXFORMWRAP" val="True"/>
+  <p:tag name="BITMAPVECTOR" val="0"/>
+</p:tagLst>
+</file>
+
 <file path=ppt/tags/tag3.xml><?xml version="1.0" encoding="utf-8"?>
 <p:tagLst xmlns:a="http://schemas.openxmlformats.org/drawingml/2006/main" xmlns:r="http://schemas.openxmlformats.org/officeDocument/2006/relationships" xmlns:p="http://schemas.openxmlformats.org/presentationml/2006/main">
   <p:tag name="THINKCELLSHAPEDONOTDELETE" val="thinkcellActiveDocDoNotDelete"/>
+</p:tagLst>
+</file>
+
+<file path=ppt/tags/tag30.xml><?xml version="1.0" encoding="utf-8"?>
+<p:tagLst xmlns:a="http://schemas.openxmlformats.org/drawingml/2006/main" xmlns:r="http://schemas.openxmlformats.org/officeDocument/2006/relationships" xmlns:p="http://schemas.openxmlformats.org/presentationml/2006/main">
+  <p:tag name="THINKCELLSHAPEDONOTDELETE" val="thinkcellActiveDocDoNotDelete"/>
+</p:tagLst>
+</file>
+
+<file path=ppt/tags/tag31.xml><?xml version="1.0" encoding="utf-8"?>
+<p:tagLst xmlns:a="http://schemas.openxmlformats.org/drawingml/2006/main" xmlns:r="http://schemas.openxmlformats.org/officeDocument/2006/relationships" xmlns:p="http://schemas.openxmlformats.org/presentationml/2006/main">
+  <p:tag name="OUTPUTDPI" val=" 1200"/>
+  <p:tag name="ORIGINALHEIGHT" val=" 117.7353"/>
+  <p:tag name="ORIGINALWIDTH" val=" 105.7368"/>
+  <p:tag name="OUTPUTTYPE" val="PNG"/>
+  <p:tag name="IGUANATEXVERSION" val="162"/>
+  <p:tag name="LATEXADDIN" val="\documentclass{article}&#10;\usepackage{amsmath}&#10;\pagestyle{empty}&#10;\begin{document}&#10;&#10;$\hat{H}$&#10;&#10;&#10;\end{document}"/>
+  <p:tag name="IGUANATEXSIZE" val="20"/>
+  <p:tag name="IGUANATEXCURSOR" val="82"/>
+  <p:tag name="TRANSPARENCY" val="True"/>
+  <p:tag name="CHOOSECOLOR" val="False"/>
+  <p:tag name="COLORHEX" val="000000"/>
+  <p:tag name="LATEXENGINEID" val="0"/>
+  <p:tag name="TEMPFOLDER" val="c:\temp\"/>
+  <p:tag name="LATEXFORMHEIGHT" val=" 320"/>
+  <p:tag name="LATEXFORMWIDTH" val=" 385"/>
+  <p:tag name="LATEXFORMWRAP" val="True"/>
+  <p:tag name="BITMAPVECTOR" val="0"/>
 </p:tagLst>
 </file>
 
